--- a/ml/Initiation Machine Learning &ACP.pptx
+++ b/ml/Initiation Machine Learning &ACP.pptx
@@ -7,8 +7,9 @@
   <p:sldIdLst>
     <p:sldId id="256" r:id="rId2"/>
     <p:sldId id="258" r:id="rId3"/>
-    <p:sldId id="257" r:id="rId4"/>
-    <p:sldId id="259" r:id="rId5"/>
+    <p:sldId id="260" r:id="rId4"/>
+    <p:sldId id="257" r:id="rId5"/>
+    <p:sldId id="259" r:id="rId6"/>
   </p:sldIdLst>
   <p:sldSz cx="12192000" cy="6858000"/>
   <p:notesSz cx="6858000" cy="9144000"/>
@@ -107,6 +108,11 @@
       </a:defRPr>
     </a:lvl9pPr>
   </p:defaultTextStyle>
+  <p:extLst>
+    <p:ext uri="{EFAFB233-063F-42B5-8137-9DF3F51BA10A}">
+      <p15:sldGuideLst xmlns:p15="http://schemas.microsoft.com/office/powerpoint/2012/main"/>
+    </p:ext>
+  </p:extLst>
 </p:presentation>
 </file>
 
@@ -442,7 +448,7 @@
             <a:fld id="{B61BEF0D-F0BB-DE4B-95CE-6DB70DBA9567}" type="datetimeFigureOut">
               <a:rPr lang="en-US" dirty="0"/>
               <a:pPr/>
-              <a:t>5/10/2021</a:t>
+              <a:t>5/11/2021</a:t>
             </a:fld>
             <a:endParaRPr lang="en-US" dirty="0"/>
           </a:p>
@@ -763,7 +769,7 @@
             <a:fld id="{B61BEF0D-F0BB-DE4B-95CE-6DB70DBA9567}" type="datetimeFigureOut">
               <a:rPr lang="en-US" dirty="0"/>
               <a:pPr/>
-              <a:t>5/10/2021</a:t>
+              <a:t>5/11/2021</a:t>
             </a:fld>
             <a:endParaRPr lang="en-US" dirty="0"/>
           </a:p>
@@ -1008,7 +1014,7 @@
             <a:fld id="{B61BEF0D-F0BB-DE4B-95CE-6DB70DBA9567}" type="datetimeFigureOut">
               <a:rPr lang="en-US" dirty="0"/>
               <a:pPr/>
-              <a:t>5/10/2021</a:t>
+              <a:t>5/11/2021</a:t>
             </a:fld>
             <a:endParaRPr lang="en-US" dirty="0"/>
           </a:p>
@@ -1344,7 +1350,7 @@
             <a:fld id="{B61BEF0D-F0BB-DE4B-95CE-6DB70DBA9567}" type="datetimeFigureOut">
               <a:rPr lang="en-US" dirty="0"/>
               <a:pPr/>
-              <a:t>5/10/2021</a:t>
+              <a:t>5/11/2021</a:t>
             </a:fld>
             <a:endParaRPr lang="en-US" dirty="0"/>
           </a:p>
@@ -1688,7 +1694,7 @@
             <a:fld id="{B61BEF0D-F0BB-DE4B-95CE-6DB70DBA9567}" type="datetimeFigureOut">
               <a:rPr lang="en-US" dirty="0"/>
               <a:pPr/>
-              <a:t>5/10/2021</a:t>
+              <a:t>5/11/2021</a:t>
             </a:fld>
             <a:endParaRPr lang="en-US" dirty="0"/>
           </a:p>
@@ -2059,7 +2065,7 @@
             <a:fld id="{B61BEF0D-F0BB-DE4B-95CE-6DB70DBA9567}" type="datetimeFigureOut">
               <a:rPr lang="en-US" dirty="0"/>
               <a:pPr/>
-              <a:t>5/10/2021</a:t>
+              <a:t>5/11/2021</a:t>
             </a:fld>
             <a:endParaRPr lang="en-US" dirty="0"/>
           </a:p>
@@ -2526,7 +2532,7 @@
             <a:fld id="{B61BEF0D-F0BB-DE4B-95CE-6DB70DBA9567}" type="datetimeFigureOut">
               <a:rPr lang="en-US" dirty="0"/>
               <a:pPr/>
-              <a:t>5/10/2021</a:t>
+              <a:t>5/11/2021</a:t>
             </a:fld>
             <a:endParaRPr lang="en-US" dirty="0"/>
           </a:p>
@@ -2728,7 +2734,7 @@
             <a:fld id="{B61BEF0D-F0BB-DE4B-95CE-6DB70DBA9567}" type="datetimeFigureOut">
               <a:rPr lang="en-US" dirty="0"/>
               <a:pPr/>
-              <a:t>5/10/2021</a:t>
+              <a:t>5/11/2021</a:t>
             </a:fld>
             <a:endParaRPr lang="en-US" dirty="0"/>
           </a:p>
@@ -2936,7 +2942,7 @@
             <a:fld id="{B61BEF0D-F0BB-DE4B-95CE-6DB70DBA9567}" type="datetimeFigureOut">
               <a:rPr lang="en-US" dirty="0"/>
               <a:pPr/>
-              <a:t>5/10/2021</a:t>
+              <a:t>5/11/2021</a:t>
             </a:fld>
             <a:endParaRPr lang="en-US" dirty="0"/>
           </a:p>
@@ -3164,7 +3170,7 @@
           <a:p>
             <a:fld id="{52647F38-B617-4D2F-AE0A-013F0C4D2C57}" type="datetimeFigureOut">
               <a:rPr lang="en-US" dirty="0"/>
-              <a:t>5/10/2021</a:t>
+              <a:t>5/11/2021</a:t>
             </a:fld>
             <a:endParaRPr lang="en-US" dirty="0"/>
           </a:p>
@@ -3408,7 +3414,7 @@
             <a:fld id="{B61BEF0D-F0BB-DE4B-95CE-6DB70DBA9567}" type="datetimeFigureOut">
               <a:rPr lang="en-US" dirty="0"/>
               <a:pPr/>
-              <a:t>5/10/2021</a:t>
+              <a:t>5/11/2021</a:t>
             </a:fld>
             <a:endParaRPr lang="en-US" dirty="0"/>
           </a:p>
@@ -3702,7 +3708,7 @@
           <a:p>
             <a:fld id="{05BFA754-D5C3-4E66-96A6-867B257F58DC}" type="datetimeFigureOut">
               <a:rPr lang="en-US" dirty="0"/>
-              <a:t>5/10/2021</a:t>
+              <a:t>5/11/2021</a:t>
             </a:fld>
             <a:endParaRPr lang="en-US" dirty="0"/>
           </a:p>
@@ -4092,7 +4098,7 @@
             <a:fld id="{B61BEF0D-F0BB-DE4B-95CE-6DB70DBA9567}" type="datetimeFigureOut">
               <a:rPr lang="en-US" dirty="0"/>
               <a:pPr/>
-              <a:t>5/10/2021</a:t>
+              <a:t>5/11/2021</a:t>
             </a:fld>
             <a:endParaRPr lang="en-US" dirty="0"/>
           </a:p>
@@ -4238,7 +4244,7 @@
             <a:fld id="{B61BEF0D-F0BB-DE4B-95CE-6DB70DBA9567}" type="datetimeFigureOut">
               <a:rPr lang="en-US" dirty="0"/>
               <a:pPr/>
-              <a:t>5/10/2021</a:t>
+              <a:t>5/11/2021</a:t>
             </a:fld>
             <a:endParaRPr lang="en-US" dirty="0"/>
           </a:p>
@@ -4361,7 +4367,7 @@
             <a:fld id="{B61BEF0D-F0BB-DE4B-95CE-6DB70DBA9567}" type="datetimeFigureOut">
               <a:rPr lang="en-US" dirty="0"/>
               <a:pPr/>
-              <a:t>5/10/2021</a:t>
+              <a:t>5/11/2021</a:t>
             </a:fld>
             <a:endParaRPr lang="en-US" dirty="0"/>
           </a:p>
@@ -4613,7 +4619,7 @@
             <a:fld id="{B61BEF0D-F0BB-DE4B-95CE-6DB70DBA9567}" type="datetimeFigureOut">
               <a:rPr lang="en-US" dirty="0"/>
               <a:pPr/>
-              <a:t>5/10/2021</a:t>
+              <a:t>5/11/2021</a:t>
             </a:fld>
             <a:endParaRPr lang="en-US" dirty="0"/>
           </a:p>
@@ -4925,7 +4931,7 @@
             <a:fld id="{B61BEF0D-F0BB-DE4B-95CE-6DB70DBA9567}" type="datetimeFigureOut">
               <a:rPr lang="en-US" dirty="0"/>
               <a:pPr/>
-              <a:t>5/10/2021</a:t>
+              <a:t>5/11/2021</a:t>
             </a:fld>
             <a:endParaRPr lang="en-US" dirty="0"/>
           </a:p>
@@ -5273,7 +5279,7 @@
             <a:fld id="{B61BEF0D-F0BB-DE4B-95CE-6DB70DBA9567}" type="datetimeFigureOut">
               <a:rPr lang="en-US" dirty="0"/>
               <a:pPr/>
-              <a:t>5/10/2021</a:t>
+              <a:t>5/11/2021</a:t>
             </a:fld>
             <a:endParaRPr lang="en-US" dirty="0"/>
           </a:p>
@@ -6097,6 +6103,66 @@
           <a:chExt cx="0" cy="0"/>
         </a:xfrm>
       </p:grpSpPr>
+      <p:pic>
+        <p:nvPicPr>
+          <p:cNvPr id="5" name="Image 4"/>
+          <p:cNvPicPr>
+            <a:picLocks noChangeAspect="1"/>
+          </p:cNvPicPr>
+          <p:nvPr/>
+        </p:nvPicPr>
+        <p:blipFill>
+          <a:blip r:embed="rId2">
+            <a:extLst>
+              <a:ext uri="{28A0092B-C50C-407E-A947-70E740481C1C}">
+                <a14:useLocalDpi xmlns:a14="http://schemas.microsoft.com/office/drawing/2010/main" val="0"/>
+              </a:ext>
+            </a:extLst>
+          </a:blip>
+          <a:stretch>
+            <a:fillRect/>
+          </a:stretch>
+        </p:blipFill>
+        <p:spPr>
+          <a:xfrm>
+            <a:off x="2150076" y="654650"/>
+            <a:ext cx="7805445" cy="5511372"/>
+          </a:xfrm>
+          <a:prstGeom prst="rect">
+            <a:avLst/>
+          </a:prstGeom>
+        </p:spPr>
+      </p:pic>
+    </p:spTree>
+    <p:extLst>
+      <p:ext uri="{BB962C8B-B14F-4D97-AF65-F5344CB8AC3E}">
+        <p14:creationId xmlns:p14="http://schemas.microsoft.com/office/powerpoint/2010/main" val="3388127940"/>
+      </p:ext>
+    </p:extLst>
+  </p:cSld>
+  <p:clrMapOvr>
+    <a:masterClrMapping/>
+  </p:clrMapOvr>
+</p:sld>
+</file>
+
+<file path=ppt/slides/slide4.xml><?xml version="1.0" encoding="utf-8"?>
+<p:sld xmlns:a="http://schemas.openxmlformats.org/drawingml/2006/main" xmlns:r="http://schemas.openxmlformats.org/officeDocument/2006/relationships" xmlns:p="http://schemas.openxmlformats.org/presentationml/2006/main">
+  <p:cSld>
+    <p:spTree>
+      <p:nvGrpSpPr>
+        <p:cNvPr id="1" name=""/>
+        <p:cNvGrpSpPr/>
+        <p:nvPr/>
+      </p:nvGrpSpPr>
+      <p:grpSpPr>
+        <a:xfrm>
+          <a:off x="0" y="0"/>
+          <a:ext cx="0" cy="0"/>
+          <a:chOff x="0" y="0"/>
+          <a:chExt cx="0" cy="0"/>
+        </a:xfrm>
+      </p:grpSpPr>
       <p:sp>
         <p:nvSpPr>
           <p:cNvPr id="2" name="Titre 1"/>
@@ -6462,7 +6528,7 @@
 </p:sld>
 </file>
 
-<file path=ppt/slides/slide4.xml><?xml version="1.0" encoding="utf-8"?>
+<file path=ppt/slides/slide5.xml><?xml version="1.0" encoding="utf-8"?>
 <p:sld xmlns:a="http://schemas.openxmlformats.org/drawingml/2006/main" xmlns:r="http://schemas.openxmlformats.org/officeDocument/2006/relationships" xmlns:p="http://schemas.openxmlformats.org/presentationml/2006/main">
   <p:cSld>
     <p:spTree>

--- a/ml/Initiation Machine Learning &ACP.pptx
+++ b/ml/Initiation Machine Learning &ACP.pptx
@@ -1,26 +1,121 @@
 
 <file path=ppt/presentation.xml><?xml version="1.0" encoding="utf-8"?>
-<p:presentation xmlns:a="http://schemas.openxmlformats.org/drawingml/2006/main" xmlns:p="http://schemas.openxmlformats.org/presentationml/2006/main" xmlns:r="http://schemas.openxmlformats.org/officeDocument/2006/relationships" xmlns:p14="http://schemas.microsoft.com/office/powerpoint/2010/main" xmlns:p15="http://schemas.microsoft.com/office/powerpoint/2012/main" xmlns:mc="http://schemas.openxmlformats.org/markup-compatibility/2006">
+<p:presentation xmlns:a="http://schemas.openxmlformats.org/drawingml/2006/main" xmlns:r="http://schemas.openxmlformats.org/officeDocument/2006/relationships" xmlns:p="http://schemas.openxmlformats.org/presentationml/2006/main">
   <p:sldMasterIdLst>
-    <p:sldMasterId id="2147483648" r:id="rId2"/>
-    <p:sldMasterId id="2147483661" r:id="rId3"/>
-    <p:sldMasterId id="2147483674" r:id="rId4"/>
+    <p:sldMasterId id="2147483648" r:id="rId1"/>
+    <p:sldMasterId id="2147483661" r:id="rId2"/>
+    <p:sldMasterId id="2147483674" r:id="rId3"/>
   </p:sldMasterIdLst>
   <p:sldIdLst>
-    <p:sldId id="256" r:id="rId5"/>
-    <p:sldId id="257" r:id="rId6"/>
-    <p:sldId id="258" r:id="rId7"/>
-    <p:sldId id="259" r:id="rId8"/>
-    <p:sldId id="260" r:id="rId9"/>
-    <p:sldId id="261" r:id="rId10"/>
+    <p:sldId id="256" r:id="rId4"/>
+    <p:sldId id="257" r:id="rId5"/>
+    <p:sldId id="258" r:id="rId6"/>
+    <p:sldId id="259" r:id="rId7"/>
+    <p:sldId id="260" r:id="rId8"/>
+    <p:sldId id="261" r:id="rId9"/>
   </p:sldIdLst>
   <p:sldSz cx="12192000" cy="6858000"/>
-  <p:notesSz cx="7559675" cy="10691812"/>
+  <p:notesSz cx="7559675" cy="10691813"/>
+  <p:defaultTextStyle>
+    <a:defPPr>
+      <a:defRPr lang="fr-FR"/>
+    </a:defPPr>
+    <a:lvl1pPr marL="0" algn="l" defTabSz="914400" rtl="0" eaLnBrk="1" latinLnBrk="0" hangingPunct="1">
+      <a:defRPr sz="1800" kern="1200">
+        <a:solidFill>
+          <a:schemeClr val="tx1"/>
+        </a:solidFill>
+        <a:latin typeface="+mn-lt"/>
+        <a:ea typeface="+mn-ea"/>
+        <a:cs typeface="+mn-cs"/>
+      </a:defRPr>
+    </a:lvl1pPr>
+    <a:lvl2pPr marL="457200" algn="l" defTabSz="914400" rtl="0" eaLnBrk="1" latinLnBrk="0" hangingPunct="1">
+      <a:defRPr sz="1800" kern="1200">
+        <a:solidFill>
+          <a:schemeClr val="tx1"/>
+        </a:solidFill>
+        <a:latin typeface="+mn-lt"/>
+        <a:ea typeface="+mn-ea"/>
+        <a:cs typeface="+mn-cs"/>
+      </a:defRPr>
+    </a:lvl2pPr>
+    <a:lvl3pPr marL="914400" algn="l" defTabSz="914400" rtl="0" eaLnBrk="1" latinLnBrk="0" hangingPunct="1">
+      <a:defRPr sz="1800" kern="1200">
+        <a:solidFill>
+          <a:schemeClr val="tx1"/>
+        </a:solidFill>
+        <a:latin typeface="+mn-lt"/>
+        <a:ea typeface="+mn-ea"/>
+        <a:cs typeface="+mn-cs"/>
+      </a:defRPr>
+    </a:lvl3pPr>
+    <a:lvl4pPr marL="1371600" algn="l" defTabSz="914400" rtl="0" eaLnBrk="1" latinLnBrk="0" hangingPunct="1">
+      <a:defRPr sz="1800" kern="1200">
+        <a:solidFill>
+          <a:schemeClr val="tx1"/>
+        </a:solidFill>
+        <a:latin typeface="+mn-lt"/>
+        <a:ea typeface="+mn-ea"/>
+        <a:cs typeface="+mn-cs"/>
+      </a:defRPr>
+    </a:lvl4pPr>
+    <a:lvl5pPr marL="1828800" algn="l" defTabSz="914400" rtl="0" eaLnBrk="1" latinLnBrk="0" hangingPunct="1">
+      <a:defRPr sz="1800" kern="1200">
+        <a:solidFill>
+          <a:schemeClr val="tx1"/>
+        </a:solidFill>
+        <a:latin typeface="+mn-lt"/>
+        <a:ea typeface="+mn-ea"/>
+        <a:cs typeface="+mn-cs"/>
+      </a:defRPr>
+    </a:lvl5pPr>
+    <a:lvl6pPr marL="2286000" algn="l" defTabSz="914400" rtl="0" eaLnBrk="1" latinLnBrk="0" hangingPunct="1">
+      <a:defRPr sz="1800" kern="1200">
+        <a:solidFill>
+          <a:schemeClr val="tx1"/>
+        </a:solidFill>
+        <a:latin typeface="+mn-lt"/>
+        <a:ea typeface="+mn-ea"/>
+        <a:cs typeface="+mn-cs"/>
+      </a:defRPr>
+    </a:lvl6pPr>
+    <a:lvl7pPr marL="2743200" algn="l" defTabSz="914400" rtl="0" eaLnBrk="1" latinLnBrk="0" hangingPunct="1">
+      <a:defRPr sz="1800" kern="1200">
+        <a:solidFill>
+          <a:schemeClr val="tx1"/>
+        </a:solidFill>
+        <a:latin typeface="+mn-lt"/>
+        <a:ea typeface="+mn-ea"/>
+        <a:cs typeface="+mn-cs"/>
+      </a:defRPr>
+    </a:lvl7pPr>
+    <a:lvl8pPr marL="3200400" algn="l" defTabSz="914400" rtl="0" eaLnBrk="1" latinLnBrk="0" hangingPunct="1">
+      <a:defRPr sz="1800" kern="1200">
+        <a:solidFill>
+          <a:schemeClr val="tx1"/>
+        </a:solidFill>
+        <a:latin typeface="+mn-lt"/>
+        <a:ea typeface="+mn-ea"/>
+        <a:cs typeface="+mn-cs"/>
+      </a:defRPr>
+    </a:lvl8pPr>
+    <a:lvl9pPr marL="3657600" algn="l" defTabSz="914400" rtl="0" eaLnBrk="1" latinLnBrk="0" hangingPunct="1">
+      <a:defRPr sz="1800" kern="1200">
+        <a:solidFill>
+          <a:schemeClr val="tx1"/>
+        </a:solidFill>
+        <a:latin typeface="+mn-lt"/>
+        <a:ea typeface="+mn-ea"/>
+        <a:cs typeface="+mn-cs"/>
+      </a:defRPr>
+    </a:lvl9pPr>
+  </p:defaultTextStyle>
 </p:presentation>
 </file>
 
 <file path=ppt/slideLayouts/slideLayout1.xml><?xml version="1.0" encoding="utf-8"?>
-<p:sldLayout xmlns:a="http://schemas.openxmlformats.org/drawingml/2006/main" xmlns:p="http://schemas.openxmlformats.org/presentationml/2006/main" xmlns:r="http://schemas.openxmlformats.org/officeDocument/2006/relationships" xmlns:p14="http://schemas.microsoft.com/office/powerpoint/2010/main" xmlns:p15="http://schemas.microsoft.com/office/powerpoint/2012/main" xmlns:mc="http://schemas.openxmlformats.org/markup-compatibility/2006" type="blank" preserve="1">
+<p:sldLayout xmlns:a="http://schemas.openxmlformats.org/drawingml/2006/main" xmlns:r="http://schemas.openxmlformats.org/officeDocument/2006/relationships" xmlns:p="http://schemas.openxmlformats.org/presentationml/2006/main" type="blank" preserve="1">
   <p:cSld name="Blank Slide">
     <p:spTree>
       <p:nvGrpSpPr>
@@ -38,11 +133,14 @@
       </p:grpSpPr>
     </p:spTree>
   </p:cSld>
+  <p:clrMapOvr>
+    <a:masterClrMapping/>
+  </p:clrMapOvr>
 </p:sldLayout>
 </file>
 
 <file path=ppt/slideLayouts/slideLayout10.xml><?xml version="1.0" encoding="utf-8"?>
-<p:sldLayout xmlns:a="http://schemas.openxmlformats.org/drawingml/2006/main" xmlns:p="http://schemas.openxmlformats.org/presentationml/2006/main" xmlns:r="http://schemas.openxmlformats.org/officeDocument/2006/relationships" xmlns:p14="http://schemas.microsoft.com/office/powerpoint/2010/main" xmlns:p15="http://schemas.microsoft.com/office/powerpoint/2012/main" xmlns:mc="http://schemas.openxmlformats.org/markup-compatibility/2006" type="objOverTx" preserve="1">
+<p:sldLayout xmlns:a="http://schemas.openxmlformats.org/drawingml/2006/main" xmlns:r="http://schemas.openxmlformats.org/officeDocument/2006/relationships" xmlns:p="http://schemas.openxmlformats.org/presentationml/2006/main" type="objOverTx" preserve="1">
   <p:cSld name="Title, Content over Content">
     <p:spTree>
       <p:nvGrpSpPr>
@@ -78,11 +176,12 @@
           </a:prstGeom>
         </p:spPr>
         <p:txBody>
-          <a:bodyPr lIns="0" rIns="0" tIns="0" bIns="0" anchor="ctr">
+          <a:bodyPr lIns="0" tIns="0" rIns="0" bIns="0" anchor="ctr">
             <a:noAutofit/>
           </a:bodyPr>
-          <a:p>
-            <a:endParaRPr b="0" lang="en-US" sz="1800" spc="-1" strike="noStrike">
+          <a:lstStyle/>
+          <a:p>
+            <a:endParaRPr lang="en-US" sz="1800" b="0" strike="noStrike" spc="-1">
               <a:solidFill>
                 <a:srgbClr val="000000"/>
               </a:solidFill>
@@ -111,11 +210,12 @@
           </a:prstGeom>
         </p:spPr>
         <p:txBody>
-          <a:bodyPr lIns="0" rIns="0" tIns="0" bIns="0">
+          <a:bodyPr lIns="0" tIns="0" rIns="0" bIns="0">
             <a:normAutofit/>
           </a:bodyPr>
-          <a:p>
-            <a:endParaRPr b="0" lang="en-US" sz="2400" spc="-1" strike="noStrike">
+          <a:lstStyle/>
+          <a:p>
+            <a:endParaRPr lang="en-US" sz="2400" b="0" strike="noStrike" spc="-1">
               <a:solidFill>
                 <a:srgbClr val="262626"/>
               </a:solidFill>
@@ -144,11 +244,12 @@
           </a:prstGeom>
         </p:spPr>
         <p:txBody>
-          <a:bodyPr lIns="0" rIns="0" tIns="0" bIns="0">
+          <a:bodyPr lIns="0" tIns="0" rIns="0" bIns="0">
             <a:normAutofit/>
           </a:bodyPr>
-          <a:p>
-            <a:endParaRPr b="0" lang="en-US" sz="2400" spc="-1" strike="noStrike">
+          <a:lstStyle/>
+          <a:p>
+            <a:endParaRPr lang="en-US" sz="2400" b="0" strike="noStrike" spc="-1">
               <a:solidFill>
                 <a:srgbClr val="262626"/>
               </a:solidFill>
@@ -159,11 +260,14 @@
       </p:sp>
     </p:spTree>
   </p:cSld>
+  <p:clrMapOvr>
+    <a:masterClrMapping/>
+  </p:clrMapOvr>
 </p:sldLayout>
 </file>
 
 <file path=ppt/slideLayouts/slideLayout11.xml><?xml version="1.0" encoding="utf-8"?>
-<p:sldLayout xmlns:a="http://schemas.openxmlformats.org/drawingml/2006/main" xmlns:p="http://schemas.openxmlformats.org/presentationml/2006/main" xmlns:r="http://schemas.openxmlformats.org/officeDocument/2006/relationships" xmlns:p14="http://schemas.microsoft.com/office/powerpoint/2010/main" xmlns:p15="http://schemas.microsoft.com/office/powerpoint/2012/main" xmlns:mc="http://schemas.openxmlformats.org/markup-compatibility/2006" type="fourObj" preserve="1">
+<p:sldLayout xmlns:a="http://schemas.openxmlformats.org/drawingml/2006/main" xmlns:r="http://schemas.openxmlformats.org/officeDocument/2006/relationships" xmlns:p="http://schemas.openxmlformats.org/presentationml/2006/main" type="fourObj" preserve="1">
   <p:cSld name="Title, 4 Content">
     <p:spTree>
       <p:nvGrpSpPr>
@@ -199,11 +303,12 @@
           </a:prstGeom>
         </p:spPr>
         <p:txBody>
-          <a:bodyPr lIns="0" rIns="0" tIns="0" bIns="0" anchor="ctr">
+          <a:bodyPr lIns="0" tIns="0" rIns="0" bIns="0" anchor="ctr">
             <a:noAutofit/>
           </a:bodyPr>
-          <a:p>
-            <a:endParaRPr b="0" lang="en-US" sz="1800" spc="-1" strike="noStrike">
+          <a:lstStyle/>
+          <a:p>
+            <a:endParaRPr lang="en-US" sz="1800" b="0" strike="noStrike" spc="-1">
               <a:solidFill>
                 <a:srgbClr val="000000"/>
               </a:solidFill>
@@ -232,11 +337,12 @@
           </a:prstGeom>
         </p:spPr>
         <p:txBody>
-          <a:bodyPr lIns="0" rIns="0" tIns="0" bIns="0">
+          <a:bodyPr lIns="0" tIns="0" rIns="0" bIns="0">
             <a:normAutofit/>
           </a:bodyPr>
-          <a:p>
-            <a:endParaRPr b="0" lang="en-US" sz="2400" spc="-1" strike="noStrike">
+          <a:lstStyle/>
+          <a:p>
+            <a:endParaRPr lang="en-US" sz="2400" b="0" strike="noStrike" spc="-1">
               <a:solidFill>
                 <a:srgbClr val="262626"/>
               </a:solidFill>
@@ -265,11 +371,12 @@
           </a:prstGeom>
         </p:spPr>
         <p:txBody>
-          <a:bodyPr lIns="0" rIns="0" tIns="0" bIns="0">
+          <a:bodyPr lIns="0" tIns="0" rIns="0" bIns="0">
             <a:normAutofit/>
           </a:bodyPr>
-          <a:p>
-            <a:endParaRPr b="0" lang="en-US" sz="2400" spc="-1" strike="noStrike">
+          <a:lstStyle/>
+          <a:p>
+            <a:endParaRPr lang="en-US" sz="2400" b="0" strike="noStrike" spc="-1">
               <a:solidFill>
                 <a:srgbClr val="262626"/>
               </a:solidFill>
@@ -298,11 +405,12 @@
           </a:prstGeom>
         </p:spPr>
         <p:txBody>
-          <a:bodyPr lIns="0" rIns="0" tIns="0" bIns="0">
+          <a:bodyPr lIns="0" tIns="0" rIns="0" bIns="0">
             <a:normAutofit/>
           </a:bodyPr>
-          <a:p>
-            <a:endParaRPr b="0" lang="en-US" sz="2400" spc="-1" strike="noStrike">
+          <a:lstStyle/>
+          <a:p>
+            <a:endParaRPr lang="en-US" sz="2400" b="0" strike="noStrike" spc="-1">
               <a:solidFill>
                 <a:srgbClr val="262626"/>
               </a:solidFill>
@@ -331,11 +439,12 @@
           </a:prstGeom>
         </p:spPr>
         <p:txBody>
-          <a:bodyPr lIns="0" rIns="0" tIns="0" bIns="0">
+          <a:bodyPr lIns="0" tIns="0" rIns="0" bIns="0">
             <a:normAutofit/>
           </a:bodyPr>
-          <a:p>
-            <a:endParaRPr b="0" lang="en-US" sz="2400" spc="-1" strike="noStrike">
+          <a:lstStyle/>
+          <a:p>
+            <a:endParaRPr lang="en-US" sz="2400" b="0" strike="noStrike" spc="-1">
               <a:solidFill>
                 <a:srgbClr val="262626"/>
               </a:solidFill>
@@ -346,11 +455,14 @@
       </p:sp>
     </p:spTree>
   </p:cSld>
+  <p:clrMapOvr>
+    <a:masterClrMapping/>
+  </p:clrMapOvr>
 </p:sldLayout>
 </file>
 
 <file path=ppt/slideLayouts/slideLayout12.xml><?xml version="1.0" encoding="utf-8"?>
-<p:sldLayout xmlns:a="http://schemas.openxmlformats.org/drawingml/2006/main" xmlns:p="http://schemas.openxmlformats.org/presentationml/2006/main" xmlns:r="http://schemas.openxmlformats.org/officeDocument/2006/relationships" xmlns:p14="http://schemas.microsoft.com/office/powerpoint/2010/main" xmlns:p15="http://schemas.microsoft.com/office/powerpoint/2012/main" xmlns:mc="http://schemas.openxmlformats.org/markup-compatibility/2006" type="blank" preserve="1">
+<p:sldLayout xmlns:a="http://schemas.openxmlformats.org/drawingml/2006/main" xmlns:r="http://schemas.openxmlformats.org/officeDocument/2006/relationships" xmlns:p="http://schemas.openxmlformats.org/presentationml/2006/main" type="blank" preserve="1">
   <p:cSld name="Title, 6 Content">
     <p:spTree>
       <p:nvGrpSpPr>
@@ -386,11 +498,12 @@
           </a:prstGeom>
         </p:spPr>
         <p:txBody>
-          <a:bodyPr lIns="0" rIns="0" tIns="0" bIns="0" anchor="ctr">
+          <a:bodyPr lIns="0" tIns="0" rIns="0" bIns="0" anchor="ctr">
             <a:noAutofit/>
           </a:bodyPr>
-          <a:p>
-            <a:endParaRPr b="0" lang="en-US" sz="1800" spc="-1" strike="noStrike">
+          <a:lstStyle/>
+          <a:p>
+            <a:endParaRPr lang="en-US" sz="1800" b="0" strike="noStrike" spc="-1">
               <a:solidFill>
                 <a:srgbClr val="000000"/>
               </a:solidFill>
@@ -419,11 +532,12 @@
           </a:prstGeom>
         </p:spPr>
         <p:txBody>
-          <a:bodyPr lIns="0" rIns="0" tIns="0" bIns="0">
+          <a:bodyPr lIns="0" tIns="0" rIns="0" bIns="0">
             <a:normAutofit/>
           </a:bodyPr>
-          <a:p>
-            <a:endParaRPr b="0" lang="en-US" sz="2400" spc="-1" strike="noStrike">
+          <a:lstStyle/>
+          <a:p>
+            <a:endParaRPr lang="en-US" sz="2400" b="0" strike="noStrike" spc="-1">
               <a:solidFill>
                 <a:srgbClr val="262626"/>
               </a:solidFill>
@@ -452,11 +566,12 @@
           </a:prstGeom>
         </p:spPr>
         <p:txBody>
-          <a:bodyPr lIns="0" rIns="0" tIns="0" bIns="0">
+          <a:bodyPr lIns="0" tIns="0" rIns="0" bIns="0">
             <a:normAutofit/>
           </a:bodyPr>
-          <a:p>
-            <a:endParaRPr b="0" lang="en-US" sz="2400" spc="-1" strike="noStrike">
+          <a:lstStyle/>
+          <a:p>
+            <a:endParaRPr lang="en-US" sz="2400" b="0" strike="noStrike" spc="-1">
               <a:solidFill>
                 <a:srgbClr val="262626"/>
               </a:solidFill>
@@ -485,11 +600,12 @@
           </a:prstGeom>
         </p:spPr>
         <p:txBody>
-          <a:bodyPr lIns="0" rIns="0" tIns="0" bIns="0">
+          <a:bodyPr lIns="0" tIns="0" rIns="0" bIns="0">
             <a:normAutofit/>
           </a:bodyPr>
-          <a:p>
-            <a:endParaRPr b="0" lang="en-US" sz="2400" spc="-1" strike="noStrike">
+          <a:lstStyle/>
+          <a:p>
+            <a:endParaRPr lang="en-US" sz="2400" b="0" strike="noStrike" spc="-1">
               <a:solidFill>
                 <a:srgbClr val="262626"/>
               </a:solidFill>
@@ -518,11 +634,12 @@
           </a:prstGeom>
         </p:spPr>
         <p:txBody>
-          <a:bodyPr lIns="0" rIns="0" tIns="0" bIns="0">
+          <a:bodyPr lIns="0" tIns="0" rIns="0" bIns="0">
             <a:normAutofit/>
           </a:bodyPr>
-          <a:p>
-            <a:endParaRPr b="0" lang="en-US" sz="2400" spc="-1" strike="noStrike">
+          <a:lstStyle/>
+          <a:p>
+            <a:endParaRPr lang="en-US" sz="2400" b="0" strike="noStrike" spc="-1">
               <a:solidFill>
                 <a:srgbClr val="262626"/>
               </a:solidFill>
@@ -551,11 +668,12 @@
           </a:prstGeom>
         </p:spPr>
         <p:txBody>
-          <a:bodyPr lIns="0" rIns="0" tIns="0" bIns="0">
+          <a:bodyPr lIns="0" tIns="0" rIns="0" bIns="0">
             <a:normAutofit/>
           </a:bodyPr>
-          <a:p>
-            <a:endParaRPr b="0" lang="en-US" sz="2400" spc="-1" strike="noStrike">
+          <a:lstStyle/>
+          <a:p>
+            <a:endParaRPr lang="en-US" sz="2400" b="0" strike="noStrike" spc="-1">
               <a:solidFill>
                 <a:srgbClr val="262626"/>
               </a:solidFill>
@@ -584,11 +702,12 @@
           </a:prstGeom>
         </p:spPr>
         <p:txBody>
-          <a:bodyPr lIns="0" rIns="0" tIns="0" bIns="0">
+          <a:bodyPr lIns="0" tIns="0" rIns="0" bIns="0">
             <a:normAutofit/>
           </a:bodyPr>
-          <a:p>
-            <a:endParaRPr b="0" lang="en-US" sz="2400" spc="-1" strike="noStrike">
+          <a:lstStyle/>
+          <a:p>
+            <a:endParaRPr lang="en-US" sz="2400" b="0" strike="noStrike" spc="-1">
               <a:solidFill>
                 <a:srgbClr val="262626"/>
               </a:solidFill>
@@ -599,11 +718,14 @@
       </p:sp>
     </p:spTree>
   </p:cSld>
+  <p:clrMapOvr>
+    <a:masterClrMapping/>
+  </p:clrMapOvr>
 </p:sldLayout>
 </file>
 
 <file path=ppt/slideLayouts/slideLayout13.xml><?xml version="1.0" encoding="utf-8"?>
-<p:sldLayout xmlns:a="http://schemas.openxmlformats.org/drawingml/2006/main" xmlns:p="http://schemas.openxmlformats.org/presentationml/2006/main" xmlns:r="http://schemas.openxmlformats.org/officeDocument/2006/relationships" xmlns:p14="http://schemas.microsoft.com/office/powerpoint/2010/main" xmlns:p15="http://schemas.microsoft.com/office/powerpoint/2012/main" xmlns:mc="http://schemas.openxmlformats.org/markup-compatibility/2006" type="blank" preserve="1">
+<p:sldLayout xmlns:a="http://schemas.openxmlformats.org/drawingml/2006/main" xmlns:r="http://schemas.openxmlformats.org/officeDocument/2006/relationships" xmlns:p="http://schemas.openxmlformats.org/presentationml/2006/main" type="blank" preserve="1">
   <p:cSld name="Blank Slide">
     <p:spTree>
       <p:nvGrpSpPr>
@@ -621,11 +743,14 @@
       </p:grpSpPr>
     </p:spTree>
   </p:cSld>
+  <p:clrMapOvr>
+    <a:masterClrMapping/>
+  </p:clrMapOvr>
 </p:sldLayout>
 </file>
 
 <file path=ppt/slideLayouts/slideLayout14.xml><?xml version="1.0" encoding="utf-8"?>
-<p:sldLayout xmlns:a="http://schemas.openxmlformats.org/drawingml/2006/main" xmlns:p="http://schemas.openxmlformats.org/presentationml/2006/main" xmlns:r="http://schemas.openxmlformats.org/officeDocument/2006/relationships" xmlns:p14="http://schemas.microsoft.com/office/powerpoint/2010/main" xmlns:p15="http://schemas.microsoft.com/office/powerpoint/2012/main" xmlns:mc="http://schemas.openxmlformats.org/markup-compatibility/2006" type="tx" preserve="1">
+<p:sldLayout xmlns:a="http://schemas.openxmlformats.org/drawingml/2006/main" xmlns:r="http://schemas.openxmlformats.org/officeDocument/2006/relationships" xmlns:p="http://schemas.openxmlformats.org/presentationml/2006/main" type="tx" preserve="1">
   <p:cSld name="Title Slide">
     <p:spTree>
       <p:nvGrpSpPr>
@@ -661,11 +786,12 @@
           </a:prstGeom>
         </p:spPr>
         <p:txBody>
-          <a:bodyPr lIns="0" rIns="0" tIns="0" bIns="0" anchor="ctr">
+          <a:bodyPr lIns="0" tIns="0" rIns="0" bIns="0" anchor="ctr">
             <a:noAutofit/>
           </a:bodyPr>
-          <a:p>
-            <a:endParaRPr b="0" lang="en-US" sz="1800" spc="-1" strike="noStrike">
+          <a:lstStyle/>
+          <a:p>
+            <a:endParaRPr lang="en-US" sz="1800" b="0" strike="noStrike" spc="-1">
               <a:solidFill>
                 <a:srgbClr val="000000"/>
               </a:solidFill>
@@ -694,12 +820,13 @@
           </a:prstGeom>
         </p:spPr>
         <p:txBody>
-          <a:bodyPr lIns="0" rIns="0" tIns="0" bIns="0" anchor="ctr">
+          <a:bodyPr lIns="0" tIns="0" rIns="0" bIns="0" anchor="ctr">
             <a:noAutofit/>
           </a:bodyPr>
+          <a:lstStyle/>
           <a:p>
             <a:pPr algn="ctr"/>
-            <a:endParaRPr b="0" lang="fr-FR" sz="3200" spc="-1" strike="noStrike">
+            <a:endParaRPr lang="fr-FR" sz="3200" b="0" strike="noStrike" spc="-1">
               <a:latin typeface="Arial"/>
             </a:endParaRPr>
           </a:p>
@@ -707,11 +834,14 @@
       </p:sp>
     </p:spTree>
   </p:cSld>
+  <p:clrMapOvr>
+    <a:masterClrMapping/>
+  </p:clrMapOvr>
 </p:sldLayout>
 </file>
 
 <file path=ppt/slideLayouts/slideLayout15.xml><?xml version="1.0" encoding="utf-8"?>
-<p:sldLayout xmlns:a="http://schemas.openxmlformats.org/drawingml/2006/main" xmlns:p="http://schemas.openxmlformats.org/presentationml/2006/main" xmlns:r="http://schemas.openxmlformats.org/officeDocument/2006/relationships" xmlns:p14="http://schemas.microsoft.com/office/powerpoint/2010/main" xmlns:p15="http://schemas.microsoft.com/office/powerpoint/2012/main" xmlns:mc="http://schemas.openxmlformats.org/markup-compatibility/2006" type="obj" preserve="1">
+<p:sldLayout xmlns:a="http://schemas.openxmlformats.org/drawingml/2006/main" xmlns:r="http://schemas.openxmlformats.org/officeDocument/2006/relationships" xmlns:p="http://schemas.openxmlformats.org/presentationml/2006/main" type="obj" preserve="1">
   <p:cSld name="Title, Content">
     <p:spTree>
       <p:nvGrpSpPr>
@@ -747,11 +877,12 @@
           </a:prstGeom>
         </p:spPr>
         <p:txBody>
-          <a:bodyPr lIns="0" rIns="0" tIns="0" bIns="0" anchor="ctr">
+          <a:bodyPr lIns="0" tIns="0" rIns="0" bIns="0" anchor="ctr">
             <a:noAutofit/>
           </a:bodyPr>
-          <a:p>
-            <a:endParaRPr b="0" lang="en-US" sz="1800" spc="-1" strike="noStrike">
+          <a:lstStyle/>
+          <a:p>
+            <a:endParaRPr lang="en-US" sz="1800" b="0" strike="noStrike" spc="-1">
               <a:solidFill>
                 <a:srgbClr val="000000"/>
               </a:solidFill>
@@ -780,11 +911,12 @@
           </a:prstGeom>
         </p:spPr>
         <p:txBody>
-          <a:bodyPr lIns="0" rIns="0" tIns="0" bIns="0">
+          <a:bodyPr lIns="0" tIns="0" rIns="0" bIns="0">
             <a:normAutofit/>
           </a:bodyPr>
-          <a:p>
-            <a:endParaRPr b="0" lang="en-US" sz="2400" spc="-1" strike="noStrike">
+          <a:lstStyle/>
+          <a:p>
+            <a:endParaRPr lang="en-US" sz="2400" b="0" strike="noStrike" spc="-1">
               <a:solidFill>
                 <a:srgbClr val="262626"/>
               </a:solidFill>
@@ -795,11 +927,14 @@
       </p:sp>
     </p:spTree>
   </p:cSld>
+  <p:clrMapOvr>
+    <a:masterClrMapping/>
+  </p:clrMapOvr>
 </p:sldLayout>
 </file>
 
 <file path=ppt/slideLayouts/slideLayout16.xml><?xml version="1.0" encoding="utf-8"?>
-<p:sldLayout xmlns:a="http://schemas.openxmlformats.org/drawingml/2006/main" xmlns:p="http://schemas.openxmlformats.org/presentationml/2006/main" xmlns:r="http://schemas.openxmlformats.org/officeDocument/2006/relationships" xmlns:p14="http://schemas.microsoft.com/office/powerpoint/2010/main" xmlns:p15="http://schemas.microsoft.com/office/powerpoint/2012/main" xmlns:mc="http://schemas.openxmlformats.org/markup-compatibility/2006" type="twoObj" preserve="1">
+<p:sldLayout xmlns:a="http://schemas.openxmlformats.org/drawingml/2006/main" xmlns:r="http://schemas.openxmlformats.org/officeDocument/2006/relationships" xmlns:p="http://schemas.openxmlformats.org/presentationml/2006/main" type="twoObj" preserve="1">
   <p:cSld name="Title, 2 Content">
     <p:spTree>
       <p:nvGrpSpPr>
@@ -835,11 +970,12 @@
           </a:prstGeom>
         </p:spPr>
         <p:txBody>
-          <a:bodyPr lIns="0" rIns="0" tIns="0" bIns="0" anchor="ctr">
+          <a:bodyPr lIns="0" tIns="0" rIns="0" bIns="0" anchor="ctr">
             <a:noAutofit/>
           </a:bodyPr>
-          <a:p>
-            <a:endParaRPr b="0" lang="en-US" sz="1800" spc="-1" strike="noStrike">
+          <a:lstStyle/>
+          <a:p>
+            <a:endParaRPr lang="en-US" sz="1800" b="0" strike="noStrike" spc="-1">
               <a:solidFill>
                 <a:srgbClr val="000000"/>
               </a:solidFill>
@@ -868,11 +1004,12 @@
           </a:prstGeom>
         </p:spPr>
         <p:txBody>
-          <a:bodyPr lIns="0" rIns="0" tIns="0" bIns="0">
+          <a:bodyPr lIns="0" tIns="0" rIns="0" bIns="0">
             <a:normAutofit/>
           </a:bodyPr>
-          <a:p>
-            <a:endParaRPr b="0" lang="en-US" sz="2400" spc="-1" strike="noStrike">
+          <a:lstStyle/>
+          <a:p>
+            <a:endParaRPr lang="en-US" sz="2400" b="0" strike="noStrike" spc="-1">
               <a:solidFill>
                 <a:srgbClr val="262626"/>
               </a:solidFill>
@@ -901,11 +1038,12 @@
           </a:prstGeom>
         </p:spPr>
         <p:txBody>
-          <a:bodyPr lIns="0" rIns="0" tIns="0" bIns="0">
+          <a:bodyPr lIns="0" tIns="0" rIns="0" bIns="0">
             <a:normAutofit/>
           </a:bodyPr>
-          <a:p>
-            <a:endParaRPr b="0" lang="en-US" sz="2400" spc="-1" strike="noStrike">
+          <a:lstStyle/>
+          <a:p>
+            <a:endParaRPr lang="en-US" sz="2400" b="0" strike="noStrike" spc="-1">
               <a:solidFill>
                 <a:srgbClr val="262626"/>
               </a:solidFill>
@@ -916,11 +1054,14 @@
       </p:sp>
     </p:spTree>
   </p:cSld>
+  <p:clrMapOvr>
+    <a:masterClrMapping/>
+  </p:clrMapOvr>
 </p:sldLayout>
 </file>
 
 <file path=ppt/slideLayouts/slideLayout17.xml><?xml version="1.0" encoding="utf-8"?>
-<p:sldLayout xmlns:a="http://schemas.openxmlformats.org/drawingml/2006/main" xmlns:p="http://schemas.openxmlformats.org/presentationml/2006/main" xmlns:r="http://schemas.openxmlformats.org/officeDocument/2006/relationships" xmlns:p14="http://schemas.microsoft.com/office/powerpoint/2010/main" xmlns:p15="http://schemas.microsoft.com/office/powerpoint/2012/main" xmlns:mc="http://schemas.openxmlformats.org/markup-compatibility/2006" type="titleOnly" preserve="1">
+<p:sldLayout xmlns:a="http://schemas.openxmlformats.org/drawingml/2006/main" xmlns:r="http://schemas.openxmlformats.org/officeDocument/2006/relationships" xmlns:p="http://schemas.openxmlformats.org/presentationml/2006/main" type="titleOnly" preserve="1">
   <p:cSld name="Title Only">
     <p:spTree>
       <p:nvGrpSpPr>
@@ -956,11 +1097,12 @@
           </a:prstGeom>
         </p:spPr>
         <p:txBody>
-          <a:bodyPr lIns="0" rIns="0" tIns="0" bIns="0" anchor="ctr">
+          <a:bodyPr lIns="0" tIns="0" rIns="0" bIns="0" anchor="ctr">
             <a:noAutofit/>
           </a:bodyPr>
-          <a:p>
-            <a:endParaRPr b="0" lang="en-US" sz="1800" spc="-1" strike="noStrike">
+          <a:lstStyle/>
+          <a:p>
+            <a:endParaRPr lang="en-US" sz="1800" b="0" strike="noStrike" spc="-1">
               <a:solidFill>
                 <a:srgbClr val="000000"/>
               </a:solidFill>
@@ -971,11 +1113,14 @@
       </p:sp>
     </p:spTree>
   </p:cSld>
+  <p:clrMapOvr>
+    <a:masterClrMapping/>
+  </p:clrMapOvr>
 </p:sldLayout>
 </file>
 
 <file path=ppt/slideLayouts/slideLayout18.xml><?xml version="1.0" encoding="utf-8"?>
-<p:sldLayout xmlns:a="http://schemas.openxmlformats.org/drawingml/2006/main" xmlns:p="http://schemas.openxmlformats.org/presentationml/2006/main" xmlns:r="http://schemas.openxmlformats.org/officeDocument/2006/relationships" xmlns:p14="http://schemas.microsoft.com/office/powerpoint/2010/main" xmlns:p15="http://schemas.microsoft.com/office/powerpoint/2012/main" xmlns:mc="http://schemas.openxmlformats.org/markup-compatibility/2006" type="objOnly" preserve="1">
+<p:sldLayout xmlns:a="http://schemas.openxmlformats.org/drawingml/2006/main" xmlns:r="http://schemas.openxmlformats.org/officeDocument/2006/relationships" xmlns:p="http://schemas.openxmlformats.org/presentationml/2006/main" type="objOnly" preserve="1">
   <p:cSld name="Centered Text">
     <p:spTree>
       <p:nvGrpSpPr>
@@ -1011,12 +1156,13 @@
           </a:prstGeom>
         </p:spPr>
         <p:txBody>
-          <a:bodyPr lIns="0" rIns="0" tIns="0" bIns="0" anchor="ctr">
+          <a:bodyPr lIns="0" tIns="0" rIns="0" bIns="0" anchor="ctr">
             <a:noAutofit/>
           </a:bodyPr>
+          <a:lstStyle/>
           <a:p>
             <a:pPr algn="ctr"/>
-            <a:endParaRPr b="0" lang="fr-FR" sz="3200" spc="-1" strike="noStrike">
+            <a:endParaRPr lang="fr-FR" sz="3200" b="0" strike="noStrike" spc="-1">
               <a:latin typeface="Arial"/>
             </a:endParaRPr>
           </a:p>
@@ -1024,11 +1170,14 @@
       </p:sp>
     </p:spTree>
   </p:cSld>
+  <p:clrMapOvr>
+    <a:masterClrMapping/>
+  </p:clrMapOvr>
 </p:sldLayout>
 </file>
 
 <file path=ppt/slideLayouts/slideLayout19.xml><?xml version="1.0" encoding="utf-8"?>
-<p:sldLayout xmlns:a="http://schemas.openxmlformats.org/drawingml/2006/main" xmlns:p="http://schemas.openxmlformats.org/presentationml/2006/main" xmlns:r="http://schemas.openxmlformats.org/officeDocument/2006/relationships" xmlns:p14="http://schemas.microsoft.com/office/powerpoint/2010/main" xmlns:p15="http://schemas.microsoft.com/office/powerpoint/2012/main" xmlns:mc="http://schemas.openxmlformats.org/markup-compatibility/2006" type="twoObjAndObj" preserve="1">
+<p:sldLayout xmlns:a="http://schemas.openxmlformats.org/drawingml/2006/main" xmlns:r="http://schemas.openxmlformats.org/officeDocument/2006/relationships" xmlns:p="http://schemas.openxmlformats.org/presentationml/2006/main" type="twoObjAndObj" preserve="1">
   <p:cSld name="Title, 2 Content and Content">
     <p:spTree>
       <p:nvGrpSpPr>
@@ -1064,11 +1213,12 @@
           </a:prstGeom>
         </p:spPr>
         <p:txBody>
-          <a:bodyPr lIns="0" rIns="0" tIns="0" bIns="0" anchor="ctr">
+          <a:bodyPr lIns="0" tIns="0" rIns="0" bIns="0" anchor="ctr">
             <a:noAutofit/>
           </a:bodyPr>
-          <a:p>
-            <a:endParaRPr b="0" lang="en-US" sz="1800" spc="-1" strike="noStrike">
+          <a:lstStyle/>
+          <a:p>
+            <a:endParaRPr lang="en-US" sz="1800" b="0" strike="noStrike" spc="-1">
               <a:solidFill>
                 <a:srgbClr val="000000"/>
               </a:solidFill>
@@ -1097,11 +1247,12 @@
           </a:prstGeom>
         </p:spPr>
         <p:txBody>
-          <a:bodyPr lIns="0" rIns="0" tIns="0" bIns="0">
+          <a:bodyPr lIns="0" tIns="0" rIns="0" bIns="0">
             <a:normAutofit/>
           </a:bodyPr>
-          <a:p>
-            <a:endParaRPr b="0" lang="en-US" sz="2400" spc="-1" strike="noStrike">
+          <a:lstStyle/>
+          <a:p>
+            <a:endParaRPr lang="en-US" sz="2400" b="0" strike="noStrike" spc="-1">
               <a:solidFill>
                 <a:srgbClr val="262626"/>
               </a:solidFill>
@@ -1130,11 +1281,12 @@
           </a:prstGeom>
         </p:spPr>
         <p:txBody>
-          <a:bodyPr lIns="0" rIns="0" tIns="0" bIns="0">
+          <a:bodyPr lIns="0" tIns="0" rIns="0" bIns="0">
             <a:normAutofit/>
           </a:bodyPr>
-          <a:p>
-            <a:endParaRPr b="0" lang="en-US" sz="2400" spc="-1" strike="noStrike">
+          <a:lstStyle/>
+          <a:p>
+            <a:endParaRPr lang="en-US" sz="2400" b="0" strike="noStrike" spc="-1">
               <a:solidFill>
                 <a:srgbClr val="262626"/>
               </a:solidFill>
@@ -1163,11 +1315,12 @@
           </a:prstGeom>
         </p:spPr>
         <p:txBody>
-          <a:bodyPr lIns="0" rIns="0" tIns="0" bIns="0">
+          <a:bodyPr lIns="0" tIns="0" rIns="0" bIns="0">
             <a:normAutofit/>
           </a:bodyPr>
-          <a:p>
-            <a:endParaRPr b="0" lang="en-US" sz="2400" spc="-1" strike="noStrike">
+          <a:lstStyle/>
+          <a:p>
+            <a:endParaRPr lang="en-US" sz="2400" b="0" strike="noStrike" spc="-1">
               <a:solidFill>
                 <a:srgbClr val="262626"/>
               </a:solidFill>
@@ -1178,11 +1331,14 @@
       </p:sp>
     </p:spTree>
   </p:cSld>
+  <p:clrMapOvr>
+    <a:masterClrMapping/>
+  </p:clrMapOvr>
 </p:sldLayout>
 </file>
 
 <file path=ppt/slideLayouts/slideLayout2.xml><?xml version="1.0" encoding="utf-8"?>
-<p:sldLayout xmlns:a="http://schemas.openxmlformats.org/drawingml/2006/main" xmlns:p="http://schemas.openxmlformats.org/presentationml/2006/main" xmlns:r="http://schemas.openxmlformats.org/officeDocument/2006/relationships" xmlns:p14="http://schemas.microsoft.com/office/powerpoint/2010/main" xmlns:p15="http://schemas.microsoft.com/office/powerpoint/2012/main" xmlns:mc="http://schemas.openxmlformats.org/markup-compatibility/2006" type="tx" preserve="1">
+<p:sldLayout xmlns:a="http://schemas.openxmlformats.org/drawingml/2006/main" xmlns:r="http://schemas.openxmlformats.org/officeDocument/2006/relationships" xmlns:p="http://schemas.openxmlformats.org/presentationml/2006/main" type="tx" preserve="1">
   <p:cSld name="Title Slide">
     <p:spTree>
       <p:nvGrpSpPr>
@@ -1218,11 +1374,12 @@
           </a:prstGeom>
         </p:spPr>
         <p:txBody>
-          <a:bodyPr lIns="0" rIns="0" tIns="0" bIns="0" anchor="ctr">
+          <a:bodyPr lIns="0" tIns="0" rIns="0" bIns="0" anchor="ctr">
             <a:noAutofit/>
           </a:bodyPr>
-          <a:p>
-            <a:endParaRPr b="0" lang="en-US" sz="1800" spc="-1" strike="noStrike">
+          <a:lstStyle/>
+          <a:p>
+            <a:endParaRPr lang="en-US" sz="1800" b="0" strike="noStrike" spc="-1">
               <a:solidFill>
                 <a:srgbClr val="000000"/>
               </a:solidFill>
@@ -1251,12 +1408,13 @@
           </a:prstGeom>
         </p:spPr>
         <p:txBody>
-          <a:bodyPr lIns="0" rIns="0" tIns="0" bIns="0" anchor="ctr">
+          <a:bodyPr lIns="0" tIns="0" rIns="0" bIns="0" anchor="ctr">
             <a:noAutofit/>
           </a:bodyPr>
+          <a:lstStyle/>
           <a:p>
             <a:pPr algn="ctr"/>
-            <a:endParaRPr b="0" lang="fr-FR" sz="3200" spc="-1" strike="noStrike">
+            <a:endParaRPr lang="fr-FR" sz="3200" b="0" strike="noStrike" spc="-1">
               <a:latin typeface="Arial"/>
             </a:endParaRPr>
           </a:p>
@@ -1264,11 +1422,14 @@
       </p:sp>
     </p:spTree>
   </p:cSld>
+  <p:clrMapOvr>
+    <a:masterClrMapping/>
+  </p:clrMapOvr>
 </p:sldLayout>
 </file>
 
 <file path=ppt/slideLayouts/slideLayout20.xml><?xml version="1.0" encoding="utf-8"?>
-<p:sldLayout xmlns:a="http://schemas.openxmlformats.org/drawingml/2006/main" xmlns:p="http://schemas.openxmlformats.org/presentationml/2006/main" xmlns:r="http://schemas.openxmlformats.org/officeDocument/2006/relationships" xmlns:p14="http://schemas.microsoft.com/office/powerpoint/2010/main" xmlns:p15="http://schemas.microsoft.com/office/powerpoint/2012/main" xmlns:mc="http://schemas.openxmlformats.org/markup-compatibility/2006" type="objAndTwoObj" preserve="1">
+<p:sldLayout xmlns:a="http://schemas.openxmlformats.org/drawingml/2006/main" xmlns:r="http://schemas.openxmlformats.org/officeDocument/2006/relationships" xmlns:p="http://schemas.openxmlformats.org/presentationml/2006/main" type="objAndTwoObj" preserve="1">
   <p:cSld name="Title Content and 2 Content">
     <p:spTree>
       <p:nvGrpSpPr>
@@ -1304,11 +1465,12 @@
           </a:prstGeom>
         </p:spPr>
         <p:txBody>
-          <a:bodyPr lIns="0" rIns="0" tIns="0" bIns="0" anchor="ctr">
+          <a:bodyPr lIns="0" tIns="0" rIns="0" bIns="0" anchor="ctr">
             <a:noAutofit/>
           </a:bodyPr>
-          <a:p>
-            <a:endParaRPr b="0" lang="en-US" sz="1800" spc="-1" strike="noStrike">
+          <a:lstStyle/>
+          <a:p>
+            <a:endParaRPr lang="en-US" sz="1800" b="0" strike="noStrike" spc="-1">
               <a:solidFill>
                 <a:srgbClr val="000000"/>
               </a:solidFill>
@@ -1337,11 +1499,12 @@
           </a:prstGeom>
         </p:spPr>
         <p:txBody>
-          <a:bodyPr lIns="0" rIns="0" tIns="0" bIns="0">
+          <a:bodyPr lIns="0" tIns="0" rIns="0" bIns="0">
             <a:normAutofit/>
           </a:bodyPr>
-          <a:p>
-            <a:endParaRPr b="0" lang="en-US" sz="2400" spc="-1" strike="noStrike">
+          <a:lstStyle/>
+          <a:p>
+            <a:endParaRPr lang="en-US" sz="2400" b="0" strike="noStrike" spc="-1">
               <a:solidFill>
                 <a:srgbClr val="262626"/>
               </a:solidFill>
@@ -1370,11 +1533,12 @@
           </a:prstGeom>
         </p:spPr>
         <p:txBody>
-          <a:bodyPr lIns="0" rIns="0" tIns="0" bIns="0">
+          <a:bodyPr lIns="0" tIns="0" rIns="0" bIns="0">
             <a:normAutofit/>
           </a:bodyPr>
-          <a:p>
-            <a:endParaRPr b="0" lang="en-US" sz="2400" spc="-1" strike="noStrike">
+          <a:lstStyle/>
+          <a:p>
+            <a:endParaRPr lang="en-US" sz="2400" b="0" strike="noStrike" spc="-1">
               <a:solidFill>
                 <a:srgbClr val="262626"/>
               </a:solidFill>
@@ -1403,11 +1567,12 @@
           </a:prstGeom>
         </p:spPr>
         <p:txBody>
-          <a:bodyPr lIns="0" rIns="0" tIns="0" bIns="0">
+          <a:bodyPr lIns="0" tIns="0" rIns="0" bIns="0">
             <a:normAutofit/>
           </a:bodyPr>
-          <a:p>
-            <a:endParaRPr b="0" lang="en-US" sz="2400" spc="-1" strike="noStrike">
+          <a:lstStyle/>
+          <a:p>
+            <a:endParaRPr lang="en-US" sz="2400" b="0" strike="noStrike" spc="-1">
               <a:solidFill>
                 <a:srgbClr val="262626"/>
               </a:solidFill>
@@ -1418,11 +1583,14 @@
       </p:sp>
     </p:spTree>
   </p:cSld>
+  <p:clrMapOvr>
+    <a:masterClrMapping/>
+  </p:clrMapOvr>
 </p:sldLayout>
 </file>
 
 <file path=ppt/slideLayouts/slideLayout21.xml><?xml version="1.0" encoding="utf-8"?>
-<p:sldLayout xmlns:a="http://schemas.openxmlformats.org/drawingml/2006/main" xmlns:p="http://schemas.openxmlformats.org/presentationml/2006/main" xmlns:r="http://schemas.openxmlformats.org/officeDocument/2006/relationships" xmlns:p14="http://schemas.microsoft.com/office/powerpoint/2010/main" xmlns:p15="http://schemas.microsoft.com/office/powerpoint/2012/main" xmlns:mc="http://schemas.openxmlformats.org/markup-compatibility/2006" type="twoObjOverTx" preserve="1">
+<p:sldLayout xmlns:a="http://schemas.openxmlformats.org/drawingml/2006/main" xmlns:r="http://schemas.openxmlformats.org/officeDocument/2006/relationships" xmlns:p="http://schemas.openxmlformats.org/presentationml/2006/main" type="twoObjOverTx" preserve="1">
   <p:cSld name="Title, 2 Content over Content">
     <p:spTree>
       <p:nvGrpSpPr>
@@ -1458,11 +1626,12 @@
           </a:prstGeom>
         </p:spPr>
         <p:txBody>
-          <a:bodyPr lIns="0" rIns="0" tIns="0" bIns="0" anchor="ctr">
+          <a:bodyPr lIns="0" tIns="0" rIns="0" bIns="0" anchor="ctr">
             <a:noAutofit/>
           </a:bodyPr>
-          <a:p>
-            <a:endParaRPr b="0" lang="en-US" sz="1800" spc="-1" strike="noStrike">
+          <a:lstStyle/>
+          <a:p>
+            <a:endParaRPr lang="en-US" sz="1800" b="0" strike="noStrike" spc="-1">
               <a:solidFill>
                 <a:srgbClr val="000000"/>
               </a:solidFill>
@@ -1491,11 +1660,12 @@
           </a:prstGeom>
         </p:spPr>
         <p:txBody>
-          <a:bodyPr lIns="0" rIns="0" tIns="0" bIns="0">
+          <a:bodyPr lIns="0" tIns="0" rIns="0" bIns="0">
             <a:normAutofit/>
           </a:bodyPr>
-          <a:p>
-            <a:endParaRPr b="0" lang="en-US" sz="2400" spc="-1" strike="noStrike">
+          <a:lstStyle/>
+          <a:p>
+            <a:endParaRPr lang="en-US" sz="2400" b="0" strike="noStrike" spc="-1">
               <a:solidFill>
                 <a:srgbClr val="262626"/>
               </a:solidFill>
@@ -1524,11 +1694,12 @@
           </a:prstGeom>
         </p:spPr>
         <p:txBody>
-          <a:bodyPr lIns="0" rIns="0" tIns="0" bIns="0">
+          <a:bodyPr lIns="0" tIns="0" rIns="0" bIns="0">
             <a:normAutofit/>
           </a:bodyPr>
-          <a:p>
-            <a:endParaRPr b="0" lang="en-US" sz="2400" spc="-1" strike="noStrike">
+          <a:lstStyle/>
+          <a:p>
+            <a:endParaRPr lang="en-US" sz="2400" b="0" strike="noStrike" spc="-1">
               <a:solidFill>
                 <a:srgbClr val="262626"/>
               </a:solidFill>
@@ -1557,11 +1728,12 @@
           </a:prstGeom>
         </p:spPr>
         <p:txBody>
-          <a:bodyPr lIns="0" rIns="0" tIns="0" bIns="0">
+          <a:bodyPr lIns="0" tIns="0" rIns="0" bIns="0">
             <a:normAutofit/>
           </a:bodyPr>
-          <a:p>
-            <a:endParaRPr b="0" lang="en-US" sz="2400" spc="-1" strike="noStrike">
+          <a:lstStyle/>
+          <a:p>
+            <a:endParaRPr lang="en-US" sz="2400" b="0" strike="noStrike" spc="-1">
               <a:solidFill>
                 <a:srgbClr val="262626"/>
               </a:solidFill>
@@ -1572,11 +1744,14 @@
       </p:sp>
     </p:spTree>
   </p:cSld>
+  <p:clrMapOvr>
+    <a:masterClrMapping/>
+  </p:clrMapOvr>
 </p:sldLayout>
 </file>
 
 <file path=ppt/slideLayouts/slideLayout22.xml><?xml version="1.0" encoding="utf-8"?>
-<p:sldLayout xmlns:a="http://schemas.openxmlformats.org/drawingml/2006/main" xmlns:p="http://schemas.openxmlformats.org/presentationml/2006/main" xmlns:r="http://schemas.openxmlformats.org/officeDocument/2006/relationships" xmlns:p14="http://schemas.microsoft.com/office/powerpoint/2010/main" xmlns:p15="http://schemas.microsoft.com/office/powerpoint/2012/main" xmlns:mc="http://schemas.openxmlformats.org/markup-compatibility/2006" type="objOverTx" preserve="1">
+<p:sldLayout xmlns:a="http://schemas.openxmlformats.org/drawingml/2006/main" xmlns:r="http://schemas.openxmlformats.org/officeDocument/2006/relationships" xmlns:p="http://schemas.openxmlformats.org/presentationml/2006/main" type="objOverTx" preserve="1">
   <p:cSld name="Title, Content over Content">
     <p:spTree>
       <p:nvGrpSpPr>
@@ -1612,11 +1787,12 @@
           </a:prstGeom>
         </p:spPr>
         <p:txBody>
-          <a:bodyPr lIns="0" rIns="0" tIns="0" bIns="0" anchor="ctr">
+          <a:bodyPr lIns="0" tIns="0" rIns="0" bIns="0" anchor="ctr">
             <a:noAutofit/>
           </a:bodyPr>
-          <a:p>
-            <a:endParaRPr b="0" lang="en-US" sz="1800" spc="-1" strike="noStrike">
+          <a:lstStyle/>
+          <a:p>
+            <a:endParaRPr lang="en-US" sz="1800" b="0" strike="noStrike" spc="-1">
               <a:solidFill>
                 <a:srgbClr val="000000"/>
               </a:solidFill>
@@ -1645,11 +1821,12 @@
           </a:prstGeom>
         </p:spPr>
         <p:txBody>
-          <a:bodyPr lIns="0" rIns="0" tIns="0" bIns="0">
+          <a:bodyPr lIns="0" tIns="0" rIns="0" bIns="0">
             <a:normAutofit/>
           </a:bodyPr>
-          <a:p>
-            <a:endParaRPr b="0" lang="en-US" sz="2400" spc="-1" strike="noStrike">
+          <a:lstStyle/>
+          <a:p>
+            <a:endParaRPr lang="en-US" sz="2400" b="0" strike="noStrike" spc="-1">
               <a:solidFill>
                 <a:srgbClr val="262626"/>
               </a:solidFill>
@@ -1678,11 +1855,12 @@
           </a:prstGeom>
         </p:spPr>
         <p:txBody>
-          <a:bodyPr lIns="0" rIns="0" tIns="0" bIns="0">
+          <a:bodyPr lIns="0" tIns="0" rIns="0" bIns="0">
             <a:normAutofit/>
           </a:bodyPr>
-          <a:p>
-            <a:endParaRPr b="0" lang="en-US" sz="2400" spc="-1" strike="noStrike">
+          <a:lstStyle/>
+          <a:p>
+            <a:endParaRPr lang="en-US" sz="2400" b="0" strike="noStrike" spc="-1">
               <a:solidFill>
                 <a:srgbClr val="262626"/>
               </a:solidFill>
@@ -1693,11 +1871,14 @@
       </p:sp>
     </p:spTree>
   </p:cSld>
+  <p:clrMapOvr>
+    <a:masterClrMapping/>
+  </p:clrMapOvr>
 </p:sldLayout>
 </file>
 
 <file path=ppt/slideLayouts/slideLayout23.xml><?xml version="1.0" encoding="utf-8"?>
-<p:sldLayout xmlns:a="http://schemas.openxmlformats.org/drawingml/2006/main" xmlns:p="http://schemas.openxmlformats.org/presentationml/2006/main" xmlns:r="http://schemas.openxmlformats.org/officeDocument/2006/relationships" xmlns:p14="http://schemas.microsoft.com/office/powerpoint/2010/main" xmlns:p15="http://schemas.microsoft.com/office/powerpoint/2012/main" xmlns:mc="http://schemas.openxmlformats.org/markup-compatibility/2006" type="fourObj" preserve="1">
+<p:sldLayout xmlns:a="http://schemas.openxmlformats.org/drawingml/2006/main" xmlns:r="http://schemas.openxmlformats.org/officeDocument/2006/relationships" xmlns:p="http://schemas.openxmlformats.org/presentationml/2006/main" type="fourObj" preserve="1">
   <p:cSld name="Title, 4 Content">
     <p:spTree>
       <p:nvGrpSpPr>
@@ -1733,11 +1914,12 @@
           </a:prstGeom>
         </p:spPr>
         <p:txBody>
-          <a:bodyPr lIns="0" rIns="0" tIns="0" bIns="0" anchor="ctr">
+          <a:bodyPr lIns="0" tIns="0" rIns="0" bIns="0" anchor="ctr">
             <a:noAutofit/>
           </a:bodyPr>
-          <a:p>
-            <a:endParaRPr b="0" lang="en-US" sz="1800" spc="-1" strike="noStrike">
+          <a:lstStyle/>
+          <a:p>
+            <a:endParaRPr lang="en-US" sz="1800" b="0" strike="noStrike" spc="-1">
               <a:solidFill>
                 <a:srgbClr val="000000"/>
               </a:solidFill>
@@ -1766,11 +1948,12 @@
           </a:prstGeom>
         </p:spPr>
         <p:txBody>
-          <a:bodyPr lIns="0" rIns="0" tIns="0" bIns="0">
+          <a:bodyPr lIns="0" tIns="0" rIns="0" bIns="0">
             <a:normAutofit/>
           </a:bodyPr>
-          <a:p>
-            <a:endParaRPr b="0" lang="en-US" sz="2400" spc="-1" strike="noStrike">
+          <a:lstStyle/>
+          <a:p>
+            <a:endParaRPr lang="en-US" sz="2400" b="0" strike="noStrike" spc="-1">
               <a:solidFill>
                 <a:srgbClr val="262626"/>
               </a:solidFill>
@@ -1799,11 +1982,12 @@
           </a:prstGeom>
         </p:spPr>
         <p:txBody>
-          <a:bodyPr lIns="0" rIns="0" tIns="0" bIns="0">
+          <a:bodyPr lIns="0" tIns="0" rIns="0" bIns="0">
             <a:normAutofit/>
           </a:bodyPr>
-          <a:p>
-            <a:endParaRPr b="0" lang="en-US" sz="2400" spc="-1" strike="noStrike">
+          <a:lstStyle/>
+          <a:p>
+            <a:endParaRPr lang="en-US" sz="2400" b="0" strike="noStrike" spc="-1">
               <a:solidFill>
                 <a:srgbClr val="262626"/>
               </a:solidFill>
@@ -1832,11 +2016,12 @@
           </a:prstGeom>
         </p:spPr>
         <p:txBody>
-          <a:bodyPr lIns="0" rIns="0" tIns="0" bIns="0">
+          <a:bodyPr lIns="0" tIns="0" rIns="0" bIns="0">
             <a:normAutofit/>
           </a:bodyPr>
-          <a:p>
-            <a:endParaRPr b="0" lang="en-US" sz="2400" spc="-1" strike="noStrike">
+          <a:lstStyle/>
+          <a:p>
+            <a:endParaRPr lang="en-US" sz="2400" b="0" strike="noStrike" spc="-1">
               <a:solidFill>
                 <a:srgbClr val="262626"/>
               </a:solidFill>
@@ -1865,11 +2050,12 @@
           </a:prstGeom>
         </p:spPr>
         <p:txBody>
-          <a:bodyPr lIns="0" rIns="0" tIns="0" bIns="0">
+          <a:bodyPr lIns="0" tIns="0" rIns="0" bIns="0">
             <a:normAutofit/>
           </a:bodyPr>
-          <a:p>
-            <a:endParaRPr b="0" lang="en-US" sz="2400" spc="-1" strike="noStrike">
+          <a:lstStyle/>
+          <a:p>
+            <a:endParaRPr lang="en-US" sz="2400" b="0" strike="noStrike" spc="-1">
               <a:solidFill>
                 <a:srgbClr val="262626"/>
               </a:solidFill>
@@ -1880,11 +2066,14 @@
       </p:sp>
     </p:spTree>
   </p:cSld>
+  <p:clrMapOvr>
+    <a:masterClrMapping/>
+  </p:clrMapOvr>
 </p:sldLayout>
 </file>
 
 <file path=ppt/slideLayouts/slideLayout24.xml><?xml version="1.0" encoding="utf-8"?>
-<p:sldLayout xmlns:a="http://schemas.openxmlformats.org/drawingml/2006/main" xmlns:p="http://schemas.openxmlformats.org/presentationml/2006/main" xmlns:r="http://schemas.openxmlformats.org/officeDocument/2006/relationships" xmlns:p14="http://schemas.microsoft.com/office/powerpoint/2010/main" xmlns:p15="http://schemas.microsoft.com/office/powerpoint/2012/main" xmlns:mc="http://schemas.openxmlformats.org/markup-compatibility/2006" type="blank" preserve="1">
+<p:sldLayout xmlns:a="http://schemas.openxmlformats.org/drawingml/2006/main" xmlns:r="http://schemas.openxmlformats.org/officeDocument/2006/relationships" xmlns:p="http://schemas.openxmlformats.org/presentationml/2006/main" type="blank" preserve="1">
   <p:cSld name="Title, 6 Content">
     <p:spTree>
       <p:nvGrpSpPr>
@@ -1920,11 +2109,12 @@
           </a:prstGeom>
         </p:spPr>
         <p:txBody>
-          <a:bodyPr lIns="0" rIns="0" tIns="0" bIns="0" anchor="ctr">
+          <a:bodyPr lIns="0" tIns="0" rIns="0" bIns="0" anchor="ctr">
             <a:noAutofit/>
           </a:bodyPr>
-          <a:p>
-            <a:endParaRPr b="0" lang="en-US" sz="1800" spc="-1" strike="noStrike">
+          <a:lstStyle/>
+          <a:p>
+            <a:endParaRPr lang="en-US" sz="1800" b="0" strike="noStrike" spc="-1">
               <a:solidFill>
                 <a:srgbClr val="000000"/>
               </a:solidFill>
@@ -1953,11 +2143,12 @@
           </a:prstGeom>
         </p:spPr>
         <p:txBody>
-          <a:bodyPr lIns="0" rIns="0" tIns="0" bIns="0">
+          <a:bodyPr lIns="0" tIns="0" rIns="0" bIns="0">
             <a:normAutofit/>
           </a:bodyPr>
-          <a:p>
-            <a:endParaRPr b="0" lang="en-US" sz="2400" spc="-1" strike="noStrike">
+          <a:lstStyle/>
+          <a:p>
+            <a:endParaRPr lang="en-US" sz="2400" b="0" strike="noStrike" spc="-1">
               <a:solidFill>
                 <a:srgbClr val="262626"/>
               </a:solidFill>
@@ -1986,11 +2177,12 @@
           </a:prstGeom>
         </p:spPr>
         <p:txBody>
-          <a:bodyPr lIns="0" rIns="0" tIns="0" bIns="0">
+          <a:bodyPr lIns="0" tIns="0" rIns="0" bIns="0">
             <a:normAutofit/>
           </a:bodyPr>
-          <a:p>
-            <a:endParaRPr b="0" lang="en-US" sz="2400" spc="-1" strike="noStrike">
+          <a:lstStyle/>
+          <a:p>
+            <a:endParaRPr lang="en-US" sz="2400" b="0" strike="noStrike" spc="-1">
               <a:solidFill>
                 <a:srgbClr val="262626"/>
               </a:solidFill>
@@ -2019,11 +2211,12 @@
           </a:prstGeom>
         </p:spPr>
         <p:txBody>
-          <a:bodyPr lIns="0" rIns="0" tIns="0" bIns="0">
+          <a:bodyPr lIns="0" tIns="0" rIns="0" bIns="0">
             <a:normAutofit/>
           </a:bodyPr>
-          <a:p>
-            <a:endParaRPr b="0" lang="en-US" sz="2400" spc="-1" strike="noStrike">
+          <a:lstStyle/>
+          <a:p>
+            <a:endParaRPr lang="en-US" sz="2400" b="0" strike="noStrike" spc="-1">
               <a:solidFill>
                 <a:srgbClr val="262626"/>
               </a:solidFill>
@@ -2052,11 +2245,12 @@
           </a:prstGeom>
         </p:spPr>
         <p:txBody>
-          <a:bodyPr lIns="0" rIns="0" tIns="0" bIns="0">
+          <a:bodyPr lIns="0" tIns="0" rIns="0" bIns="0">
             <a:normAutofit/>
           </a:bodyPr>
-          <a:p>
-            <a:endParaRPr b="0" lang="en-US" sz="2400" spc="-1" strike="noStrike">
+          <a:lstStyle/>
+          <a:p>
+            <a:endParaRPr lang="en-US" sz="2400" b="0" strike="noStrike" spc="-1">
               <a:solidFill>
                 <a:srgbClr val="262626"/>
               </a:solidFill>
@@ -2085,11 +2279,12 @@
           </a:prstGeom>
         </p:spPr>
         <p:txBody>
-          <a:bodyPr lIns="0" rIns="0" tIns="0" bIns="0">
+          <a:bodyPr lIns="0" tIns="0" rIns="0" bIns="0">
             <a:normAutofit/>
           </a:bodyPr>
-          <a:p>
-            <a:endParaRPr b="0" lang="en-US" sz="2400" spc="-1" strike="noStrike">
+          <a:lstStyle/>
+          <a:p>
+            <a:endParaRPr lang="en-US" sz="2400" b="0" strike="noStrike" spc="-1">
               <a:solidFill>
                 <a:srgbClr val="262626"/>
               </a:solidFill>
@@ -2118,11 +2313,12 @@
           </a:prstGeom>
         </p:spPr>
         <p:txBody>
-          <a:bodyPr lIns="0" rIns="0" tIns="0" bIns="0">
+          <a:bodyPr lIns="0" tIns="0" rIns="0" bIns="0">
             <a:normAutofit/>
           </a:bodyPr>
-          <a:p>
-            <a:endParaRPr b="0" lang="en-US" sz="2400" spc="-1" strike="noStrike">
+          <a:lstStyle/>
+          <a:p>
+            <a:endParaRPr lang="en-US" sz="2400" b="0" strike="noStrike" spc="-1">
               <a:solidFill>
                 <a:srgbClr val="262626"/>
               </a:solidFill>
@@ -2133,11 +2329,14 @@
       </p:sp>
     </p:spTree>
   </p:cSld>
+  <p:clrMapOvr>
+    <a:masterClrMapping/>
+  </p:clrMapOvr>
 </p:sldLayout>
 </file>
 
 <file path=ppt/slideLayouts/slideLayout25.xml><?xml version="1.0" encoding="utf-8"?>
-<p:sldLayout xmlns:a="http://schemas.openxmlformats.org/drawingml/2006/main" xmlns:p="http://schemas.openxmlformats.org/presentationml/2006/main" xmlns:r="http://schemas.openxmlformats.org/officeDocument/2006/relationships" xmlns:p14="http://schemas.microsoft.com/office/powerpoint/2010/main" xmlns:p15="http://schemas.microsoft.com/office/powerpoint/2012/main" xmlns:mc="http://schemas.openxmlformats.org/markup-compatibility/2006" type="blank" preserve="1">
+<p:sldLayout xmlns:a="http://schemas.openxmlformats.org/drawingml/2006/main" xmlns:r="http://schemas.openxmlformats.org/officeDocument/2006/relationships" xmlns:p="http://schemas.openxmlformats.org/presentationml/2006/main" type="blank" preserve="1">
   <p:cSld name="Blank Slide">
     <p:spTree>
       <p:nvGrpSpPr>
@@ -2155,11 +2354,14 @@
       </p:grpSpPr>
     </p:spTree>
   </p:cSld>
+  <p:clrMapOvr>
+    <a:masterClrMapping/>
+  </p:clrMapOvr>
 </p:sldLayout>
 </file>
 
 <file path=ppt/slideLayouts/slideLayout26.xml><?xml version="1.0" encoding="utf-8"?>
-<p:sldLayout xmlns:a="http://schemas.openxmlformats.org/drawingml/2006/main" xmlns:p="http://schemas.openxmlformats.org/presentationml/2006/main" xmlns:r="http://schemas.openxmlformats.org/officeDocument/2006/relationships" xmlns:p14="http://schemas.microsoft.com/office/powerpoint/2010/main" xmlns:p15="http://schemas.microsoft.com/office/powerpoint/2012/main" xmlns:mc="http://schemas.openxmlformats.org/markup-compatibility/2006" type="tx" preserve="1">
+<p:sldLayout xmlns:a="http://schemas.openxmlformats.org/drawingml/2006/main" xmlns:r="http://schemas.openxmlformats.org/officeDocument/2006/relationships" xmlns:p="http://schemas.openxmlformats.org/presentationml/2006/main" type="tx" preserve="1">
   <p:cSld name="Title Slide">
     <p:spTree>
       <p:nvGrpSpPr>
@@ -2195,11 +2397,12 @@
           </a:prstGeom>
         </p:spPr>
         <p:txBody>
-          <a:bodyPr lIns="0" rIns="0" tIns="0" bIns="0" anchor="ctr">
+          <a:bodyPr lIns="0" tIns="0" rIns="0" bIns="0" anchor="ctr">
             <a:noAutofit/>
           </a:bodyPr>
-          <a:p>
-            <a:endParaRPr b="0" lang="en-US" sz="1800" spc="-1" strike="noStrike">
+          <a:lstStyle/>
+          <a:p>
+            <a:endParaRPr lang="en-US" sz="1800" b="0" strike="noStrike" spc="-1">
               <a:solidFill>
                 <a:srgbClr val="000000"/>
               </a:solidFill>
@@ -2228,12 +2431,13 @@
           </a:prstGeom>
         </p:spPr>
         <p:txBody>
-          <a:bodyPr lIns="0" rIns="0" tIns="0" bIns="0" anchor="ctr">
+          <a:bodyPr lIns="0" tIns="0" rIns="0" bIns="0" anchor="ctr">
             <a:noAutofit/>
           </a:bodyPr>
+          <a:lstStyle/>
           <a:p>
             <a:pPr algn="ctr"/>
-            <a:endParaRPr b="0" lang="fr-FR" sz="3200" spc="-1" strike="noStrike">
+            <a:endParaRPr lang="fr-FR" sz="3200" b="0" strike="noStrike" spc="-1">
               <a:latin typeface="Arial"/>
             </a:endParaRPr>
           </a:p>
@@ -2241,11 +2445,14 @@
       </p:sp>
     </p:spTree>
   </p:cSld>
+  <p:clrMapOvr>
+    <a:masterClrMapping/>
+  </p:clrMapOvr>
 </p:sldLayout>
 </file>
 
 <file path=ppt/slideLayouts/slideLayout27.xml><?xml version="1.0" encoding="utf-8"?>
-<p:sldLayout xmlns:a="http://schemas.openxmlformats.org/drawingml/2006/main" xmlns:p="http://schemas.openxmlformats.org/presentationml/2006/main" xmlns:r="http://schemas.openxmlformats.org/officeDocument/2006/relationships" xmlns:p14="http://schemas.microsoft.com/office/powerpoint/2010/main" xmlns:p15="http://schemas.microsoft.com/office/powerpoint/2012/main" xmlns:mc="http://schemas.openxmlformats.org/markup-compatibility/2006" type="obj" preserve="1">
+<p:sldLayout xmlns:a="http://schemas.openxmlformats.org/drawingml/2006/main" xmlns:r="http://schemas.openxmlformats.org/officeDocument/2006/relationships" xmlns:p="http://schemas.openxmlformats.org/presentationml/2006/main" type="obj" preserve="1">
   <p:cSld name="Title, Content">
     <p:spTree>
       <p:nvGrpSpPr>
@@ -2281,11 +2488,12 @@
           </a:prstGeom>
         </p:spPr>
         <p:txBody>
-          <a:bodyPr lIns="0" rIns="0" tIns="0" bIns="0" anchor="ctr">
+          <a:bodyPr lIns="0" tIns="0" rIns="0" bIns="0" anchor="ctr">
             <a:noAutofit/>
           </a:bodyPr>
-          <a:p>
-            <a:endParaRPr b="0" lang="en-US" sz="1800" spc="-1" strike="noStrike">
+          <a:lstStyle/>
+          <a:p>
+            <a:endParaRPr lang="en-US" sz="1800" b="0" strike="noStrike" spc="-1">
               <a:solidFill>
                 <a:srgbClr val="000000"/>
               </a:solidFill>
@@ -2314,11 +2522,12 @@
           </a:prstGeom>
         </p:spPr>
         <p:txBody>
-          <a:bodyPr lIns="0" rIns="0" tIns="0" bIns="0">
+          <a:bodyPr lIns="0" tIns="0" rIns="0" bIns="0">
             <a:normAutofit/>
           </a:bodyPr>
-          <a:p>
-            <a:endParaRPr b="0" lang="en-US" sz="2400" spc="-1" strike="noStrike">
+          <a:lstStyle/>
+          <a:p>
+            <a:endParaRPr lang="en-US" sz="2400" b="0" strike="noStrike" spc="-1">
               <a:solidFill>
                 <a:srgbClr val="262626"/>
               </a:solidFill>
@@ -2329,11 +2538,14 @@
       </p:sp>
     </p:spTree>
   </p:cSld>
+  <p:clrMapOvr>
+    <a:masterClrMapping/>
+  </p:clrMapOvr>
 </p:sldLayout>
 </file>
 
 <file path=ppt/slideLayouts/slideLayout28.xml><?xml version="1.0" encoding="utf-8"?>
-<p:sldLayout xmlns:a="http://schemas.openxmlformats.org/drawingml/2006/main" xmlns:p="http://schemas.openxmlformats.org/presentationml/2006/main" xmlns:r="http://schemas.openxmlformats.org/officeDocument/2006/relationships" xmlns:p14="http://schemas.microsoft.com/office/powerpoint/2010/main" xmlns:p15="http://schemas.microsoft.com/office/powerpoint/2012/main" xmlns:mc="http://schemas.openxmlformats.org/markup-compatibility/2006" type="twoObj" preserve="1">
+<p:sldLayout xmlns:a="http://schemas.openxmlformats.org/drawingml/2006/main" xmlns:r="http://schemas.openxmlformats.org/officeDocument/2006/relationships" xmlns:p="http://schemas.openxmlformats.org/presentationml/2006/main" type="twoObj" preserve="1">
   <p:cSld name="Title, 2 Content">
     <p:spTree>
       <p:nvGrpSpPr>
@@ -2369,11 +2581,12 @@
           </a:prstGeom>
         </p:spPr>
         <p:txBody>
-          <a:bodyPr lIns="0" rIns="0" tIns="0" bIns="0" anchor="ctr">
+          <a:bodyPr lIns="0" tIns="0" rIns="0" bIns="0" anchor="ctr">
             <a:noAutofit/>
           </a:bodyPr>
-          <a:p>
-            <a:endParaRPr b="0" lang="en-US" sz="1800" spc="-1" strike="noStrike">
+          <a:lstStyle/>
+          <a:p>
+            <a:endParaRPr lang="en-US" sz="1800" b="0" strike="noStrike" spc="-1">
               <a:solidFill>
                 <a:srgbClr val="000000"/>
               </a:solidFill>
@@ -2402,11 +2615,12 @@
           </a:prstGeom>
         </p:spPr>
         <p:txBody>
-          <a:bodyPr lIns="0" rIns="0" tIns="0" bIns="0">
+          <a:bodyPr lIns="0" tIns="0" rIns="0" bIns="0">
             <a:normAutofit/>
           </a:bodyPr>
-          <a:p>
-            <a:endParaRPr b="0" lang="en-US" sz="2400" spc="-1" strike="noStrike">
+          <a:lstStyle/>
+          <a:p>
+            <a:endParaRPr lang="en-US" sz="2400" b="0" strike="noStrike" spc="-1">
               <a:solidFill>
                 <a:srgbClr val="262626"/>
               </a:solidFill>
@@ -2435,11 +2649,12 @@
           </a:prstGeom>
         </p:spPr>
         <p:txBody>
-          <a:bodyPr lIns="0" rIns="0" tIns="0" bIns="0">
+          <a:bodyPr lIns="0" tIns="0" rIns="0" bIns="0">
             <a:normAutofit/>
           </a:bodyPr>
-          <a:p>
-            <a:endParaRPr b="0" lang="en-US" sz="2400" spc="-1" strike="noStrike">
+          <a:lstStyle/>
+          <a:p>
+            <a:endParaRPr lang="en-US" sz="2400" b="0" strike="noStrike" spc="-1">
               <a:solidFill>
                 <a:srgbClr val="262626"/>
               </a:solidFill>
@@ -2450,11 +2665,14 @@
       </p:sp>
     </p:spTree>
   </p:cSld>
+  <p:clrMapOvr>
+    <a:masterClrMapping/>
+  </p:clrMapOvr>
 </p:sldLayout>
 </file>
 
 <file path=ppt/slideLayouts/slideLayout29.xml><?xml version="1.0" encoding="utf-8"?>
-<p:sldLayout xmlns:a="http://schemas.openxmlformats.org/drawingml/2006/main" xmlns:p="http://schemas.openxmlformats.org/presentationml/2006/main" xmlns:r="http://schemas.openxmlformats.org/officeDocument/2006/relationships" xmlns:p14="http://schemas.microsoft.com/office/powerpoint/2010/main" xmlns:p15="http://schemas.microsoft.com/office/powerpoint/2012/main" xmlns:mc="http://schemas.openxmlformats.org/markup-compatibility/2006" type="titleOnly" preserve="1">
+<p:sldLayout xmlns:a="http://schemas.openxmlformats.org/drawingml/2006/main" xmlns:r="http://schemas.openxmlformats.org/officeDocument/2006/relationships" xmlns:p="http://schemas.openxmlformats.org/presentationml/2006/main" type="titleOnly" preserve="1">
   <p:cSld name="Title Only">
     <p:spTree>
       <p:nvGrpSpPr>
@@ -2490,11 +2708,12 @@
           </a:prstGeom>
         </p:spPr>
         <p:txBody>
-          <a:bodyPr lIns="0" rIns="0" tIns="0" bIns="0" anchor="ctr">
+          <a:bodyPr lIns="0" tIns="0" rIns="0" bIns="0" anchor="ctr">
             <a:noAutofit/>
           </a:bodyPr>
-          <a:p>
-            <a:endParaRPr b="0" lang="en-US" sz="1800" spc="-1" strike="noStrike">
+          <a:lstStyle/>
+          <a:p>
+            <a:endParaRPr lang="en-US" sz="1800" b="0" strike="noStrike" spc="-1">
               <a:solidFill>
                 <a:srgbClr val="000000"/>
               </a:solidFill>
@@ -2505,11 +2724,14 @@
       </p:sp>
     </p:spTree>
   </p:cSld>
+  <p:clrMapOvr>
+    <a:masterClrMapping/>
+  </p:clrMapOvr>
 </p:sldLayout>
 </file>
 
 <file path=ppt/slideLayouts/slideLayout3.xml><?xml version="1.0" encoding="utf-8"?>
-<p:sldLayout xmlns:a="http://schemas.openxmlformats.org/drawingml/2006/main" xmlns:p="http://schemas.openxmlformats.org/presentationml/2006/main" xmlns:r="http://schemas.openxmlformats.org/officeDocument/2006/relationships" xmlns:p14="http://schemas.microsoft.com/office/powerpoint/2010/main" xmlns:p15="http://schemas.microsoft.com/office/powerpoint/2012/main" xmlns:mc="http://schemas.openxmlformats.org/markup-compatibility/2006" type="obj" preserve="1">
+<p:sldLayout xmlns:a="http://schemas.openxmlformats.org/drawingml/2006/main" xmlns:r="http://schemas.openxmlformats.org/officeDocument/2006/relationships" xmlns:p="http://schemas.openxmlformats.org/presentationml/2006/main" type="obj" preserve="1">
   <p:cSld name="Title, Content">
     <p:spTree>
       <p:nvGrpSpPr>
@@ -2545,11 +2767,12 @@
           </a:prstGeom>
         </p:spPr>
         <p:txBody>
-          <a:bodyPr lIns="0" rIns="0" tIns="0" bIns="0" anchor="ctr">
+          <a:bodyPr lIns="0" tIns="0" rIns="0" bIns="0" anchor="ctr">
             <a:noAutofit/>
           </a:bodyPr>
-          <a:p>
-            <a:endParaRPr b="0" lang="en-US" sz="1800" spc="-1" strike="noStrike">
+          <a:lstStyle/>
+          <a:p>
+            <a:endParaRPr lang="en-US" sz="1800" b="0" strike="noStrike" spc="-1">
               <a:solidFill>
                 <a:srgbClr val="000000"/>
               </a:solidFill>
@@ -2578,11 +2801,12 @@
           </a:prstGeom>
         </p:spPr>
         <p:txBody>
-          <a:bodyPr lIns="0" rIns="0" tIns="0" bIns="0">
+          <a:bodyPr lIns="0" tIns="0" rIns="0" bIns="0">
             <a:normAutofit/>
           </a:bodyPr>
-          <a:p>
-            <a:endParaRPr b="0" lang="en-US" sz="2400" spc="-1" strike="noStrike">
+          <a:lstStyle/>
+          <a:p>
+            <a:endParaRPr lang="en-US" sz="2400" b="0" strike="noStrike" spc="-1">
               <a:solidFill>
                 <a:srgbClr val="262626"/>
               </a:solidFill>
@@ -2593,11 +2817,14 @@
       </p:sp>
     </p:spTree>
   </p:cSld>
+  <p:clrMapOvr>
+    <a:masterClrMapping/>
+  </p:clrMapOvr>
 </p:sldLayout>
 </file>
 
 <file path=ppt/slideLayouts/slideLayout30.xml><?xml version="1.0" encoding="utf-8"?>
-<p:sldLayout xmlns:a="http://schemas.openxmlformats.org/drawingml/2006/main" xmlns:p="http://schemas.openxmlformats.org/presentationml/2006/main" xmlns:r="http://schemas.openxmlformats.org/officeDocument/2006/relationships" xmlns:p14="http://schemas.microsoft.com/office/powerpoint/2010/main" xmlns:p15="http://schemas.microsoft.com/office/powerpoint/2012/main" xmlns:mc="http://schemas.openxmlformats.org/markup-compatibility/2006" type="objOnly" preserve="1">
+<p:sldLayout xmlns:a="http://schemas.openxmlformats.org/drawingml/2006/main" xmlns:r="http://schemas.openxmlformats.org/officeDocument/2006/relationships" xmlns:p="http://schemas.openxmlformats.org/presentationml/2006/main" type="objOnly" preserve="1">
   <p:cSld name="Centered Text">
     <p:spTree>
       <p:nvGrpSpPr>
@@ -2633,12 +2860,13 @@
           </a:prstGeom>
         </p:spPr>
         <p:txBody>
-          <a:bodyPr lIns="0" rIns="0" tIns="0" bIns="0" anchor="ctr">
+          <a:bodyPr lIns="0" tIns="0" rIns="0" bIns="0" anchor="ctr">
             <a:noAutofit/>
           </a:bodyPr>
+          <a:lstStyle/>
           <a:p>
             <a:pPr algn="ctr"/>
-            <a:endParaRPr b="0" lang="fr-FR" sz="3200" spc="-1" strike="noStrike">
+            <a:endParaRPr lang="fr-FR" sz="3200" b="0" strike="noStrike" spc="-1">
               <a:latin typeface="Arial"/>
             </a:endParaRPr>
           </a:p>
@@ -2646,11 +2874,14 @@
       </p:sp>
     </p:spTree>
   </p:cSld>
+  <p:clrMapOvr>
+    <a:masterClrMapping/>
+  </p:clrMapOvr>
 </p:sldLayout>
 </file>
 
 <file path=ppt/slideLayouts/slideLayout31.xml><?xml version="1.0" encoding="utf-8"?>
-<p:sldLayout xmlns:a="http://schemas.openxmlformats.org/drawingml/2006/main" xmlns:p="http://schemas.openxmlformats.org/presentationml/2006/main" xmlns:r="http://schemas.openxmlformats.org/officeDocument/2006/relationships" xmlns:p14="http://schemas.microsoft.com/office/powerpoint/2010/main" xmlns:p15="http://schemas.microsoft.com/office/powerpoint/2012/main" xmlns:mc="http://schemas.openxmlformats.org/markup-compatibility/2006" type="twoObjAndObj" preserve="1">
+<p:sldLayout xmlns:a="http://schemas.openxmlformats.org/drawingml/2006/main" xmlns:r="http://schemas.openxmlformats.org/officeDocument/2006/relationships" xmlns:p="http://schemas.openxmlformats.org/presentationml/2006/main" type="twoObjAndObj" preserve="1">
   <p:cSld name="Title, 2 Content and Content">
     <p:spTree>
       <p:nvGrpSpPr>
@@ -2686,11 +2917,12 @@
           </a:prstGeom>
         </p:spPr>
         <p:txBody>
-          <a:bodyPr lIns="0" rIns="0" tIns="0" bIns="0" anchor="ctr">
+          <a:bodyPr lIns="0" tIns="0" rIns="0" bIns="0" anchor="ctr">
             <a:noAutofit/>
           </a:bodyPr>
-          <a:p>
-            <a:endParaRPr b="0" lang="en-US" sz="1800" spc="-1" strike="noStrike">
+          <a:lstStyle/>
+          <a:p>
+            <a:endParaRPr lang="en-US" sz="1800" b="0" strike="noStrike" spc="-1">
               <a:solidFill>
                 <a:srgbClr val="000000"/>
               </a:solidFill>
@@ -2719,11 +2951,12 @@
           </a:prstGeom>
         </p:spPr>
         <p:txBody>
-          <a:bodyPr lIns="0" rIns="0" tIns="0" bIns="0">
+          <a:bodyPr lIns="0" tIns="0" rIns="0" bIns="0">
             <a:normAutofit/>
           </a:bodyPr>
-          <a:p>
-            <a:endParaRPr b="0" lang="en-US" sz="2400" spc="-1" strike="noStrike">
+          <a:lstStyle/>
+          <a:p>
+            <a:endParaRPr lang="en-US" sz="2400" b="0" strike="noStrike" spc="-1">
               <a:solidFill>
                 <a:srgbClr val="262626"/>
               </a:solidFill>
@@ -2752,11 +2985,12 @@
           </a:prstGeom>
         </p:spPr>
         <p:txBody>
-          <a:bodyPr lIns="0" rIns="0" tIns="0" bIns="0">
+          <a:bodyPr lIns="0" tIns="0" rIns="0" bIns="0">
             <a:normAutofit/>
           </a:bodyPr>
-          <a:p>
-            <a:endParaRPr b="0" lang="en-US" sz="2400" spc="-1" strike="noStrike">
+          <a:lstStyle/>
+          <a:p>
+            <a:endParaRPr lang="en-US" sz="2400" b="0" strike="noStrike" spc="-1">
               <a:solidFill>
                 <a:srgbClr val="262626"/>
               </a:solidFill>
@@ -2785,11 +3019,12 @@
           </a:prstGeom>
         </p:spPr>
         <p:txBody>
-          <a:bodyPr lIns="0" rIns="0" tIns="0" bIns="0">
+          <a:bodyPr lIns="0" tIns="0" rIns="0" bIns="0">
             <a:normAutofit/>
           </a:bodyPr>
-          <a:p>
-            <a:endParaRPr b="0" lang="en-US" sz="2400" spc="-1" strike="noStrike">
+          <a:lstStyle/>
+          <a:p>
+            <a:endParaRPr lang="en-US" sz="2400" b="0" strike="noStrike" spc="-1">
               <a:solidFill>
                 <a:srgbClr val="262626"/>
               </a:solidFill>
@@ -2800,11 +3035,14 @@
       </p:sp>
     </p:spTree>
   </p:cSld>
+  <p:clrMapOvr>
+    <a:masterClrMapping/>
+  </p:clrMapOvr>
 </p:sldLayout>
 </file>
 
 <file path=ppt/slideLayouts/slideLayout32.xml><?xml version="1.0" encoding="utf-8"?>
-<p:sldLayout xmlns:a="http://schemas.openxmlformats.org/drawingml/2006/main" xmlns:p="http://schemas.openxmlformats.org/presentationml/2006/main" xmlns:r="http://schemas.openxmlformats.org/officeDocument/2006/relationships" xmlns:p14="http://schemas.microsoft.com/office/powerpoint/2010/main" xmlns:p15="http://schemas.microsoft.com/office/powerpoint/2012/main" xmlns:mc="http://schemas.openxmlformats.org/markup-compatibility/2006" type="objAndTwoObj" preserve="1">
+<p:sldLayout xmlns:a="http://schemas.openxmlformats.org/drawingml/2006/main" xmlns:r="http://schemas.openxmlformats.org/officeDocument/2006/relationships" xmlns:p="http://schemas.openxmlformats.org/presentationml/2006/main" type="objAndTwoObj" preserve="1">
   <p:cSld name="Title Content and 2 Content">
     <p:spTree>
       <p:nvGrpSpPr>
@@ -2840,11 +3078,12 @@
           </a:prstGeom>
         </p:spPr>
         <p:txBody>
-          <a:bodyPr lIns="0" rIns="0" tIns="0" bIns="0" anchor="ctr">
+          <a:bodyPr lIns="0" tIns="0" rIns="0" bIns="0" anchor="ctr">
             <a:noAutofit/>
           </a:bodyPr>
-          <a:p>
-            <a:endParaRPr b="0" lang="en-US" sz="1800" spc="-1" strike="noStrike">
+          <a:lstStyle/>
+          <a:p>
+            <a:endParaRPr lang="en-US" sz="1800" b="0" strike="noStrike" spc="-1">
               <a:solidFill>
                 <a:srgbClr val="000000"/>
               </a:solidFill>
@@ -2873,11 +3112,12 @@
           </a:prstGeom>
         </p:spPr>
         <p:txBody>
-          <a:bodyPr lIns="0" rIns="0" tIns="0" bIns="0">
+          <a:bodyPr lIns="0" tIns="0" rIns="0" bIns="0">
             <a:normAutofit/>
           </a:bodyPr>
-          <a:p>
-            <a:endParaRPr b="0" lang="en-US" sz="2400" spc="-1" strike="noStrike">
+          <a:lstStyle/>
+          <a:p>
+            <a:endParaRPr lang="en-US" sz="2400" b="0" strike="noStrike" spc="-1">
               <a:solidFill>
                 <a:srgbClr val="262626"/>
               </a:solidFill>
@@ -2906,11 +3146,12 @@
           </a:prstGeom>
         </p:spPr>
         <p:txBody>
-          <a:bodyPr lIns="0" rIns="0" tIns="0" bIns="0">
+          <a:bodyPr lIns="0" tIns="0" rIns="0" bIns="0">
             <a:normAutofit/>
           </a:bodyPr>
-          <a:p>
-            <a:endParaRPr b="0" lang="en-US" sz="2400" spc="-1" strike="noStrike">
+          <a:lstStyle/>
+          <a:p>
+            <a:endParaRPr lang="en-US" sz="2400" b="0" strike="noStrike" spc="-1">
               <a:solidFill>
                 <a:srgbClr val="262626"/>
               </a:solidFill>
@@ -2939,11 +3180,12 @@
           </a:prstGeom>
         </p:spPr>
         <p:txBody>
-          <a:bodyPr lIns="0" rIns="0" tIns="0" bIns="0">
+          <a:bodyPr lIns="0" tIns="0" rIns="0" bIns="0">
             <a:normAutofit/>
           </a:bodyPr>
-          <a:p>
-            <a:endParaRPr b="0" lang="en-US" sz="2400" spc="-1" strike="noStrike">
+          <a:lstStyle/>
+          <a:p>
+            <a:endParaRPr lang="en-US" sz="2400" b="0" strike="noStrike" spc="-1">
               <a:solidFill>
                 <a:srgbClr val="262626"/>
               </a:solidFill>
@@ -2954,11 +3196,14 @@
       </p:sp>
     </p:spTree>
   </p:cSld>
+  <p:clrMapOvr>
+    <a:masterClrMapping/>
+  </p:clrMapOvr>
 </p:sldLayout>
 </file>
 
 <file path=ppt/slideLayouts/slideLayout33.xml><?xml version="1.0" encoding="utf-8"?>
-<p:sldLayout xmlns:a="http://schemas.openxmlformats.org/drawingml/2006/main" xmlns:p="http://schemas.openxmlformats.org/presentationml/2006/main" xmlns:r="http://schemas.openxmlformats.org/officeDocument/2006/relationships" xmlns:p14="http://schemas.microsoft.com/office/powerpoint/2010/main" xmlns:p15="http://schemas.microsoft.com/office/powerpoint/2012/main" xmlns:mc="http://schemas.openxmlformats.org/markup-compatibility/2006" type="twoObjOverTx" preserve="1">
+<p:sldLayout xmlns:a="http://schemas.openxmlformats.org/drawingml/2006/main" xmlns:r="http://schemas.openxmlformats.org/officeDocument/2006/relationships" xmlns:p="http://schemas.openxmlformats.org/presentationml/2006/main" type="twoObjOverTx" preserve="1">
   <p:cSld name="Title, 2 Content over Content">
     <p:spTree>
       <p:nvGrpSpPr>
@@ -2994,11 +3239,12 @@
           </a:prstGeom>
         </p:spPr>
         <p:txBody>
-          <a:bodyPr lIns="0" rIns="0" tIns="0" bIns="0" anchor="ctr">
+          <a:bodyPr lIns="0" tIns="0" rIns="0" bIns="0" anchor="ctr">
             <a:noAutofit/>
           </a:bodyPr>
-          <a:p>
-            <a:endParaRPr b="0" lang="en-US" sz="1800" spc="-1" strike="noStrike">
+          <a:lstStyle/>
+          <a:p>
+            <a:endParaRPr lang="en-US" sz="1800" b="0" strike="noStrike" spc="-1">
               <a:solidFill>
                 <a:srgbClr val="000000"/>
               </a:solidFill>
@@ -3027,11 +3273,12 @@
           </a:prstGeom>
         </p:spPr>
         <p:txBody>
-          <a:bodyPr lIns="0" rIns="0" tIns="0" bIns="0">
+          <a:bodyPr lIns="0" tIns="0" rIns="0" bIns="0">
             <a:normAutofit/>
           </a:bodyPr>
-          <a:p>
-            <a:endParaRPr b="0" lang="en-US" sz="2400" spc="-1" strike="noStrike">
+          <a:lstStyle/>
+          <a:p>
+            <a:endParaRPr lang="en-US" sz="2400" b="0" strike="noStrike" spc="-1">
               <a:solidFill>
                 <a:srgbClr val="262626"/>
               </a:solidFill>
@@ -3060,11 +3307,12 @@
           </a:prstGeom>
         </p:spPr>
         <p:txBody>
-          <a:bodyPr lIns="0" rIns="0" tIns="0" bIns="0">
+          <a:bodyPr lIns="0" tIns="0" rIns="0" bIns="0">
             <a:normAutofit/>
           </a:bodyPr>
-          <a:p>
-            <a:endParaRPr b="0" lang="en-US" sz="2400" spc="-1" strike="noStrike">
+          <a:lstStyle/>
+          <a:p>
+            <a:endParaRPr lang="en-US" sz="2400" b="0" strike="noStrike" spc="-1">
               <a:solidFill>
                 <a:srgbClr val="262626"/>
               </a:solidFill>
@@ -3093,11 +3341,12 @@
           </a:prstGeom>
         </p:spPr>
         <p:txBody>
-          <a:bodyPr lIns="0" rIns="0" tIns="0" bIns="0">
+          <a:bodyPr lIns="0" tIns="0" rIns="0" bIns="0">
             <a:normAutofit/>
           </a:bodyPr>
-          <a:p>
-            <a:endParaRPr b="0" lang="en-US" sz="2400" spc="-1" strike="noStrike">
+          <a:lstStyle/>
+          <a:p>
+            <a:endParaRPr lang="en-US" sz="2400" b="0" strike="noStrike" spc="-1">
               <a:solidFill>
                 <a:srgbClr val="262626"/>
               </a:solidFill>
@@ -3108,11 +3357,14 @@
       </p:sp>
     </p:spTree>
   </p:cSld>
+  <p:clrMapOvr>
+    <a:masterClrMapping/>
+  </p:clrMapOvr>
 </p:sldLayout>
 </file>
 
 <file path=ppt/slideLayouts/slideLayout34.xml><?xml version="1.0" encoding="utf-8"?>
-<p:sldLayout xmlns:a="http://schemas.openxmlformats.org/drawingml/2006/main" xmlns:p="http://schemas.openxmlformats.org/presentationml/2006/main" xmlns:r="http://schemas.openxmlformats.org/officeDocument/2006/relationships" xmlns:p14="http://schemas.microsoft.com/office/powerpoint/2010/main" xmlns:p15="http://schemas.microsoft.com/office/powerpoint/2012/main" xmlns:mc="http://schemas.openxmlformats.org/markup-compatibility/2006" type="objOverTx" preserve="1">
+<p:sldLayout xmlns:a="http://schemas.openxmlformats.org/drawingml/2006/main" xmlns:r="http://schemas.openxmlformats.org/officeDocument/2006/relationships" xmlns:p="http://schemas.openxmlformats.org/presentationml/2006/main" type="objOverTx" preserve="1">
   <p:cSld name="Title, Content over Content">
     <p:spTree>
       <p:nvGrpSpPr>
@@ -3148,11 +3400,12 @@
           </a:prstGeom>
         </p:spPr>
         <p:txBody>
-          <a:bodyPr lIns="0" rIns="0" tIns="0" bIns="0" anchor="ctr">
+          <a:bodyPr lIns="0" tIns="0" rIns="0" bIns="0" anchor="ctr">
             <a:noAutofit/>
           </a:bodyPr>
-          <a:p>
-            <a:endParaRPr b="0" lang="en-US" sz="1800" spc="-1" strike="noStrike">
+          <a:lstStyle/>
+          <a:p>
+            <a:endParaRPr lang="en-US" sz="1800" b="0" strike="noStrike" spc="-1">
               <a:solidFill>
                 <a:srgbClr val="000000"/>
               </a:solidFill>
@@ -3181,11 +3434,12 @@
           </a:prstGeom>
         </p:spPr>
         <p:txBody>
-          <a:bodyPr lIns="0" rIns="0" tIns="0" bIns="0">
+          <a:bodyPr lIns="0" tIns="0" rIns="0" bIns="0">
             <a:normAutofit/>
           </a:bodyPr>
-          <a:p>
-            <a:endParaRPr b="0" lang="en-US" sz="2400" spc="-1" strike="noStrike">
+          <a:lstStyle/>
+          <a:p>
+            <a:endParaRPr lang="en-US" sz="2400" b="0" strike="noStrike" spc="-1">
               <a:solidFill>
                 <a:srgbClr val="262626"/>
               </a:solidFill>
@@ -3214,11 +3468,12 @@
           </a:prstGeom>
         </p:spPr>
         <p:txBody>
-          <a:bodyPr lIns="0" rIns="0" tIns="0" bIns="0">
+          <a:bodyPr lIns="0" tIns="0" rIns="0" bIns="0">
             <a:normAutofit/>
           </a:bodyPr>
-          <a:p>
-            <a:endParaRPr b="0" lang="en-US" sz="2400" spc="-1" strike="noStrike">
+          <a:lstStyle/>
+          <a:p>
+            <a:endParaRPr lang="en-US" sz="2400" b="0" strike="noStrike" spc="-1">
               <a:solidFill>
                 <a:srgbClr val="262626"/>
               </a:solidFill>
@@ -3229,11 +3484,14 @@
       </p:sp>
     </p:spTree>
   </p:cSld>
+  <p:clrMapOvr>
+    <a:masterClrMapping/>
+  </p:clrMapOvr>
 </p:sldLayout>
 </file>
 
 <file path=ppt/slideLayouts/slideLayout35.xml><?xml version="1.0" encoding="utf-8"?>
-<p:sldLayout xmlns:a="http://schemas.openxmlformats.org/drawingml/2006/main" xmlns:p="http://schemas.openxmlformats.org/presentationml/2006/main" xmlns:r="http://schemas.openxmlformats.org/officeDocument/2006/relationships" xmlns:p14="http://schemas.microsoft.com/office/powerpoint/2010/main" xmlns:p15="http://schemas.microsoft.com/office/powerpoint/2012/main" xmlns:mc="http://schemas.openxmlformats.org/markup-compatibility/2006" type="fourObj" preserve="1">
+<p:sldLayout xmlns:a="http://schemas.openxmlformats.org/drawingml/2006/main" xmlns:r="http://schemas.openxmlformats.org/officeDocument/2006/relationships" xmlns:p="http://schemas.openxmlformats.org/presentationml/2006/main" type="fourObj" preserve="1">
   <p:cSld name="Title, 4 Content">
     <p:spTree>
       <p:nvGrpSpPr>
@@ -3269,11 +3527,12 @@
           </a:prstGeom>
         </p:spPr>
         <p:txBody>
-          <a:bodyPr lIns="0" rIns="0" tIns="0" bIns="0" anchor="ctr">
+          <a:bodyPr lIns="0" tIns="0" rIns="0" bIns="0" anchor="ctr">
             <a:noAutofit/>
           </a:bodyPr>
-          <a:p>
-            <a:endParaRPr b="0" lang="en-US" sz="1800" spc="-1" strike="noStrike">
+          <a:lstStyle/>
+          <a:p>
+            <a:endParaRPr lang="en-US" sz="1800" b="0" strike="noStrike" spc="-1">
               <a:solidFill>
                 <a:srgbClr val="000000"/>
               </a:solidFill>
@@ -3302,11 +3561,12 @@
           </a:prstGeom>
         </p:spPr>
         <p:txBody>
-          <a:bodyPr lIns="0" rIns="0" tIns="0" bIns="0">
+          <a:bodyPr lIns="0" tIns="0" rIns="0" bIns="0">
             <a:normAutofit/>
           </a:bodyPr>
-          <a:p>
-            <a:endParaRPr b="0" lang="en-US" sz="2400" spc="-1" strike="noStrike">
+          <a:lstStyle/>
+          <a:p>
+            <a:endParaRPr lang="en-US" sz="2400" b="0" strike="noStrike" spc="-1">
               <a:solidFill>
                 <a:srgbClr val="262626"/>
               </a:solidFill>
@@ -3335,11 +3595,12 @@
           </a:prstGeom>
         </p:spPr>
         <p:txBody>
-          <a:bodyPr lIns="0" rIns="0" tIns="0" bIns="0">
+          <a:bodyPr lIns="0" tIns="0" rIns="0" bIns="0">
             <a:normAutofit/>
           </a:bodyPr>
-          <a:p>
-            <a:endParaRPr b="0" lang="en-US" sz="2400" spc="-1" strike="noStrike">
+          <a:lstStyle/>
+          <a:p>
+            <a:endParaRPr lang="en-US" sz="2400" b="0" strike="noStrike" spc="-1">
               <a:solidFill>
                 <a:srgbClr val="262626"/>
               </a:solidFill>
@@ -3368,11 +3629,12 @@
           </a:prstGeom>
         </p:spPr>
         <p:txBody>
-          <a:bodyPr lIns="0" rIns="0" tIns="0" bIns="0">
+          <a:bodyPr lIns="0" tIns="0" rIns="0" bIns="0">
             <a:normAutofit/>
           </a:bodyPr>
-          <a:p>
-            <a:endParaRPr b="0" lang="en-US" sz="2400" spc="-1" strike="noStrike">
+          <a:lstStyle/>
+          <a:p>
+            <a:endParaRPr lang="en-US" sz="2400" b="0" strike="noStrike" spc="-1">
               <a:solidFill>
                 <a:srgbClr val="262626"/>
               </a:solidFill>
@@ -3401,11 +3663,12 @@
           </a:prstGeom>
         </p:spPr>
         <p:txBody>
-          <a:bodyPr lIns="0" rIns="0" tIns="0" bIns="0">
+          <a:bodyPr lIns="0" tIns="0" rIns="0" bIns="0">
             <a:normAutofit/>
           </a:bodyPr>
-          <a:p>
-            <a:endParaRPr b="0" lang="en-US" sz="2400" spc="-1" strike="noStrike">
+          <a:lstStyle/>
+          <a:p>
+            <a:endParaRPr lang="en-US" sz="2400" b="0" strike="noStrike" spc="-1">
               <a:solidFill>
                 <a:srgbClr val="262626"/>
               </a:solidFill>
@@ -3416,11 +3679,14 @@
       </p:sp>
     </p:spTree>
   </p:cSld>
+  <p:clrMapOvr>
+    <a:masterClrMapping/>
+  </p:clrMapOvr>
 </p:sldLayout>
 </file>
 
 <file path=ppt/slideLayouts/slideLayout36.xml><?xml version="1.0" encoding="utf-8"?>
-<p:sldLayout xmlns:a="http://schemas.openxmlformats.org/drawingml/2006/main" xmlns:p="http://schemas.openxmlformats.org/presentationml/2006/main" xmlns:r="http://schemas.openxmlformats.org/officeDocument/2006/relationships" xmlns:p14="http://schemas.microsoft.com/office/powerpoint/2010/main" xmlns:p15="http://schemas.microsoft.com/office/powerpoint/2012/main" xmlns:mc="http://schemas.openxmlformats.org/markup-compatibility/2006" type="blank" preserve="1">
+<p:sldLayout xmlns:a="http://schemas.openxmlformats.org/drawingml/2006/main" xmlns:r="http://schemas.openxmlformats.org/officeDocument/2006/relationships" xmlns:p="http://schemas.openxmlformats.org/presentationml/2006/main" type="blank" preserve="1">
   <p:cSld name="Title, 6 Content">
     <p:spTree>
       <p:nvGrpSpPr>
@@ -3456,11 +3722,12 @@
           </a:prstGeom>
         </p:spPr>
         <p:txBody>
-          <a:bodyPr lIns="0" rIns="0" tIns="0" bIns="0" anchor="ctr">
+          <a:bodyPr lIns="0" tIns="0" rIns="0" bIns="0" anchor="ctr">
             <a:noAutofit/>
           </a:bodyPr>
-          <a:p>
-            <a:endParaRPr b="0" lang="en-US" sz="1800" spc="-1" strike="noStrike">
+          <a:lstStyle/>
+          <a:p>
+            <a:endParaRPr lang="en-US" sz="1800" b="0" strike="noStrike" spc="-1">
               <a:solidFill>
                 <a:srgbClr val="000000"/>
               </a:solidFill>
@@ -3489,11 +3756,12 @@
           </a:prstGeom>
         </p:spPr>
         <p:txBody>
-          <a:bodyPr lIns="0" rIns="0" tIns="0" bIns="0">
+          <a:bodyPr lIns="0" tIns="0" rIns="0" bIns="0">
             <a:normAutofit/>
           </a:bodyPr>
-          <a:p>
-            <a:endParaRPr b="0" lang="en-US" sz="2400" spc="-1" strike="noStrike">
+          <a:lstStyle/>
+          <a:p>
+            <a:endParaRPr lang="en-US" sz="2400" b="0" strike="noStrike" spc="-1">
               <a:solidFill>
                 <a:srgbClr val="262626"/>
               </a:solidFill>
@@ -3522,11 +3790,12 @@
           </a:prstGeom>
         </p:spPr>
         <p:txBody>
-          <a:bodyPr lIns="0" rIns="0" tIns="0" bIns="0">
+          <a:bodyPr lIns="0" tIns="0" rIns="0" bIns="0">
             <a:normAutofit/>
           </a:bodyPr>
-          <a:p>
-            <a:endParaRPr b="0" lang="en-US" sz="2400" spc="-1" strike="noStrike">
+          <a:lstStyle/>
+          <a:p>
+            <a:endParaRPr lang="en-US" sz="2400" b="0" strike="noStrike" spc="-1">
               <a:solidFill>
                 <a:srgbClr val="262626"/>
               </a:solidFill>
@@ -3555,11 +3824,12 @@
           </a:prstGeom>
         </p:spPr>
         <p:txBody>
-          <a:bodyPr lIns="0" rIns="0" tIns="0" bIns="0">
+          <a:bodyPr lIns="0" tIns="0" rIns="0" bIns="0">
             <a:normAutofit/>
           </a:bodyPr>
-          <a:p>
-            <a:endParaRPr b="0" lang="en-US" sz="2400" spc="-1" strike="noStrike">
+          <a:lstStyle/>
+          <a:p>
+            <a:endParaRPr lang="en-US" sz="2400" b="0" strike="noStrike" spc="-1">
               <a:solidFill>
                 <a:srgbClr val="262626"/>
               </a:solidFill>
@@ -3588,11 +3858,12 @@
           </a:prstGeom>
         </p:spPr>
         <p:txBody>
-          <a:bodyPr lIns="0" rIns="0" tIns="0" bIns="0">
+          <a:bodyPr lIns="0" tIns="0" rIns="0" bIns="0">
             <a:normAutofit/>
           </a:bodyPr>
-          <a:p>
-            <a:endParaRPr b="0" lang="en-US" sz="2400" spc="-1" strike="noStrike">
+          <a:lstStyle/>
+          <a:p>
+            <a:endParaRPr lang="en-US" sz="2400" b="0" strike="noStrike" spc="-1">
               <a:solidFill>
                 <a:srgbClr val="262626"/>
               </a:solidFill>
@@ -3621,11 +3892,12 @@
           </a:prstGeom>
         </p:spPr>
         <p:txBody>
-          <a:bodyPr lIns="0" rIns="0" tIns="0" bIns="0">
+          <a:bodyPr lIns="0" tIns="0" rIns="0" bIns="0">
             <a:normAutofit/>
           </a:bodyPr>
-          <a:p>
-            <a:endParaRPr b="0" lang="en-US" sz="2400" spc="-1" strike="noStrike">
+          <a:lstStyle/>
+          <a:p>
+            <a:endParaRPr lang="en-US" sz="2400" b="0" strike="noStrike" spc="-1">
               <a:solidFill>
                 <a:srgbClr val="262626"/>
               </a:solidFill>
@@ -3654,11 +3926,12 @@
           </a:prstGeom>
         </p:spPr>
         <p:txBody>
-          <a:bodyPr lIns="0" rIns="0" tIns="0" bIns="0">
+          <a:bodyPr lIns="0" tIns="0" rIns="0" bIns="0">
             <a:normAutofit/>
           </a:bodyPr>
-          <a:p>
-            <a:endParaRPr b="0" lang="en-US" sz="2400" spc="-1" strike="noStrike">
+          <a:lstStyle/>
+          <a:p>
+            <a:endParaRPr lang="en-US" sz="2400" b="0" strike="noStrike" spc="-1">
               <a:solidFill>
                 <a:srgbClr val="262626"/>
               </a:solidFill>
@@ -3669,11 +3942,14 @@
       </p:sp>
     </p:spTree>
   </p:cSld>
+  <p:clrMapOvr>
+    <a:masterClrMapping/>
+  </p:clrMapOvr>
 </p:sldLayout>
 </file>
 
 <file path=ppt/slideLayouts/slideLayout4.xml><?xml version="1.0" encoding="utf-8"?>
-<p:sldLayout xmlns:a="http://schemas.openxmlformats.org/drawingml/2006/main" xmlns:p="http://schemas.openxmlformats.org/presentationml/2006/main" xmlns:r="http://schemas.openxmlformats.org/officeDocument/2006/relationships" xmlns:p14="http://schemas.microsoft.com/office/powerpoint/2010/main" xmlns:p15="http://schemas.microsoft.com/office/powerpoint/2012/main" xmlns:mc="http://schemas.openxmlformats.org/markup-compatibility/2006" type="twoObj" preserve="1">
+<p:sldLayout xmlns:a="http://schemas.openxmlformats.org/drawingml/2006/main" xmlns:r="http://schemas.openxmlformats.org/officeDocument/2006/relationships" xmlns:p="http://schemas.openxmlformats.org/presentationml/2006/main" type="twoObj" preserve="1">
   <p:cSld name="Title, 2 Content">
     <p:spTree>
       <p:nvGrpSpPr>
@@ -3709,11 +3985,12 @@
           </a:prstGeom>
         </p:spPr>
         <p:txBody>
-          <a:bodyPr lIns="0" rIns="0" tIns="0" bIns="0" anchor="ctr">
+          <a:bodyPr lIns="0" tIns="0" rIns="0" bIns="0" anchor="ctr">
             <a:noAutofit/>
           </a:bodyPr>
-          <a:p>
-            <a:endParaRPr b="0" lang="en-US" sz="1800" spc="-1" strike="noStrike">
+          <a:lstStyle/>
+          <a:p>
+            <a:endParaRPr lang="en-US" sz="1800" b="0" strike="noStrike" spc="-1">
               <a:solidFill>
                 <a:srgbClr val="000000"/>
               </a:solidFill>
@@ -3742,11 +4019,12 @@
           </a:prstGeom>
         </p:spPr>
         <p:txBody>
-          <a:bodyPr lIns="0" rIns="0" tIns="0" bIns="0">
+          <a:bodyPr lIns="0" tIns="0" rIns="0" bIns="0">
             <a:normAutofit/>
           </a:bodyPr>
-          <a:p>
-            <a:endParaRPr b="0" lang="en-US" sz="2400" spc="-1" strike="noStrike">
+          <a:lstStyle/>
+          <a:p>
+            <a:endParaRPr lang="en-US" sz="2400" b="0" strike="noStrike" spc="-1">
               <a:solidFill>
                 <a:srgbClr val="262626"/>
               </a:solidFill>
@@ -3775,11 +4053,12 @@
           </a:prstGeom>
         </p:spPr>
         <p:txBody>
-          <a:bodyPr lIns="0" rIns="0" tIns="0" bIns="0">
+          <a:bodyPr lIns="0" tIns="0" rIns="0" bIns="0">
             <a:normAutofit/>
           </a:bodyPr>
-          <a:p>
-            <a:endParaRPr b="0" lang="en-US" sz="2400" spc="-1" strike="noStrike">
+          <a:lstStyle/>
+          <a:p>
+            <a:endParaRPr lang="en-US" sz="2400" b="0" strike="noStrike" spc="-1">
               <a:solidFill>
                 <a:srgbClr val="262626"/>
               </a:solidFill>
@@ -3790,11 +4069,14 @@
       </p:sp>
     </p:spTree>
   </p:cSld>
+  <p:clrMapOvr>
+    <a:masterClrMapping/>
+  </p:clrMapOvr>
 </p:sldLayout>
 </file>
 
 <file path=ppt/slideLayouts/slideLayout5.xml><?xml version="1.0" encoding="utf-8"?>
-<p:sldLayout xmlns:a="http://schemas.openxmlformats.org/drawingml/2006/main" xmlns:p="http://schemas.openxmlformats.org/presentationml/2006/main" xmlns:r="http://schemas.openxmlformats.org/officeDocument/2006/relationships" xmlns:p14="http://schemas.microsoft.com/office/powerpoint/2010/main" xmlns:p15="http://schemas.microsoft.com/office/powerpoint/2012/main" xmlns:mc="http://schemas.openxmlformats.org/markup-compatibility/2006" type="titleOnly" preserve="1">
+<p:sldLayout xmlns:a="http://schemas.openxmlformats.org/drawingml/2006/main" xmlns:r="http://schemas.openxmlformats.org/officeDocument/2006/relationships" xmlns:p="http://schemas.openxmlformats.org/presentationml/2006/main" type="titleOnly" preserve="1">
   <p:cSld name="Title Only">
     <p:spTree>
       <p:nvGrpSpPr>
@@ -3830,11 +4112,12 @@
           </a:prstGeom>
         </p:spPr>
         <p:txBody>
-          <a:bodyPr lIns="0" rIns="0" tIns="0" bIns="0" anchor="ctr">
+          <a:bodyPr lIns="0" tIns="0" rIns="0" bIns="0" anchor="ctr">
             <a:noAutofit/>
           </a:bodyPr>
-          <a:p>
-            <a:endParaRPr b="0" lang="en-US" sz="1800" spc="-1" strike="noStrike">
+          <a:lstStyle/>
+          <a:p>
+            <a:endParaRPr lang="en-US" sz="1800" b="0" strike="noStrike" spc="-1">
               <a:solidFill>
                 <a:srgbClr val="000000"/>
               </a:solidFill>
@@ -3845,11 +4128,14 @@
       </p:sp>
     </p:spTree>
   </p:cSld>
+  <p:clrMapOvr>
+    <a:masterClrMapping/>
+  </p:clrMapOvr>
 </p:sldLayout>
 </file>
 
 <file path=ppt/slideLayouts/slideLayout6.xml><?xml version="1.0" encoding="utf-8"?>
-<p:sldLayout xmlns:a="http://schemas.openxmlformats.org/drawingml/2006/main" xmlns:p="http://schemas.openxmlformats.org/presentationml/2006/main" xmlns:r="http://schemas.openxmlformats.org/officeDocument/2006/relationships" xmlns:p14="http://schemas.microsoft.com/office/powerpoint/2010/main" xmlns:p15="http://schemas.microsoft.com/office/powerpoint/2012/main" xmlns:mc="http://schemas.openxmlformats.org/markup-compatibility/2006" type="objOnly" preserve="1">
+<p:sldLayout xmlns:a="http://schemas.openxmlformats.org/drawingml/2006/main" xmlns:r="http://schemas.openxmlformats.org/officeDocument/2006/relationships" xmlns:p="http://schemas.openxmlformats.org/presentationml/2006/main" type="objOnly" preserve="1">
   <p:cSld name="Centered Text">
     <p:spTree>
       <p:nvGrpSpPr>
@@ -3885,12 +4171,13 @@
           </a:prstGeom>
         </p:spPr>
         <p:txBody>
-          <a:bodyPr lIns="0" rIns="0" tIns="0" bIns="0" anchor="ctr">
+          <a:bodyPr lIns="0" tIns="0" rIns="0" bIns="0" anchor="ctr">
             <a:noAutofit/>
           </a:bodyPr>
+          <a:lstStyle/>
           <a:p>
             <a:pPr algn="ctr"/>
-            <a:endParaRPr b="0" lang="fr-FR" sz="3200" spc="-1" strike="noStrike">
+            <a:endParaRPr lang="fr-FR" sz="3200" b="0" strike="noStrike" spc="-1">
               <a:latin typeface="Arial"/>
             </a:endParaRPr>
           </a:p>
@@ -3898,11 +4185,14 @@
       </p:sp>
     </p:spTree>
   </p:cSld>
+  <p:clrMapOvr>
+    <a:masterClrMapping/>
+  </p:clrMapOvr>
 </p:sldLayout>
 </file>
 
 <file path=ppt/slideLayouts/slideLayout7.xml><?xml version="1.0" encoding="utf-8"?>
-<p:sldLayout xmlns:a="http://schemas.openxmlformats.org/drawingml/2006/main" xmlns:p="http://schemas.openxmlformats.org/presentationml/2006/main" xmlns:r="http://schemas.openxmlformats.org/officeDocument/2006/relationships" xmlns:p14="http://schemas.microsoft.com/office/powerpoint/2010/main" xmlns:p15="http://schemas.microsoft.com/office/powerpoint/2012/main" xmlns:mc="http://schemas.openxmlformats.org/markup-compatibility/2006" type="twoObjAndObj" preserve="1">
+<p:sldLayout xmlns:a="http://schemas.openxmlformats.org/drawingml/2006/main" xmlns:r="http://schemas.openxmlformats.org/officeDocument/2006/relationships" xmlns:p="http://schemas.openxmlformats.org/presentationml/2006/main" type="twoObjAndObj" preserve="1">
   <p:cSld name="Title, 2 Content and Content">
     <p:spTree>
       <p:nvGrpSpPr>
@@ -3938,11 +4228,12 @@
           </a:prstGeom>
         </p:spPr>
         <p:txBody>
-          <a:bodyPr lIns="0" rIns="0" tIns="0" bIns="0" anchor="ctr">
+          <a:bodyPr lIns="0" tIns="0" rIns="0" bIns="0" anchor="ctr">
             <a:noAutofit/>
           </a:bodyPr>
-          <a:p>
-            <a:endParaRPr b="0" lang="en-US" sz="1800" spc="-1" strike="noStrike">
+          <a:lstStyle/>
+          <a:p>
+            <a:endParaRPr lang="en-US" sz="1800" b="0" strike="noStrike" spc="-1">
               <a:solidFill>
                 <a:srgbClr val="000000"/>
               </a:solidFill>
@@ -3971,11 +4262,12 @@
           </a:prstGeom>
         </p:spPr>
         <p:txBody>
-          <a:bodyPr lIns="0" rIns="0" tIns="0" bIns="0">
+          <a:bodyPr lIns="0" tIns="0" rIns="0" bIns="0">
             <a:normAutofit/>
           </a:bodyPr>
-          <a:p>
-            <a:endParaRPr b="0" lang="en-US" sz="2400" spc="-1" strike="noStrike">
+          <a:lstStyle/>
+          <a:p>
+            <a:endParaRPr lang="en-US" sz="2400" b="0" strike="noStrike" spc="-1">
               <a:solidFill>
                 <a:srgbClr val="262626"/>
               </a:solidFill>
@@ -4004,11 +4296,12 @@
           </a:prstGeom>
         </p:spPr>
         <p:txBody>
-          <a:bodyPr lIns="0" rIns="0" tIns="0" bIns="0">
+          <a:bodyPr lIns="0" tIns="0" rIns="0" bIns="0">
             <a:normAutofit/>
           </a:bodyPr>
-          <a:p>
-            <a:endParaRPr b="0" lang="en-US" sz="2400" spc="-1" strike="noStrike">
+          <a:lstStyle/>
+          <a:p>
+            <a:endParaRPr lang="en-US" sz="2400" b="0" strike="noStrike" spc="-1">
               <a:solidFill>
                 <a:srgbClr val="262626"/>
               </a:solidFill>
@@ -4037,11 +4330,12 @@
           </a:prstGeom>
         </p:spPr>
         <p:txBody>
-          <a:bodyPr lIns="0" rIns="0" tIns="0" bIns="0">
+          <a:bodyPr lIns="0" tIns="0" rIns="0" bIns="0">
             <a:normAutofit/>
           </a:bodyPr>
-          <a:p>
-            <a:endParaRPr b="0" lang="en-US" sz="2400" spc="-1" strike="noStrike">
+          <a:lstStyle/>
+          <a:p>
+            <a:endParaRPr lang="en-US" sz="2400" b="0" strike="noStrike" spc="-1">
               <a:solidFill>
                 <a:srgbClr val="262626"/>
               </a:solidFill>
@@ -4052,11 +4346,14 @@
       </p:sp>
     </p:spTree>
   </p:cSld>
+  <p:clrMapOvr>
+    <a:masterClrMapping/>
+  </p:clrMapOvr>
 </p:sldLayout>
 </file>
 
 <file path=ppt/slideLayouts/slideLayout8.xml><?xml version="1.0" encoding="utf-8"?>
-<p:sldLayout xmlns:a="http://schemas.openxmlformats.org/drawingml/2006/main" xmlns:p="http://schemas.openxmlformats.org/presentationml/2006/main" xmlns:r="http://schemas.openxmlformats.org/officeDocument/2006/relationships" xmlns:p14="http://schemas.microsoft.com/office/powerpoint/2010/main" xmlns:p15="http://schemas.microsoft.com/office/powerpoint/2012/main" xmlns:mc="http://schemas.openxmlformats.org/markup-compatibility/2006" type="objAndTwoObj" preserve="1">
+<p:sldLayout xmlns:a="http://schemas.openxmlformats.org/drawingml/2006/main" xmlns:r="http://schemas.openxmlformats.org/officeDocument/2006/relationships" xmlns:p="http://schemas.openxmlformats.org/presentationml/2006/main" type="objAndTwoObj" preserve="1">
   <p:cSld name="Title Content and 2 Content">
     <p:spTree>
       <p:nvGrpSpPr>
@@ -4092,11 +4389,12 @@
           </a:prstGeom>
         </p:spPr>
         <p:txBody>
-          <a:bodyPr lIns="0" rIns="0" tIns="0" bIns="0" anchor="ctr">
+          <a:bodyPr lIns="0" tIns="0" rIns="0" bIns="0" anchor="ctr">
             <a:noAutofit/>
           </a:bodyPr>
-          <a:p>
-            <a:endParaRPr b="0" lang="en-US" sz="1800" spc="-1" strike="noStrike">
+          <a:lstStyle/>
+          <a:p>
+            <a:endParaRPr lang="en-US" sz="1800" b="0" strike="noStrike" spc="-1">
               <a:solidFill>
                 <a:srgbClr val="000000"/>
               </a:solidFill>
@@ -4125,11 +4423,12 @@
           </a:prstGeom>
         </p:spPr>
         <p:txBody>
-          <a:bodyPr lIns="0" rIns="0" tIns="0" bIns="0">
+          <a:bodyPr lIns="0" tIns="0" rIns="0" bIns="0">
             <a:normAutofit/>
           </a:bodyPr>
-          <a:p>
-            <a:endParaRPr b="0" lang="en-US" sz="2400" spc="-1" strike="noStrike">
+          <a:lstStyle/>
+          <a:p>
+            <a:endParaRPr lang="en-US" sz="2400" b="0" strike="noStrike" spc="-1">
               <a:solidFill>
                 <a:srgbClr val="262626"/>
               </a:solidFill>
@@ -4158,11 +4457,12 @@
           </a:prstGeom>
         </p:spPr>
         <p:txBody>
-          <a:bodyPr lIns="0" rIns="0" tIns="0" bIns="0">
+          <a:bodyPr lIns="0" tIns="0" rIns="0" bIns="0">
             <a:normAutofit/>
           </a:bodyPr>
-          <a:p>
-            <a:endParaRPr b="0" lang="en-US" sz="2400" spc="-1" strike="noStrike">
+          <a:lstStyle/>
+          <a:p>
+            <a:endParaRPr lang="en-US" sz="2400" b="0" strike="noStrike" spc="-1">
               <a:solidFill>
                 <a:srgbClr val="262626"/>
               </a:solidFill>
@@ -4191,11 +4491,12 @@
           </a:prstGeom>
         </p:spPr>
         <p:txBody>
-          <a:bodyPr lIns="0" rIns="0" tIns="0" bIns="0">
+          <a:bodyPr lIns="0" tIns="0" rIns="0" bIns="0">
             <a:normAutofit/>
           </a:bodyPr>
-          <a:p>
-            <a:endParaRPr b="0" lang="en-US" sz="2400" spc="-1" strike="noStrike">
+          <a:lstStyle/>
+          <a:p>
+            <a:endParaRPr lang="en-US" sz="2400" b="0" strike="noStrike" spc="-1">
               <a:solidFill>
                 <a:srgbClr val="262626"/>
               </a:solidFill>
@@ -4206,11 +4507,14 @@
       </p:sp>
     </p:spTree>
   </p:cSld>
+  <p:clrMapOvr>
+    <a:masterClrMapping/>
+  </p:clrMapOvr>
 </p:sldLayout>
 </file>
 
 <file path=ppt/slideLayouts/slideLayout9.xml><?xml version="1.0" encoding="utf-8"?>
-<p:sldLayout xmlns:a="http://schemas.openxmlformats.org/drawingml/2006/main" xmlns:p="http://schemas.openxmlformats.org/presentationml/2006/main" xmlns:r="http://schemas.openxmlformats.org/officeDocument/2006/relationships" xmlns:p14="http://schemas.microsoft.com/office/powerpoint/2010/main" xmlns:p15="http://schemas.microsoft.com/office/powerpoint/2012/main" xmlns:mc="http://schemas.openxmlformats.org/markup-compatibility/2006" type="twoObjOverTx" preserve="1">
+<p:sldLayout xmlns:a="http://schemas.openxmlformats.org/drawingml/2006/main" xmlns:r="http://schemas.openxmlformats.org/officeDocument/2006/relationships" xmlns:p="http://schemas.openxmlformats.org/presentationml/2006/main" type="twoObjOverTx" preserve="1">
   <p:cSld name="Title, 2 Content over Content">
     <p:spTree>
       <p:nvGrpSpPr>
@@ -4246,11 +4550,12 @@
           </a:prstGeom>
         </p:spPr>
         <p:txBody>
-          <a:bodyPr lIns="0" rIns="0" tIns="0" bIns="0" anchor="ctr">
+          <a:bodyPr lIns="0" tIns="0" rIns="0" bIns="0" anchor="ctr">
             <a:noAutofit/>
           </a:bodyPr>
-          <a:p>
-            <a:endParaRPr b="0" lang="en-US" sz="1800" spc="-1" strike="noStrike">
+          <a:lstStyle/>
+          <a:p>
+            <a:endParaRPr lang="en-US" sz="1800" b="0" strike="noStrike" spc="-1">
               <a:solidFill>
                 <a:srgbClr val="000000"/>
               </a:solidFill>
@@ -4279,11 +4584,12 @@
           </a:prstGeom>
         </p:spPr>
         <p:txBody>
-          <a:bodyPr lIns="0" rIns="0" tIns="0" bIns="0">
+          <a:bodyPr lIns="0" tIns="0" rIns="0" bIns="0">
             <a:normAutofit/>
           </a:bodyPr>
-          <a:p>
-            <a:endParaRPr b="0" lang="en-US" sz="2400" spc="-1" strike="noStrike">
+          <a:lstStyle/>
+          <a:p>
+            <a:endParaRPr lang="en-US" sz="2400" b="0" strike="noStrike" spc="-1">
               <a:solidFill>
                 <a:srgbClr val="262626"/>
               </a:solidFill>
@@ -4312,11 +4618,12 @@
           </a:prstGeom>
         </p:spPr>
         <p:txBody>
-          <a:bodyPr lIns="0" rIns="0" tIns="0" bIns="0">
+          <a:bodyPr lIns="0" tIns="0" rIns="0" bIns="0">
             <a:normAutofit/>
           </a:bodyPr>
-          <a:p>
-            <a:endParaRPr b="0" lang="en-US" sz="2400" spc="-1" strike="noStrike">
+          <a:lstStyle/>
+          <a:p>
+            <a:endParaRPr lang="en-US" sz="2400" b="0" strike="noStrike" spc="-1">
               <a:solidFill>
                 <a:srgbClr val="262626"/>
               </a:solidFill>
@@ -4345,11 +4652,12 @@
           </a:prstGeom>
         </p:spPr>
         <p:txBody>
-          <a:bodyPr lIns="0" rIns="0" tIns="0" bIns="0">
+          <a:bodyPr lIns="0" tIns="0" rIns="0" bIns="0">
             <a:normAutofit/>
           </a:bodyPr>
-          <a:p>
-            <a:endParaRPr b="0" lang="en-US" sz="2400" spc="-1" strike="noStrike">
+          <a:lstStyle/>
+          <a:p>
+            <a:endParaRPr lang="en-US" sz="2400" b="0" strike="noStrike" spc="-1">
               <a:solidFill>
                 <a:srgbClr val="262626"/>
               </a:solidFill>
@@ -4360,20 +4668,24 @@
       </p:sp>
     </p:spTree>
   </p:cSld>
+  <p:clrMapOvr>
+    <a:masterClrMapping/>
+  </p:clrMapOvr>
 </p:sldLayout>
 </file>
 
 <file path=ppt/slideMasters/slideMaster1.xml><?xml version="1.0" encoding="utf-8"?>
-<p:sldMaster xmlns:a="http://schemas.openxmlformats.org/drawingml/2006/main" xmlns:p="http://schemas.openxmlformats.org/presentationml/2006/main" xmlns:r="http://schemas.openxmlformats.org/officeDocument/2006/relationships" xmlns:p14="http://schemas.microsoft.com/office/powerpoint/2010/main" xmlns:p15="http://schemas.microsoft.com/office/powerpoint/2012/main" xmlns:mc="http://schemas.openxmlformats.org/markup-compatibility/2006">
+<p:sldMaster xmlns:a="http://schemas.openxmlformats.org/drawingml/2006/main" xmlns:r="http://schemas.openxmlformats.org/officeDocument/2006/relationships" xmlns:p="http://schemas.openxmlformats.org/presentationml/2006/main">
   <p:cSld>
     <p:bg>
       <p:bgPr>
         <a:blipFill rotWithShape="0">
-          <a:blip r:embed="rId2"/>
+          <a:blip r:embed="rId14"/>
           <a:stretch>
             <a:fillRect/>
           </a:stretch>
         </a:blipFill>
+        <a:effectLst/>
       </p:bgPr>
     </p:bg>
     <p:spTree>
@@ -4392,7 +4704,7 @@
       </p:grpSpPr>
       <p:grpSp>
         <p:nvGrpSpPr>
-          <p:cNvPr id="0" name="Group 1"/>
+          <p:cNvPr id="16" name="Group 1"/>
           <p:cNvGrpSpPr/>
           <p:nvPr/>
         </p:nvGrpSpPr>
@@ -4406,12 +4718,12 @@
         </p:grpSpPr>
         <p:pic>
           <p:nvPicPr>
-            <p:cNvPr id="1" name="Picture 7" descr="HD-PanelContent.png"/>
+            <p:cNvPr id="17" name="Picture 7" descr="HD-PanelContent.png"/>
             <p:cNvPicPr/>
             <p:nvPr/>
           </p:nvPicPr>
           <p:blipFill>
-            <a:blip r:embed="rId3"/>
+            <a:blip r:embed="rId15"/>
             <a:stretch/>
           </p:blipFill>
           <p:spPr>
@@ -4446,7 +4758,7 @@
               <a:miter/>
             </a:ln>
             <a:effectLst>
-              <a:innerShdw blurRad="25400" dir="13500000" dist="12700">
+              <a:innerShdw blurRad="25400" dist="12700" dir="13500000">
                 <a:srgbClr val="000000">
                   <a:alpha val="45000"/>
                 </a:srgbClr>
@@ -4473,7 +4785,7 @@
             <p:nvPr/>
           </p:nvPicPr>
           <p:blipFill>
-            <a:blip r:embed="rId4"/>
+            <a:blip r:embed="rId16"/>
             <a:stretch/>
           </p:blipFill>
           <p:spPr>
@@ -4496,7 +4808,7 @@
             <p:nvPr/>
           </p:nvPicPr>
           <p:blipFill>
-            <a:blip r:embed="rId5"/>
+            <a:blip r:embed="rId16"/>
             <a:stretch/>
           </p:blipFill>
           <p:spPr>
@@ -4534,7 +4846,7 @@
             <p:nvPr/>
           </p:nvPicPr>
           <p:blipFill>
-            <a:blip r:embed="rId6"/>
+            <a:blip r:embed="rId17"/>
             <a:stretch/>
           </p:blipFill>
           <p:spPr>
@@ -4569,7 +4881,7 @@
               <a:miter/>
             </a:ln>
             <a:effectLst>
-              <a:innerShdw blurRad="25400" dir="13500000" dist="12700">
+              <a:innerShdw blurRad="25400" dist="12700" dir="13500000">
                 <a:srgbClr val="000000">
                   <a:alpha val="45000"/>
                 </a:srgbClr>
@@ -4596,7 +4908,7 @@
             <p:nvPr/>
           </p:nvPicPr>
           <p:blipFill>
-            <a:blip r:embed="rId7"/>
+            <a:blip r:embed="rId18"/>
             <a:stretch/>
           </p:blipFill>
           <p:spPr>
@@ -4619,7 +4931,7 @@
             <p:nvPr/>
           </p:nvPicPr>
           <p:blipFill>
-            <a:blip r:embed="rId8"/>
+            <a:blip r:embed="rId18"/>
             <a:stretch/>
           </p:blipFill>
           <p:spPr>
@@ -4659,6 +4971,7 @@
           <a:bodyPr anchor="b">
             <a:noAutofit/>
           </a:bodyPr>
+          <a:lstStyle/>
           <a:p>
             <a:pPr algn="ctr">
               <a:lnSpc>
@@ -4666,7 +4979,7 @@
               </a:lnSpc>
             </a:pPr>
             <a:r>
-              <a:rPr b="0" lang="fr-FR" sz="5400" spc="-1" strike="noStrike">
+              <a:rPr lang="fr-FR" sz="5400" b="0" strike="noStrike" spc="-1">
                 <a:solidFill>
                   <a:srgbClr val="262626"/>
                 </a:solidFill>
@@ -4674,7 +4987,7 @@
               </a:rPr>
               <a:t>Modifiez le style du titre</a:t>
             </a:r>
-            <a:endParaRPr b="0" lang="en-US" sz="5400" spc="-1" strike="noStrike">
+            <a:endParaRPr lang="en-US" sz="5400" b="0" strike="noStrike" spc="-1">
               <a:solidFill>
                 <a:srgbClr val="000000"/>
               </a:solidFill>
@@ -4706,6 +5019,7 @@
           <a:bodyPr anchor="ctr">
             <a:noAutofit/>
           </a:bodyPr>
+          <a:lstStyle/>
           <a:p>
             <a:pPr algn="r">
               <a:lnSpc>
@@ -4713,15 +5027,15 @@
               </a:lnSpc>
             </a:pPr>
             <a:fld id="{0569F100-8994-4ABF-9BB7-59A5E6A4C096}" type="datetime">
-              <a:rPr b="0" lang="en-US" sz="1000" spc="-1" strike="noStrike">
+              <a:rPr lang="en-US" sz="1000" b="0" strike="noStrike" spc="-1">
                 <a:solidFill>
                   <a:srgbClr val="000000"/>
                 </a:solidFill>
                 <a:latin typeface="Garamond"/>
               </a:rPr>
-              <a:t>5/25/21</a:t>
+              <a:t>5/25/2021</a:t>
             </a:fld>
-            <a:endParaRPr b="0" lang="fr-FR" sz="1000" spc="-1" strike="noStrike">
+            <a:endParaRPr lang="fr-FR" sz="1000" b="0" strike="noStrike" spc="-1">
               <a:latin typeface="Times New Roman"/>
             </a:endParaRPr>
           </a:p>
@@ -4750,8 +5064,9 @@
           <a:bodyPr anchor="ctr">
             <a:noAutofit/>
           </a:bodyPr>
-          <a:p>
-            <a:endParaRPr b="0" lang="fr-FR" sz="2400" spc="-1" strike="noStrike">
+          <a:lstStyle/>
+          <a:p>
+            <a:endParaRPr lang="fr-FR" sz="2400" b="0" strike="noStrike" spc="-1">
               <a:latin typeface="Times New Roman"/>
             </a:endParaRPr>
           </a:p>
@@ -4780,6 +5095,7 @@
           <a:bodyPr anchor="ctr">
             <a:noAutofit/>
           </a:bodyPr>
+          <a:lstStyle/>
           <a:p>
             <a:pPr algn="r">
               <a:lnSpc>
@@ -4787,15 +5103,15 @@
               </a:lnSpc>
             </a:pPr>
             <a:fld id="{59D97E73-76CB-427E-BB1C-7AEAA20CBA1D}" type="slidenum">
-              <a:rPr b="0" lang="en-US" sz="1000" spc="-1" strike="noStrike">
+              <a:rPr lang="en-US" sz="1000" b="0" strike="noStrike" spc="-1">
                 <a:solidFill>
                   <a:srgbClr val="000000"/>
                 </a:solidFill>
                 <a:latin typeface="Garamond"/>
               </a:rPr>
-              <a:t>&lt;numéro&gt;</a:t>
+              <a:t>‹N°›</a:t>
             </a:fld>
-            <a:endParaRPr b="0" lang="fr-FR" sz="1000" spc="-1" strike="noStrike">
+            <a:endParaRPr lang="fr-FR" sz="1000" b="0" strike="noStrike" spc="-1">
               <a:latin typeface="Times New Roman"/>
             </a:endParaRPr>
           </a:p>
@@ -4852,9 +5168,10 @@
           </a:prstGeom>
         </p:spPr>
         <p:txBody>
-          <a:bodyPr lIns="0" rIns="0" tIns="0" bIns="0">
+          <a:bodyPr lIns="0" tIns="0" rIns="0" bIns="0">
             <a:normAutofit/>
           </a:bodyPr>
+          <a:lstStyle/>
           <a:p>
             <a:pPr marL="432000" indent="-324000">
               <a:spcBef>
@@ -4868,32 +5185,17 @@
               <a:buChar char=""/>
             </a:pPr>
             <a:r>
-              <a:rPr b="0" lang="en-US" sz="2400" spc="-1" strike="noStrike">
+              <a:rPr lang="en-US" sz="2400" b="0" strike="noStrike" spc="-1">
                 <a:solidFill>
                   <a:srgbClr val="262626"/>
                 </a:solidFill>
                 <a:latin typeface="Garamond"/>
               </a:rPr>
-              <a:t>Cliquez pour éditer le format du </a:t>
+              <a:t>Cliquez pour éditer le format du plan de texte</a:t>
             </a:r>
-            <a:r>
-              <a:rPr b="0" lang="en-US" sz="2400" spc="-1" strike="noStrike">
-                <a:solidFill>
-                  <a:srgbClr val="262626"/>
-                </a:solidFill>
-                <a:latin typeface="Garamond"/>
-              </a:rPr>
-              <a:t>plan de texte</a:t>
-            </a:r>
-            <a:endParaRPr b="0" lang="en-US" sz="2400" spc="-1" strike="noStrike">
-              <a:solidFill>
-                <a:srgbClr val="262626"/>
-              </a:solidFill>
-              <a:latin typeface="Garamond"/>
-            </a:endParaRPr>
-          </a:p>
-          <a:p>
-            <a:pPr lvl="1" marL="864000" indent="-324000">
+          </a:p>
+          <a:p>
+            <a:pPr marL="864000" lvl="1" indent="-324000">
               <a:spcBef>
                 <a:spcPts val="1134"/>
               </a:spcBef>
@@ -4905,7 +5207,7 @@
               <a:buChar char=""/>
             </a:pPr>
             <a:r>
-              <a:rPr b="0" lang="en-US" sz="1800" spc="-1" strike="noStrike">
+              <a:rPr lang="en-US" sz="1800" b="0" strike="noStrike" spc="-1">
                 <a:solidFill>
                   <a:srgbClr val="262626"/>
                 </a:solidFill>
@@ -4913,15 +5215,9 @@
               </a:rPr>
               <a:t>Second niveau de plan</a:t>
             </a:r>
-            <a:endParaRPr b="0" lang="en-US" sz="1800" spc="-1" strike="noStrike">
-              <a:solidFill>
-                <a:srgbClr val="262626"/>
-              </a:solidFill>
-              <a:latin typeface="Garamond"/>
-            </a:endParaRPr>
-          </a:p>
-          <a:p>
-            <a:pPr lvl="2" marL="1296000" indent="-288000">
+          </a:p>
+          <a:p>
+            <a:pPr marL="1296000" lvl="2" indent="-288000">
               <a:spcBef>
                 <a:spcPts val="850"/>
               </a:spcBef>
@@ -4933,7 +5229,7 @@
               <a:buChar char=""/>
             </a:pPr>
             <a:r>
-              <a:rPr b="0" lang="en-US" sz="1600" spc="-1" strike="noStrike">
+              <a:rPr lang="en-US" sz="1600" b="0" strike="noStrike" spc="-1">
                 <a:solidFill>
                   <a:srgbClr val="262626"/>
                 </a:solidFill>
@@ -4941,15 +5237,9 @@
               </a:rPr>
               <a:t>Troisième niveau de plan</a:t>
             </a:r>
-            <a:endParaRPr b="0" lang="en-US" sz="1600" spc="-1" strike="noStrike">
-              <a:solidFill>
-                <a:srgbClr val="262626"/>
-              </a:solidFill>
-              <a:latin typeface="Garamond"/>
-            </a:endParaRPr>
-          </a:p>
-          <a:p>
-            <a:pPr lvl="3" marL="1728000" indent="-216000">
+          </a:p>
+          <a:p>
+            <a:pPr marL="1728000" lvl="3" indent="-216000">
               <a:spcBef>
                 <a:spcPts val="567"/>
               </a:spcBef>
@@ -4961,7 +5251,7 @@
               <a:buChar char=""/>
             </a:pPr>
             <a:r>
-              <a:rPr b="0" lang="en-US" sz="1400" spc="-1" strike="noStrike">
+              <a:rPr lang="en-US" sz="1400" b="0" strike="noStrike" spc="-1">
                 <a:solidFill>
                   <a:srgbClr val="262626"/>
                 </a:solidFill>
@@ -4969,15 +5259,9 @@
               </a:rPr>
               <a:t>Quatrième niveau de plan</a:t>
             </a:r>
-            <a:endParaRPr b="0" lang="en-US" sz="1400" spc="-1" strike="noStrike">
-              <a:solidFill>
-                <a:srgbClr val="262626"/>
-              </a:solidFill>
-              <a:latin typeface="Garamond"/>
-            </a:endParaRPr>
-          </a:p>
-          <a:p>
-            <a:pPr lvl="4" marL="2160000" indent="-216000">
+          </a:p>
+          <a:p>
+            <a:pPr marL="2160000" lvl="4" indent="-216000">
               <a:spcBef>
                 <a:spcPts val="283"/>
               </a:spcBef>
@@ -4989,32 +5273,17 @@
               <a:buChar char=""/>
             </a:pPr>
             <a:r>
-              <a:rPr b="0" lang="en-US" sz="2000" spc="-1" strike="noStrike">
+              <a:rPr lang="en-US" sz="2000" b="0" strike="noStrike" spc="-1">
                 <a:solidFill>
                   <a:srgbClr val="262626"/>
                 </a:solidFill>
                 <a:latin typeface="Garamond"/>
               </a:rPr>
-              <a:t>Cinquième niveau de </a:t>
+              <a:t>Cinquième niveau de plan</a:t>
             </a:r>
-            <a:r>
-              <a:rPr b="0" lang="en-US" sz="2000" spc="-1" strike="noStrike">
-                <a:solidFill>
-                  <a:srgbClr val="262626"/>
-                </a:solidFill>
-                <a:latin typeface="Garamond"/>
-              </a:rPr>
-              <a:t>plan</a:t>
-            </a:r>
-            <a:endParaRPr b="0" lang="en-US" sz="2000" spc="-1" strike="noStrike">
-              <a:solidFill>
-                <a:srgbClr val="262626"/>
-              </a:solidFill>
-              <a:latin typeface="Garamond"/>
-            </a:endParaRPr>
-          </a:p>
-          <a:p>
-            <a:pPr lvl="5" marL="2592000" indent="-216000">
+          </a:p>
+          <a:p>
+            <a:pPr marL="2592000" lvl="5" indent="-216000">
               <a:spcBef>
                 <a:spcPts val="283"/>
               </a:spcBef>
@@ -5026,32 +5295,17 @@
               <a:buChar char=""/>
             </a:pPr>
             <a:r>
-              <a:rPr b="0" lang="en-US" sz="2000" spc="-1" strike="noStrike">
+              <a:rPr lang="en-US" sz="2000" b="0" strike="noStrike" spc="-1">
                 <a:solidFill>
                   <a:srgbClr val="262626"/>
                 </a:solidFill>
                 <a:latin typeface="Garamond"/>
               </a:rPr>
-              <a:t>Sixième niveau de </a:t>
+              <a:t>Sixième niveau de plan</a:t>
             </a:r>
-            <a:r>
-              <a:rPr b="0" lang="en-US" sz="2000" spc="-1" strike="noStrike">
-                <a:solidFill>
-                  <a:srgbClr val="262626"/>
-                </a:solidFill>
-                <a:latin typeface="Garamond"/>
-              </a:rPr>
-              <a:t>plan</a:t>
-            </a:r>
-            <a:endParaRPr b="0" lang="en-US" sz="2000" spc="-1" strike="noStrike">
-              <a:solidFill>
-                <a:srgbClr val="262626"/>
-              </a:solidFill>
-              <a:latin typeface="Garamond"/>
-            </a:endParaRPr>
-          </a:p>
-          <a:p>
-            <a:pPr lvl="6" marL="3024000" indent="-216000">
+          </a:p>
+          <a:p>
+            <a:pPr marL="3024000" lvl="6" indent="-216000">
               <a:spcBef>
                 <a:spcPts val="283"/>
               </a:spcBef>
@@ -5063,63 +5317,329 @@
               <a:buChar char=""/>
             </a:pPr>
             <a:r>
-              <a:rPr b="0" lang="en-US" sz="2000" spc="-1" strike="noStrike">
+              <a:rPr lang="en-US" sz="2000" b="0" strike="noStrike" spc="-1">
                 <a:solidFill>
                   <a:srgbClr val="262626"/>
                 </a:solidFill>
                 <a:latin typeface="Garamond"/>
               </a:rPr>
-              <a:t>Septième niveau </a:t>
+              <a:t>Septième niveau de plan</a:t>
             </a:r>
-            <a:r>
-              <a:rPr b="0" lang="en-US" sz="2000" spc="-1" strike="noStrike">
-                <a:solidFill>
-                  <a:srgbClr val="262626"/>
-                </a:solidFill>
-                <a:latin typeface="Garamond"/>
-              </a:rPr>
-              <a:t>de plan</a:t>
-            </a:r>
-            <a:endParaRPr b="0" lang="en-US" sz="2000" spc="-1" strike="noStrike">
-              <a:solidFill>
-                <a:srgbClr val="262626"/>
-              </a:solidFill>
-              <a:latin typeface="Garamond"/>
-            </a:endParaRPr>
           </a:p>
         </p:txBody>
       </p:sp>
     </p:spTree>
   </p:cSld>
-  <p:clrMap bg1="lt1" bg2="lt2" tx1="dk1" tx2="dk2" accent1="accent1" accent2="accent2" accent3="accent3" accent4="accent4" accent5="accent5" accent6="accent6" hlink="hlink" folHlink="folHlink"/>
+  <p:clrMap bg1="lt1" tx1="dk1" bg2="lt2" tx2="dk2" accent1="accent1" accent2="accent2" accent3="accent3" accent4="accent4" accent5="accent5" accent6="accent6" hlink="hlink" folHlink="folHlink"/>
   <p:sldLayoutIdLst>
-    <p:sldLayoutId id="2147483649" r:id="rId9"/>
-    <p:sldLayoutId id="2147483650" r:id="rId10"/>
-    <p:sldLayoutId id="2147483651" r:id="rId11"/>
-    <p:sldLayoutId id="2147483652" r:id="rId12"/>
-    <p:sldLayoutId id="2147483653" r:id="rId13"/>
-    <p:sldLayoutId id="2147483654" r:id="rId14"/>
-    <p:sldLayoutId id="2147483655" r:id="rId15"/>
-    <p:sldLayoutId id="2147483656" r:id="rId16"/>
-    <p:sldLayoutId id="2147483657" r:id="rId17"/>
-    <p:sldLayoutId id="2147483658" r:id="rId18"/>
-    <p:sldLayoutId id="2147483659" r:id="rId19"/>
-    <p:sldLayoutId id="2147483660" r:id="rId20"/>
+    <p:sldLayoutId id="2147483649" r:id="rId1"/>
+    <p:sldLayoutId id="2147483650" r:id="rId2"/>
+    <p:sldLayoutId id="2147483651" r:id="rId3"/>
+    <p:sldLayoutId id="2147483652" r:id="rId4"/>
+    <p:sldLayoutId id="2147483653" r:id="rId5"/>
+    <p:sldLayoutId id="2147483654" r:id="rId6"/>
+    <p:sldLayoutId id="2147483655" r:id="rId7"/>
+    <p:sldLayoutId id="2147483656" r:id="rId8"/>
+    <p:sldLayoutId id="2147483657" r:id="rId9"/>
+    <p:sldLayoutId id="2147483658" r:id="rId10"/>
+    <p:sldLayoutId id="2147483659" r:id="rId11"/>
+    <p:sldLayoutId id="2147483660" r:id="rId12"/>
   </p:sldLayoutIdLst>
+  <p:txStyles>
+    <p:titleStyle>
+      <a:lvl1pPr algn="l" defTabSz="914400" rtl="0" eaLnBrk="1" latinLnBrk="0" hangingPunct="1">
+        <a:lnSpc>
+          <a:spcPct val="90000"/>
+        </a:lnSpc>
+        <a:spcBef>
+          <a:spcPct val="0"/>
+        </a:spcBef>
+        <a:buNone/>
+        <a:defRPr sz="4400" kern="1200">
+          <a:solidFill>
+            <a:schemeClr val="tx1"/>
+          </a:solidFill>
+          <a:latin typeface="+mj-lt"/>
+          <a:ea typeface="+mj-ea"/>
+          <a:cs typeface="+mj-cs"/>
+        </a:defRPr>
+      </a:lvl1pPr>
+    </p:titleStyle>
+    <p:bodyStyle>
+      <a:lvl1pPr marL="228600" indent="-228600" algn="l" defTabSz="914400" rtl="0" eaLnBrk="1" latinLnBrk="0" hangingPunct="1">
+        <a:lnSpc>
+          <a:spcPct val="90000"/>
+        </a:lnSpc>
+        <a:spcBef>
+          <a:spcPts val="1000"/>
+        </a:spcBef>
+        <a:buFont typeface="Arial" panose="020B0604020202020204" pitchFamily="34" charset="0"/>
+        <a:buChar char="•"/>
+        <a:defRPr sz="2800" kern="1200">
+          <a:solidFill>
+            <a:schemeClr val="tx1"/>
+          </a:solidFill>
+          <a:latin typeface="+mn-lt"/>
+          <a:ea typeface="+mn-ea"/>
+          <a:cs typeface="+mn-cs"/>
+        </a:defRPr>
+      </a:lvl1pPr>
+      <a:lvl2pPr marL="685800" indent="-228600" algn="l" defTabSz="914400" rtl="0" eaLnBrk="1" latinLnBrk="0" hangingPunct="1">
+        <a:lnSpc>
+          <a:spcPct val="90000"/>
+        </a:lnSpc>
+        <a:spcBef>
+          <a:spcPts val="500"/>
+        </a:spcBef>
+        <a:buFont typeface="Arial" panose="020B0604020202020204" pitchFamily="34" charset="0"/>
+        <a:buChar char="•"/>
+        <a:defRPr sz="2400" kern="1200">
+          <a:solidFill>
+            <a:schemeClr val="tx1"/>
+          </a:solidFill>
+          <a:latin typeface="+mn-lt"/>
+          <a:ea typeface="+mn-ea"/>
+          <a:cs typeface="+mn-cs"/>
+        </a:defRPr>
+      </a:lvl2pPr>
+      <a:lvl3pPr marL="1143000" indent="-228600" algn="l" defTabSz="914400" rtl="0" eaLnBrk="1" latinLnBrk="0" hangingPunct="1">
+        <a:lnSpc>
+          <a:spcPct val="90000"/>
+        </a:lnSpc>
+        <a:spcBef>
+          <a:spcPts val="500"/>
+        </a:spcBef>
+        <a:buFont typeface="Arial" panose="020B0604020202020204" pitchFamily="34" charset="0"/>
+        <a:buChar char="•"/>
+        <a:defRPr sz="2000" kern="1200">
+          <a:solidFill>
+            <a:schemeClr val="tx1"/>
+          </a:solidFill>
+          <a:latin typeface="+mn-lt"/>
+          <a:ea typeface="+mn-ea"/>
+          <a:cs typeface="+mn-cs"/>
+        </a:defRPr>
+      </a:lvl3pPr>
+      <a:lvl4pPr marL="1600200" indent="-228600" algn="l" defTabSz="914400" rtl="0" eaLnBrk="1" latinLnBrk="0" hangingPunct="1">
+        <a:lnSpc>
+          <a:spcPct val="90000"/>
+        </a:lnSpc>
+        <a:spcBef>
+          <a:spcPts val="500"/>
+        </a:spcBef>
+        <a:buFont typeface="Arial" panose="020B0604020202020204" pitchFamily="34" charset="0"/>
+        <a:buChar char="•"/>
+        <a:defRPr sz="1800" kern="1200">
+          <a:solidFill>
+            <a:schemeClr val="tx1"/>
+          </a:solidFill>
+          <a:latin typeface="+mn-lt"/>
+          <a:ea typeface="+mn-ea"/>
+          <a:cs typeface="+mn-cs"/>
+        </a:defRPr>
+      </a:lvl4pPr>
+      <a:lvl5pPr marL="2057400" indent="-228600" algn="l" defTabSz="914400" rtl="0" eaLnBrk="1" latinLnBrk="0" hangingPunct="1">
+        <a:lnSpc>
+          <a:spcPct val="90000"/>
+        </a:lnSpc>
+        <a:spcBef>
+          <a:spcPts val="500"/>
+        </a:spcBef>
+        <a:buFont typeface="Arial" panose="020B0604020202020204" pitchFamily="34" charset="0"/>
+        <a:buChar char="•"/>
+        <a:defRPr sz="1800" kern="1200">
+          <a:solidFill>
+            <a:schemeClr val="tx1"/>
+          </a:solidFill>
+          <a:latin typeface="+mn-lt"/>
+          <a:ea typeface="+mn-ea"/>
+          <a:cs typeface="+mn-cs"/>
+        </a:defRPr>
+      </a:lvl5pPr>
+      <a:lvl6pPr marL="2514600" indent="-228600" algn="l" defTabSz="914400" rtl="0" eaLnBrk="1" latinLnBrk="0" hangingPunct="1">
+        <a:lnSpc>
+          <a:spcPct val="90000"/>
+        </a:lnSpc>
+        <a:spcBef>
+          <a:spcPts val="500"/>
+        </a:spcBef>
+        <a:buFont typeface="Arial" panose="020B0604020202020204" pitchFamily="34" charset="0"/>
+        <a:buChar char="•"/>
+        <a:defRPr sz="1800" kern="1200">
+          <a:solidFill>
+            <a:schemeClr val="tx1"/>
+          </a:solidFill>
+          <a:latin typeface="+mn-lt"/>
+          <a:ea typeface="+mn-ea"/>
+          <a:cs typeface="+mn-cs"/>
+        </a:defRPr>
+      </a:lvl6pPr>
+      <a:lvl7pPr marL="2971800" indent="-228600" algn="l" defTabSz="914400" rtl="0" eaLnBrk="1" latinLnBrk="0" hangingPunct="1">
+        <a:lnSpc>
+          <a:spcPct val="90000"/>
+        </a:lnSpc>
+        <a:spcBef>
+          <a:spcPts val="500"/>
+        </a:spcBef>
+        <a:buFont typeface="Arial" panose="020B0604020202020204" pitchFamily="34" charset="0"/>
+        <a:buChar char="•"/>
+        <a:defRPr sz="1800" kern="1200">
+          <a:solidFill>
+            <a:schemeClr val="tx1"/>
+          </a:solidFill>
+          <a:latin typeface="+mn-lt"/>
+          <a:ea typeface="+mn-ea"/>
+          <a:cs typeface="+mn-cs"/>
+        </a:defRPr>
+      </a:lvl7pPr>
+      <a:lvl8pPr marL="3429000" indent="-228600" algn="l" defTabSz="914400" rtl="0" eaLnBrk="1" latinLnBrk="0" hangingPunct="1">
+        <a:lnSpc>
+          <a:spcPct val="90000"/>
+        </a:lnSpc>
+        <a:spcBef>
+          <a:spcPts val="500"/>
+        </a:spcBef>
+        <a:buFont typeface="Arial" panose="020B0604020202020204" pitchFamily="34" charset="0"/>
+        <a:buChar char="•"/>
+        <a:defRPr sz="1800" kern="1200">
+          <a:solidFill>
+            <a:schemeClr val="tx1"/>
+          </a:solidFill>
+          <a:latin typeface="+mn-lt"/>
+          <a:ea typeface="+mn-ea"/>
+          <a:cs typeface="+mn-cs"/>
+        </a:defRPr>
+      </a:lvl8pPr>
+      <a:lvl9pPr marL="3886200" indent="-228600" algn="l" defTabSz="914400" rtl="0" eaLnBrk="1" latinLnBrk="0" hangingPunct="1">
+        <a:lnSpc>
+          <a:spcPct val="90000"/>
+        </a:lnSpc>
+        <a:spcBef>
+          <a:spcPts val="500"/>
+        </a:spcBef>
+        <a:buFont typeface="Arial" panose="020B0604020202020204" pitchFamily="34" charset="0"/>
+        <a:buChar char="•"/>
+        <a:defRPr sz="1800" kern="1200">
+          <a:solidFill>
+            <a:schemeClr val="tx1"/>
+          </a:solidFill>
+          <a:latin typeface="+mn-lt"/>
+          <a:ea typeface="+mn-ea"/>
+          <a:cs typeface="+mn-cs"/>
+        </a:defRPr>
+      </a:lvl9pPr>
+    </p:bodyStyle>
+    <p:otherStyle>
+      <a:defPPr>
+        <a:defRPr lang="fr-FR"/>
+      </a:defPPr>
+      <a:lvl1pPr marL="0" algn="l" defTabSz="914400" rtl="0" eaLnBrk="1" latinLnBrk="0" hangingPunct="1">
+        <a:defRPr sz="1800" kern="1200">
+          <a:solidFill>
+            <a:schemeClr val="tx1"/>
+          </a:solidFill>
+          <a:latin typeface="+mn-lt"/>
+          <a:ea typeface="+mn-ea"/>
+          <a:cs typeface="+mn-cs"/>
+        </a:defRPr>
+      </a:lvl1pPr>
+      <a:lvl2pPr marL="457200" algn="l" defTabSz="914400" rtl="0" eaLnBrk="1" latinLnBrk="0" hangingPunct="1">
+        <a:defRPr sz="1800" kern="1200">
+          <a:solidFill>
+            <a:schemeClr val="tx1"/>
+          </a:solidFill>
+          <a:latin typeface="+mn-lt"/>
+          <a:ea typeface="+mn-ea"/>
+          <a:cs typeface="+mn-cs"/>
+        </a:defRPr>
+      </a:lvl2pPr>
+      <a:lvl3pPr marL="914400" algn="l" defTabSz="914400" rtl="0" eaLnBrk="1" latinLnBrk="0" hangingPunct="1">
+        <a:defRPr sz="1800" kern="1200">
+          <a:solidFill>
+            <a:schemeClr val="tx1"/>
+          </a:solidFill>
+          <a:latin typeface="+mn-lt"/>
+          <a:ea typeface="+mn-ea"/>
+          <a:cs typeface="+mn-cs"/>
+        </a:defRPr>
+      </a:lvl3pPr>
+      <a:lvl4pPr marL="1371600" algn="l" defTabSz="914400" rtl="0" eaLnBrk="1" latinLnBrk="0" hangingPunct="1">
+        <a:defRPr sz="1800" kern="1200">
+          <a:solidFill>
+            <a:schemeClr val="tx1"/>
+          </a:solidFill>
+          <a:latin typeface="+mn-lt"/>
+          <a:ea typeface="+mn-ea"/>
+          <a:cs typeface="+mn-cs"/>
+        </a:defRPr>
+      </a:lvl4pPr>
+      <a:lvl5pPr marL="1828800" algn="l" defTabSz="914400" rtl="0" eaLnBrk="1" latinLnBrk="0" hangingPunct="1">
+        <a:defRPr sz="1800" kern="1200">
+          <a:solidFill>
+            <a:schemeClr val="tx1"/>
+          </a:solidFill>
+          <a:latin typeface="+mn-lt"/>
+          <a:ea typeface="+mn-ea"/>
+          <a:cs typeface="+mn-cs"/>
+        </a:defRPr>
+      </a:lvl5pPr>
+      <a:lvl6pPr marL="2286000" algn="l" defTabSz="914400" rtl="0" eaLnBrk="1" latinLnBrk="0" hangingPunct="1">
+        <a:defRPr sz="1800" kern="1200">
+          <a:solidFill>
+            <a:schemeClr val="tx1"/>
+          </a:solidFill>
+          <a:latin typeface="+mn-lt"/>
+          <a:ea typeface="+mn-ea"/>
+          <a:cs typeface="+mn-cs"/>
+        </a:defRPr>
+      </a:lvl6pPr>
+      <a:lvl7pPr marL="2743200" algn="l" defTabSz="914400" rtl="0" eaLnBrk="1" latinLnBrk="0" hangingPunct="1">
+        <a:defRPr sz="1800" kern="1200">
+          <a:solidFill>
+            <a:schemeClr val="tx1"/>
+          </a:solidFill>
+          <a:latin typeface="+mn-lt"/>
+          <a:ea typeface="+mn-ea"/>
+          <a:cs typeface="+mn-cs"/>
+        </a:defRPr>
+      </a:lvl7pPr>
+      <a:lvl8pPr marL="3200400" algn="l" defTabSz="914400" rtl="0" eaLnBrk="1" latinLnBrk="0" hangingPunct="1">
+        <a:defRPr sz="1800" kern="1200">
+          <a:solidFill>
+            <a:schemeClr val="tx1"/>
+          </a:solidFill>
+          <a:latin typeface="+mn-lt"/>
+          <a:ea typeface="+mn-ea"/>
+          <a:cs typeface="+mn-cs"/>
+        </a:defRPr>
+      </a:lvl8pPr>
+      <a:lvl9pPr marL="3657600" algn="l" defTabSz="914400" rtl="0" eaLnBrk="1" latinLnBrk="0" hangingPunct="1">
+        <a:defRPr sz="1800" kern="1200">
+          <a:solidFill>
+            <a:schemeClr val="tx1"/>
+          </a:solidFill>
+          <a:latin typeface="+mn-lt"/>
+          <a:ea typeface="+mn-ea"/>
+          <a:cs typeface="+mn-cs"/>
+        </a:defRPr>
+      </a:lvl9pPr>
+    </p:otherStyle>
+  </p:txStyles>
 </p:sldMaster>
 </file>
 
 <file path=ppt/slideMasters/slideMaster2.xml><?xml version="1.0" encoding="utf-8"?>
-<p:sldMaster xmlns:a="http://schemas.openxmlformats.org/drawingml/2006/main" xmlns:p="http://schemas.openxmlformats.org/presentationml/2006/main" xmlns:r="http://schemas.openxmlformats.org/officeDocument/2006/relationships" xmlns:p14="http://schemas.microsoft.com/office/powerpoint/2010/main" xmlns:p15="http://schemas.microsoft.com/office/powerpoint/2012/main" xmlns:mc="http://schemas.openxmlformats.org/markup-compatibility/2006">
+<p:sldMaster xmlns:a="http://schemas.openxmlformats.org/drawingml/2006/main" xmlns:r="http://schemas.openxmlformats.org/officeDocument/2006/relationships" xmlns:p="http://schemas.openxmlformats.org/presentationml/2006/main">
   <p:cSld>
     <p:bg>
       <p:bgPr>
         <a:blipFill rotWithShape="0">
-          <a:blip r:embed="rId2"/>
+          <a:blip r:embed="rId14"/>
           <a:stretch>
             <a:fillRect/>
           </a:stretch>
         </a:blipFill>
+        <a:effectLst/>
       </p:bgPr>
     </p:bg>
     <p:spTree>
@@ -5157,7 +5677,7 @@
             <p:nvPr/>
           </p:nvPicPr>
           <p:blipFill>
-            <a:blip r:embed="rId3"/>
+            <a:blip r:embed="rId15"/>
             <a:stretch/>
           </p:blipFill>
           <p:spPr>
@@ -5192,7 +5712,7 @@
               <a:miter/>
             </a:ln>
             <a:effectLst>
-              <a:innerShdw blurRad="25400" dir="13500000" dist="12700">
+              <a:innerShdw blurRad="25400" dist="12700" dir="13500000">
                 <a:srgbClr val="000000">
                   <a:alpha val="45000"/>
                 </a:srgbClr>
@@ -5219,7 +5739,7 @@
             <p:nvPr/>
           </p:nvPicPr>
           <p:blipFill>
-            <a:blip r:embed="rId4"/>
+            <a:blip r:embed="rId16"/>
             <a:stretch/>
           </p:blipFill>
           <p:spPr>
@@ -5242,7 +5762,7 @@
             <p:nvPr/>
           </p:nvPicPr>
           <p:blipFill>
-            <a:blip r:embed="rId5"/>
+            <a:blip r:embed="rId16"/>
             <a:stretch/>
           </p:blipFill>
           <p:spPr>
@@ -5313,6 +5833,7 @@
           <a:bodyPr anchor="ctr">
             <a:noAutofit/>
           </a:bodyPr>
+          <a:lstStyle/>
           <a:p>
             <a:pPr algn="ctr">
               <a:lnSpc>
@@ -5320,7 +5841,7 @@
               </a:lnSpc>
             </a:pPr>
             <a:r>
-              <a:rPr b="0" lang="fr-FR" sz="4400" spc="-1" strike="noStrike">
+              <a:rPr lang="fr-FR" sz="4400" b="0" strike="noStrike" spc="-1">
                 <a:solidFill>
                   <a:srgbClr val="262626"/>
                 </a:solidFill>
@@ -5328,7 +5849,7 @@
               </a:rPr>
               <a:t>Modifiez le style du titre</a:t>
             </a:r>
-            <a:endParaRPr b="0" lang="en-US" sz="4400" spc="-1" strike="noStrike">
+            <a:endParaRPr lang="en-US" sz="4400" b="0" strike="noStrike" spc="-1">
               <a:solidFill>
                 <a:srgbClr val="000000"/>
               </a:solidFill>
@@ -5360,6 +5881,7 @@
           <a:bodyPr>
             <a:noAutofit/>
           </a:bodyPr>
+          <a:lstStyle/>
           <a:p>
             <a:pPr marL="285840" indent="-285480">
               <a:lnSpc>
@@ -5372,39 +5894,30 @@
                 <a:spcPts val="601"/>
               </a:spcAft>
               <a:buClr>
-                <a:srgbClr val="83992a"/>
+                <a:srgbClr val="83992A"/>
               </a:buClr>
               <a:buSzPct val="115000"/>
               <a:buFont typeface="Arial"/>
               <a:buChar char="•"/>
             </a:pPr>
             <a:r>
-              <a:rPr b="0" lang="fr-FR" sz="2400" spc="-1" strike="noStrike">
+              <a:rPr lang="fr-FR" sz="2400" b="0" strike="noStrike" spc="-1">
                 <a:solidFill>
                   <a:srgbClr val="262626"/>
                 </a:solidFill>
                 <a:latin typeface="Garamond"/>
               </a:rPr>
-              <a:t>Modifiez les styles du texte </a:t>
+              <a:t>Modifiez les styles du texte du masque</a:t>
             </a:r>
-            <a:r>
-              <a:rPr b="0" lang="fr-FR" sz="2400" spc="-1" strike="noStrike">
-                <a:solidFill>
-                  <a:srgbClr val="262626"/>
-                </a:solidFill>
-                <a:latin typeface="Garamond"/>
-              </a:rPr>
-              <a:t>du masque</a:t>
-            </a:r>
-            <a:endParaRPr b="0" lang="en-US" sz="2400" spc="-1" strike="noStrike">
-              <a:solidFill>
-                <a:srgbClr val="262626"/>
-              </a:solidFill>
-              <a:latin typeface="Garamond"/>
-            </a:endParaRPr>
-          </a:p>
-          <a:p>
-            <a:pPr lvl="1" marL="743040" indent="-285480">
+            <a:endParaRPr lang="en-US" sz="2400" b="0" strike="noStrike" spc="-1">
+              <a:solidFill>
+                <a:srgbClr val="262626"/>
+              </a:solidFill>
+              <a:latin typeface="Garamond"/>
+            </a:endParaRPr>
+          </a:p>
+          <a:p>
+            <a:pPr marL="743040" lvl="1" indent="-285480">
               <a:lnSpc>
                 <a:spcPct val="100000"/>
               </a:lnSpc>
@@ -5415,14 +5928,14 @@
                 <a:spcPts val="601"/>
               </a:spcAft>
               <a:buClr>
-                <a:srgbClr val="83992a"/>
+                <a:srgbClr val="83992A"/>
               </a:buClr>
               <a:buSzPct val="115000"/>
               <a:buFont typeface="Arial"/>
               <a:buChar char="•"/>
             </a:pPr>
             <a:r>
-              <a:rPr b="0" lang="fr-FR" sz="2000" spc="-1" strike="noStrike">
+              <a:rPr lang="fr-FR" sz="2000" b="0" strike="noStrike" spc="-1">
                 <a:solidFill>
                   <a:srgbClr val="262626"/>
                 </a:solidFill>
@@ -5430,15 +5943,15 @@
               </a:rPr>
               <a:t>Deuxième niveau</a:t>
             </a:r>
-            <a:endParaRPr b="0" lang="en-US" sz="2000" spc="-1" strike="noStrike">
-              <a:solidFill>
-                <a:srgbClr val="262626"/>
-              </a:solidFill>
-              <a:latin typeface="Garamond"/>
-            </a:endParaRPr>
-          </a:p>
-          <a:p>
-            <a:pPr lvl="2" marL="1200240" indent="-285480">
+            <a:endParaRPr lang="en-US" sz="2000" b="0" strike="noStrike" spc="-1">
+              <a:solidFill>
+                <a:srgbClr val="262626"/>
+              </a:solidFill>
+              <a:latin typeface="Garamond"/>
+            </a:endParaRPr>
+          </a:p>
+          <a:p>
+            <a:pPr marL="1200240" lvl="2" indent="-285480">
               <a:lnSpc>
                 <a:spcPct val="100000"/>
               </a:lnSpc>
@@ -5449,14 +5962,14 @@
                 <a:spcPts val="601"/>
               </a:spcAft>
               <a:buClr>
-                <a:srgbClr val="83992a"/>
+                <a:srgbClr val="83992A"/>
               </a:buClr>
               <a:buSzPct val="115000"/>
               <a:buFont typeface="Arial"/>
               <a:buChar char="•"/>
             </a:pPr>
             <a:r>
-              <a:rPr b="0" lang="fr-FR" sz="1800" spc="-1" strike="noStrike">
+              <a:rPr lang="fr-FR" sz="1800" b="0" strike="noStrike" spc="-1">
                 <a:solidFill>
                   <a:srgbClr val="262626"/>
                 </a:solidFill>
@@ -5464,15 +5977,15 @@
               </a:rPr>
               <a:t>Troisième niveau</a:t>
             </a:r>
-            <a:endParaRPr b="0" lang="en-US" sz="1800" spc="-1" strike="noStrike">
-              <a:solidFill>
-                <a:srgbClr val="262626"/>
-              </a:solidFill>
-              <a:latin typeface="Garamond"/>
-            </a:endParaRPr>
-          </a:p>
-          <a:p>
-            <a:pPr lvl="3" marL="1542960" indent="-171000">
+            <a:endParaRPr lang="en-US" sz="1800" b="0" strike="noStrike" spc="-1">
+              <a:solidFill>
+                <a:srgbClr val="262626"/>
+              </a:solidFill>
+              <a:latin typeface="Garamond"/>
+            </a:endParaRPr>
+          </a:p>
+          <a:p>
+            <a:pPr marL="1542960" lvl="3" indent="-171000">
               <a:lnSpc>
                 <a:spcPct val="100000"/>
               </a:lnSpc>
@@ -5483,14 +5996,14 @@
                 <a:spcPts val="601"/>
               </a:spcAft>
               <a:buClr>
-                <a:srgbClr val="83992a"/>
+                <a:srgbClr val="83992A"/>
               </a:buClr>
               <a:buSzPct val="115000"/>
               <a:buFont typeface="Arial"/>
               <a:buChar char="•"/>
             </a:pPr>
             <a:r>
-              <a:rPr b="0" lang="fr-FR" sz="1600" spc="-1" strike="noStrike">
+              <a:rPr lang="fr-FR" sz="1600" b="0" strike="noStrike" spc="-1">
                 <a:solidFill>
                   <a:srgbClr val="262626"/>
                 </a:solidFill>
@@ -5498,15 +6011,15 @@
               </a:rPr>
               <a:t>Quatrième niveau</a:t>
             </a:r>
-            <a:endParaRPr b="0" lang="en-US" sz="1600" spc="-1" strike="noStrike">
-              <a:solidFill>
-                <a:srgbClr val="262626"/>
-              </a:solidFill>
-              <a:latin typeface="Garamond"/>
-            </a:endParaRPr>
-          </a:p>
-          <a:p>
-            <a:pPr lvl="4" marL="2000160" indent="-171000">
+            <a:endParaRPr lang="en-US" sz="1600" b="0" strike="noStrike" spc="-1">
+              <a:solidFill>
+                <a:srgbClr val="262626"/>
+              </a:solidFill>
+              <a:latin typeface="Garamond"/>
+            </a:endParaRPr>
+          </a:p>
+          <a:p>
+            <a:pPr marL="2000160" lvl="4" indent="-171000">
               <a:lnSpc>
                 <a:spcPct val="100000"/>
               </a:lnSpc>
@@ -5517,14 +6030,14 @@
                 <a:spcPts val="601"/>
               </a:spcAft>
               <a:buClr>
-                <a:srgbClr val="83992a"/>
+                <a:srgbClr val="83992A"/>
               </a:buClr>
               <a:buSzPct val="115000"/>
               <a:buFont typeface="Arial"/>
               <a:buChar char="•"/>
             </a:pPr>
             <a:r>
-              <a:rPr b="0" lang="fr-FR" sz="1400" spc="-1" strike="noStrike">
+              <a:rPr lang="fr-FR" sz="1400" b="0" strike="noStrike" spc="-1">
                 <a:solidFill>
                   <a:srgbClr val="262626"/>
                 </a:solidFill>
@@ -5532,7 +6045,7 @@
               </a:rPr>
               <a:t>Cinquième niveau</a:t>
             </a:r>
-            <a:endParaRPr b="0" lang="en-US" sz="1400" spc="-1" strike="noStrike">
+            <a:endParaRPr lang="en-US" sz="1400" b="0" strike="noStrike" spc="-1">
               <a:solidFill>
                 <a:srgbClr val="262626"/>
               </a:solidFill>
@@ -5564,6 +6077,7 @@
           <a:bodyPr anchor="ctr">
             <a:noAutofit/>
           </a:bodyPr>
+          <a:lstStyle/>
           <a:p>
             <a:pPr algn="r">
               <a:lnSpc>
@@ -5571,15 +6085,15 @@
               </a:lnSpc>
             </a:pPr>
             <a:fld id="{E1040900-EACD-403D-A580-E44ED7460E6D}" type="datetime">
-              <a:rPr b="0" lang="en-US" sz="1000" spc="-1" strike="noStrike">
+              <a:rPr lang="en-US" sz="1000" b="0" strike="noStrike" spc="-1">
                 <a:solidFill>
                   <a:srgbClr val="000000"/>
                 </a:solidFill>
                 <a:latin typeface="Garamond"/>
               </a:rPr>
-              <a:t>5/25/21</a:t>
+              <a:t>5/25/2021</a:t>
             </a:fld>
-            <a:endParaRPr b="0" lang="fr-FR" sz="1000" spc="-1" strike="noStrike">
+            <a:endParaRPr lang="fr-FR" sz="1000" b="0" strike="noStrike" spc="-1">
               <a:latin typeface="Times New Roman"/>
             </a:endParaRPr>
           </a:p>
@@ -5608,8 +6122,9 @@
           <a:bodyPr anchor="ctr">
             <a:noAutofit/>
           </a:bodyPr>
-          <a:p>
-            <a:endParaRPr b="0" lang="fr-FR" sz="2400" spc="-1" strike="noStrike">
+          <a:lstStyle/>
+          <a:p>
+            <a:endParaRPr lang="fr-FR" sz="2400" b="0" strike="noStrike" spc="-1">
               <a:latin typeface="Times New Roman"/>
             </a:endParaRPr>
           </a:p>
@@ -5638,6 +6153,7 @@
           <a:bodyPr anchor="ctr">
             <a:noAutofit/>
           </a:bodyPr>
+          <a:lstStyle/>
           <a:p>
             <a:pPr algn="r">
               <a:lnSpc>
@@ -5645,15 +6161,15 @@
               </a:lnSpc>
             </a:pPr>
             <a:fld id="{9F3D1177-F9E6-4A21-AD96-5BF54E9993F7}" type="slidenum">
-              <a:rPr b="0" lang="en-US" sz="1000" spc="-1" strike="noStrike">
+              <a:rPr lang="en-US" sz="1000" b="0" strike="noStrike" spc="-1">
                 <a:solidFill>
                   <a:srgbClr val="000000"/>
                 </a:solidFill>
                 <a:latin typeface="Garamond"/>
               </a:rPr>
-              <a:t>&lt;numéro&gt;</a:t>
+              <a:t>‹N°›</a:t>
             </a:fld>
-            <a:endParaRPr b="0" lang="fr-FR" sz="1000" spc="-1" strike="noStrike">
+            <a:endParaRPr lang="fr-FR" sz="1000" b="0" strike="noStrike" spc="-1">
               <a:latin typeface="Times New Roman"/>
             </a:endParaRPr>
           </a:p>
@@ -5661,35 +6177,316 @@
       </p:sp>
     </p:spTree>
   </p:cSld>
-  <p:clrMap bg1="lt1" bg2="lt2" tx1="dk1" tx2="dk2" accent1="accent1" accent2="accent2" accent3="accent3" accent4="accent4" accent5="accent5" accent6="accent6" hlink="hlink" folHlink="folHlink"/>
+  <p:clrMap bg1="lt1" tx1="dk1" bg2="lt2" tx2="dk2" accent1="accent1" accent2="accent2" accent3="accent3" accent4="accent4" accent5="accent5" accent6="accent6" hlink="hlink" folHlink="folHlink"/>
   <p:sldLayoutIdLst>
-    <p:sldLayoutId id="2147483662" r:id="rId6"/>
-    <p:sldLayoutId id="2147483663" r:id="rId7"/>
-    <p:sldLayoutId id="2147483664" r:id="rId8"/>
-    <p:sldLayoutId id="2147483665" r:id="rId9"/>
-    <p:sldLayoutId id="2147483666" r:id="rId10"/>
-    <p:sldLayoutId id="2147483667" r:id="rId11"/>
-    <p:sldLayoutId id="2147483668" r:id="rId12"/>
-    <p:sldLayoutId id="2147483669" r:id="rId13"/>
-    <p:sldLayoutId id="2147483670" r:id="rId14"/>
-    <p:sldLayoutId id="2147483671" r:id="rId15"/>
-    <p:sldLayoutId id="2147483672" r:id="rId16"/>
-    <p:sldLayoutId id="2147483673" r:id="rId17"/>
+    <p:sldLayoutId id="2147483662" r:id="rId1"/>
+    <p:sldLayoutId id="2147483663" r:id="rId2"/>
+    <p:sldLayoutId id="2147483664" r:id="rId3"/>
+    <p:sldLayoutId id="2147483665" r:id="rId4"/>
+    <p:sldLayoutId id="2147483666" r:id="rId5"/>
+    <p:sldLayoutId id="2147483667" r:id="rId6"/>
+    <p:sldLayoutId id="2147483668" r:id="rId7"/>
+    <p:sldLayoutId id="2147483669" r:id="rId8"/>
+    <p:sldLayoutId id="2147483670" r:id="rId9"/>
+    <p:sldLayoutId id="2147483671" r:id="rId10"/>
+    <p:sldLayoutId id="2147483672" r:id="rId11"/>
+    <p:sldLayoutId id="2147483673" r:id="rId12"/>
   </p:sldLayoutIdLst>
+  <p:txStyles>
+    <p:titleStyle>
+      <a:lvl1pPr algn="l" defTabSz="914400" rtl="0" eaLnBrk="1" latinLnBrk="0" hangingPunct="1">
+        <a:lnSpc>
+          <a:spcPct val="90000"/>
+        </a:lnSpc>
+        <a:spcBef>
+          <a:spcPct val="0"/>
+        </a:spcBef>
+        <a:buNone/>
+        <a:defRPr sz="4400" kern="1200">
+          <a:solidFill>
+            <a:schemeClr val="tx1"/>
+          </a:solidFill>
+          <a:latin typeface="+mj-lt"/>
+          <a:ea typeface="+mj-ea"/>
+          <a:cs typeface="+mj-cs"/>
+        </a:defRPr>
+      </a:lvl1pPr>
+    </p:titleStyle>
+    <p:bodyStyle>
+      <a:lvl1pPr marL="228600" indent="-228600" algn="l" defTabSz="914400" rtl="0" eaLnBrk="1" latinLnBrk="0" hangingPunct="1">
+        <a:lnSpc>
+          <a:spcPct val="90000"/>
+        </a:lnSpc>
+        <a:spcBef>
+          <a:spcPts val="1000"/>
+        </a:spcBef>
+        <a:buFont typeface="Arial" panose="020B0604020202020204" pitchFamily="34" charset="0"/>
+        <a:buChar char="•"/>
+        <a:defRPr sz="2800" kern="1200">
+          <a:solidFill>
+            <a:schemeClr val="tx1"/>
+          </a:solidFill>
+          <a:latin typeface="+mn-lt"/>
+          <a:ea typeface="+mn-ea"/>
+          <a:cs typeface="+mn-cs"/>
+        </a:defRPr>
+      </a:lvl1pPr>
+      <a:lvl2pPr marL="685800" indent="-228600" algn="l" defTabSz="914400" rtl="0" eaLnBrk="1" latinLnBrk="0" hangingPunct="1">
+        <a:lnSpc>
+          <a:spcPct val="90000"/>
+        </a:lnSpc>
+        <a:spcBef>
+          <a:spcPts val="500"/>
+        </a:spcBef>
+        <a:buFont typeface="Arial" panose="020B0604020202020204" pitchFamily="34" charset="0"/>
+        <a:buChar char="•"/>
+        <a:defRPr sz="2400" kern="1200">
+          <a:solidFill>
+            <a:schemeClr val="tx1"/>
+          </a:solidFill>
+          <a:latin typeface="+mn-lt"/>
+          <a:ea typeface="+mn-ea"/>
+          <a:cs typeface="+mn-cs"/>
+        </a:defRPr>
+      </a:lvl2pPr>
+      <a:lvl3pPr marL="1143000" indent="-228600" algn="l" defTabSz="914400" rtl="0" eaLnBrk="1" latinLnBrk="0" hangingPunct="1">
+        <a:lnSpc>
+          <a:spcPct val="90000"/>
+        </a:lnSpc>
+        <a:spcBef>
+          <a:spcPts val="500"/>
+        </a:spcBef>
+        <a:buFont typeface="Arial" panose="020B0604020202020204" pitchFamily="34" charset="0"/>
+        <a:buChar char="•"/>
+        <a:defRPr sz="2000" kern="1200">
+          <a:solidFill>
+            <a:schemeClr val="tx1"/>
+          </a:solidFill>
+          <a:latin typeface="+mn-lt"/>
+          <a:ea typeface="+mn-ea"/>
+          <a:cs typeface="+mn-cs"/>
+        </a:defRPr>
+      </a:lvl3pPr>
+      <a:lvl4pPr marL="1600200" indent="-228600" algn="l" defTabSz="914400" rtl="0" eaLnBrk="1" latinLnBrk="0" hangingPunct="1">
+        <a:lnSpc>
+          <a:spcPct val="90000"/>
+        </a:lnSpc>
+        <a:spcBef>
+          <a:spcPts val="500"/>
+        </a:spcBef>
+        <a:buFont typeface="Arial" panose="020B0604020202020204" pitchFamily="34" charset="0"/>
+        <a:buChar char="•"/>
+        <a:defRPr sz="1800" kern="1200">
+          <a:solidFill>
+            <a:schemeClr val="tx1"/>
+          </a:solidFill>
+          <a:latin typeface="+mn-lt"/>
+          <a:ea typeface="+mn-ea"/>
+          <a:cs typeface="+mn-cs"/>
+        </a:defRPr>
+      </a:lvl4pPr>
+      <a:lvl5pPr marL="2057400" indent="-228600" algn="l" defTabSz="914400" rtl="0" eaLnBrk="1" latinLnBrk="0" hangingPunct="1">
+        <a:lnSpc>
+          <a:spcPct val="90000"/>
+        </a:lnSpc>
+        <a:spcBef>
+          <a:spcPts val="500"/>
+        </a:spcBef>
+        <a:buFont typeface="Arial" panose="020B0604020202020204" pitchFamily="34" charset="0"/>
+        <a:buChar char="•"/>
+        <a:defRPr sz="1800" kern="1200">
+          <a:solidFill>
+            <a:schemeClr val="tx1"/>
+          </a:solidFill>
+          <a:latin typeface="+mn-lt"/>
+          <a:ea typeface="+mn-ea"/>
+          <a:cs typeface="+mn-cs"/>
+        </a:defRPr>
+      </a:lvl5pPr>
+      <a:lvl6pPr marL="2514600" indent="-228600" algn="l" defTabSz="914400" rtl="0" eaLnBrk="1" latinLnBrk="0" hangingPunct="1">
+        <a:lnSpc>
+          <a:spcPct val="90000"/>
+        </a:lnSpc>
+        <a:spcBef>
+          <a:spcPts val="500"/>
+        </a:spcBef>
+        <a:buFont typeface="Arial" panose="020B0604020202020204" pitchFamily="34" charset="0"/>
+        <a:buChar char="•"/>
+        <a:defRPr sz="1800" kern="1200">
+          <a:solidFill>
+            <a:schemeClr val="tx1"/>
+          </a:solidFill>
+          <a:latin typeface="+mn-lt"/>
+          <a:ea typeface="+mn-ea"/>
+          <a:cs typeface="+mn-cs"/>
+        </a:defRPr>
+      </a:lvl6pPr>
+      <a:lvl7pPr marL="2971800" indent="-228600" algn="l" defTabSz="914400" rtl="0" eaLnBrk="1" latinLnBrk="0" hangingPunct="1">
+        <a:lnSpc>
+          <a:spcPct val="90000"/>
+        </a:lnSpc>
+        <a:spcBef>
+          <a:spcPts val="500"/>
+        </a:spcBef>
+        <a:buFont typeface="Arial" panose="020B0604020202020204" pitchFamily="34" charset="0"/>
+        <a:buChar char="•"/>
+        <a:defRPr sz="1800" kern="1200">
+          <a:solidFill>
+            <a:schemeClr val="tx1"/>
+          </a:solidFill>
+          <a:latin typeface="+mn-lt"/>
+          <a:ea typeface="+mn-ea"/>
+          <a:cs typeface="+mn-cs"/>
+        </a:defRPr>
+      </a:lvl7pPr>
+      <a:lvl8pPr marL="3429000" indent="-228600" algn="l" defTabSz="914400" rtl="0" eaLnBrk="1" latinLnBrk="0" hangingPunct="1">
+        <a:lnSpc>
+          <a:spcPct val="90000"/>
+        </a:lnSpc>
+        <a:spcBef>
+          <a:spcPts val="500"/>
+        </a:spcBef>
+        <a:buFont typeface="Arial" panose="020B0604020202020204" pitchFamily="34" charset="0"/>
+        <a:buChar char="•"/>
+        <a:defRPr sz="1800" kern="1200">
+          <a:solidFill>
+            <a:schemeClr val="tx1"/>
+          </a:solidFill>
+          <a:latin typeface="+mn-lt"/>
+          <a:ea typeface="+mn-ea"/>
+          <a:cs typeface="+mn-cs"/>
+        </a:defRPr>
+      </a:lvl8pPr>
+      <a:lvl9pPr marL="3886200" indent="-228600" algn="l" defTabSz="914400" rtl="0" eaLnBrk="1" latinLnBrk="0" hangingPunct="1">
+        <a:lnSpc>
+          <a:spcPct val="90000"/>
+        </a:lnSpc>
+        <a:spcBef>
+          <a:spcPts val="500"/>
+        </a:spcBef>
+        <a:buFont typeface="Arial" panose="020B0604020202020204" pitchFamily="34" charset="0"/>
+        <a:buChar char="•"/>
+        <a:defRPr sz="1800" kern="1200">
+          <a:solidFill>
+            <a:schemeClr val="tx1"/>
+          </a:solidFill>
+          <a:latin typeface="+mn-lt"/>
+          <a:ea typeface="+mn-ea"/>
+          <a:cs typeface="+mn-cs"/>
+        </a:defRPr>
+      </a:lvl9pPr>
+    </p:bodyStyle>
+    <p:otherStyle>
+      <a:defPPr>
+        <a:defRPr lang="fr-FR"/>
+      </a:defPPr>
+      <a:lvl1pPr marL="0" algn="l" defTabSz="914400" rtl="0" eaLnBrk="1" latinLnBrk="0" hangingPunct="1">
+        <a:defRPr sz="1800" kern="1200">
+          <a:solidFill>
+            <a:schemeClr val="tx1"/>
+          </a:solidFill>
+          <a:latin typeface="+mn-lt"/>
+          <a:ea typeface="+mn-ea"/>
+          <a:cs typeface="+mn-cs"/>
+        </a:defRPr>
+      </a:lvl1pPr>
+      <a:lvl2pPr marL="457200" algn="l" defTabSz="914400" rtl="0" eaLnBrk="1" latinLnBrk="0" hangingPunct="1">
+        <a:defRPr sz="1800" kern="1200">
+          <a:solidFill>
+            <a:schemeClr val="tx1"/>
+          </a:solidFill>
+          <a:latin typeface="+mn-lt"/>
+          <a:ea typeface="+mn-ea"/>
+          <a:cs typeface="+mn-cs"/>
+        </a:defRPr>
+      </a:lvl2pPr>
+      <a:lvl3pPr marL="914400" algn="l" defTabSz="914400" rtl="0" eaLnBrk="1" latinLnBrk="0" hangingPunct="1">
+        <a:defRPr sz="1800" kern="1200">
+          <a:solidFill>
+            <a:schemeClr val="tx1"/>
+          </a:solidFill>
+          <a:latin typeface="+mn-lt"/>
+          <a:ea typeface="+mn-ea"/>
+          <a:cs typeface="+mn-cs"/>
+        </a:defRPr>
+      </a:lvl3pPr>
+      <a:lvl4pPr marL="1371600" algn="l" defTabSz="914400" rtl="0" eaLnBrk="1" latinLnBrk="0" hangingPunct="1">
+        <a:defRPr sz="1800" kern="1200">
+          <a:solidFill>
+            <a:schemeClr val="tx1"/>
+          </a:solidFill>
+          <a:latin typeface="+mn-lt"/>
+          <a:ea typeface="+mn-ea"/>
+          <a:cs typeface="+mn-cs"/>
+        </a:defRPr>
+      </a:lvl4pPr>
+      <a:lvl5pPr marL="1828800" algn="l" defTabSz="914400" rtl="0" eaLnBrk="1" latinLnBrk="0" hangingPunct="1">
+        <a:defRPr sz="1800" kern="1200">
+          <a:solidFill>
+            <a:schemeClr val="tx1"/>
+          </a:solidFill>
+          <a:latin typeface="+mn-lt"/>
+          <a:ea typeface="+mn-ea"/>
+          <a:cs typeface="+mn-cs"/>
+        </a:defRPr>
+      </a:lvl5pPr>
+      <a:lvl6pPr marL="2286000" algn="l" defTabSz="914400" rtl="0" eaLnBrk="1" latinLnBrk="0" hangingPunct="1">
+        <a:defRPr sz="1800" kern="1200">
+          <a:solidFill>
+            <a:schemeClr val="tx1"/>
+          </a:solidFill>
+          <a:latin typeface="+mn-lt"/>
+          <a:ea typeface="+mn-ea"/>
+          <a:cs typeface="+mn-cs"/>
+        </a:defRPr>
+      </a:lvl6pPr>
+      <a:lvl7pPr marL="2743200" algn="l" defTabSz="914400" rtl="0" eaLnBrk="1" latinLnBrk="0" hangingPunct="1">
+        <a:defRPr sz="1800" kern="1200">
+          <a:solidFill>
+            <a:schemeClr val="tx1"/>
+          </a:solidFill>
+          <a:latin typeface="+mn-lt"/>
+          <a:ea typeface="+mn-ea"/>
+          <a:cs typeface="+mn-cs"/>
+        </a:defRPr>
+      </a:lvl7pPr>
+      <a:lvl8pPr marL="3200400" algn="l" defTabSz="914400" rtl="0" eaLnBrk="1" latinLnBrk="0" hangingPunct="1">
+        <a:defRPr sz="1800" kern="1200">
+          <a:solidFill>
+            <a:schemeClr val="tx1"/>
+          </a:solidFill>
+          <a:latin typeface="+mn-lt"/>
+          <a:ea typeface="+mn-ea"/>
+          <a:cs typeface="+mn-cs"/>
+        </a:defRPr>
+      </a:lvl8pPr>
+      <a:lvl9pPr marL="3657600" algn="l" defTabSz="914400" rtl="0" eaLnBrk="1" latinLnBrk="0" hangingPunct="1">
+        <a:defRPr sz="1800" kern="1200">
+          <a:solidFill>
+            <a:schemeClr val="tx1"/>
+          </a:solidFill>
+          <a:latin typeface="+mn-lt"/>
+          <a:ea typeface="+mn-ea"/>
+          <a:cs typeface="+mn-cs"/>
+        </a:defRPr>
+      </a:lvl9pPr>
+    </p:otherStyle>
+  </p:txStyles>
 </p:sldMaster>
 </file>
 
 <file path=ppt/slideMasters/slideMaster3.xml><?xml version="1.0" encoding="utf-8"?>
-<p:sldMaster xmlns:a="http://schemas.openxmlformats.org/drawingml/2006/main" xmlns:p="http://schemas.openxmlformats.org/presentationml/2006/main" xmlns:r="http://schemas.openxmlformats.org/officeDocument/2006/relationships" xmlns:p14="http://schemas.microsoft.com/office/powerpoint/2010/main" xmlns:p15="http://schemas.microsoft.com/office/powerpoint/2012/main" xmlns:mc="http://schemas.openxmlformats.org/markup-compatibility/2006">
+<p:sldMaster xmlns:a="http://schemas.openxmlformats.org/drawingml/2006/main" xmlns:r="http://schemas.openxmlformats.org/officeDocument/2006/relationships" xmlns:p="http://schemas.openxmlformats.org/presentationml/2006/main">
   <p:cSld>
     <p:bg>
       <p:bgPr>
         <a:blipFill rotWithShape="0">
-          <a:blip r:embed="rId2"/>
+          <a:blip r:embed="rId14"/>
           <a:stretch>
             <a:fillRect/>
           </a:stretch>
         </a:blipFill>
+        <a:effectLst/>
       </p:bgPr>
     </p:bg>
     <p:spTree>
@@ -5727,7 +6524,7 @@
             <p:nvPr/>
           </p:nvPicPr>
           <p:blipFill>
-            <a:blip r:embed="rId3"/>
+            <a:blip r:embed="rId15"/>
             <a:stretch/>
           </p:blipFill>
           <p:spPr>
@@ -5762,7 +6559,7 @@
               <a:miter/>
             </a:ln>
             <a:effectLst>
-              <a:innerShdw blurRad="25400" dir="13500000" dist="12700">
+              <a:innerShdw blurRad="25400" dist="12700" dir="13500000">
                 <a:srgbClr val="000000">
                   <a:alpha val="45000"/>
                 </a:srgbClr>
@@ -5789,7 +6586,7 @@
             <p:nvPr/>
           </p:nvPicPr>
           <p:blipFill>
-            <a:blip r:embed="rId4"/>
+            <a:blip r:embed="rId16"/>
             <a:stretch/>
           </p:blipFill>
           <p:spPr>
@@ -5812,7 +6609,7 @@
             <p:nvPr/>
           </p:nvPicPr>
           <p:blipFill>
-            <a:blip r:embed="rId5"/>
+            <a:blip r:embed="rId16"/>
             <a:stretch/>
           </p:blipFill>
           <p:spPr>
@@ -5883,6 +6680,7 @@
           <a:bodyPr anchor="ctr">
             <a:noAutofit/>
           </a:bodyPr>
+          <a:lstStyle/>
           <a:p>
             <a:pPr algn="ctr">
               <a:lnSpc>
@@ -5890,7 +6688,7 @@
               </a:lnSpc>
             </a:pPr>
             <a:r>
-              <a:rPr b="0" lang="fr-FR" sz="4400" spc="-1" strike="noStrike">
+              <a:rPr lang="fr-FR" sz="4400" b="0" strike="noStrike" spc="-1">
                 <a:solidFill>
                   <a:srgbClr val="262626"/>
                 </a:solidFill>
@@ -5898,7 +6696,7 @@
               </a:rPr>
               <a:t>Modifiez le style du titre</a:t>
             </a:r>
-            <a:endParaRPr b="0" lang="en-US" sz="4400" spc="-1" strike="noStrike">
+            <a:endParaRPr lang="en-US" sz="4400" b="0" strike="noStrike" spc="-1">
               <a:solidFill>
                 <a:srgbClr val="000000"/>
               </a:solidFill>
@@ -5930,6 +6728,7 @@
           <a:bodyPr>
             <a:normAutofit/>
           </a:bodyPr>
+          <a:lstStyle/>
           <a:p>
             <a:pPr marL="285840" indent="-285480">
               <a:lnSpc>
@@ -5942,14 +6741,14 @@
                 <a:spcPts val="601"/>
               </a:spcAft>
               <a:buClr>
-                <a:srgbClr val="83992a"/>
+                <a:srgbClr val="83992A"/>
               </a:buClr>
               <a:buSzPct val="115000"/>
               <a:buFont typeface="Arial"/>
               <a:buChar char="•"/>
             </a:pPr>
             <a:r>
-              <a:rPr b="0" lang="fr-FR" sz="2400" spc="-1" strike="noStrike">
+              <a:rPr lang="fr-FR" sz="2400" b="0" strike="noStrike" spc="-1">
                 <a:solidFill>
                   <a:srgbClr val="262626"/>
                 </a:solidFill>
@@ -5957,15 +6756,15 @@
               </a:rPr>
               <a:t>Modifiez les styles du texte du masque</a:t>
             </a:r>
-            <a:endParaRPr b="0" lang="en-US" sz="2400" spc="-1" strike="noStrike">
-              <a:solidFill>
-                <a:srgbClr val="262626"/>
-              </a:solidFill>
-              <a:latin typeface="Garamond"/>
-            </a:endParaRPr>
-          </a:p>
-          <a:p>
-            <a:pPr lvl="1" marL="743040" indent="-285480">
+            <a:endParaRPr lang="en-US" sz="2400" b="0" strike="noStrike" spc="-1">
+              <a:solidFill>
+                <a:srgbClr val="262626"/>
+              </a:solidFill>
+              <a:latin typeface="Garamond"/>
+            </a:endParaRPr>
+          </a:p>
+          <a:p>
+            <a:pPr marL="743040" lvl="1" indent="-285480">
               <a:lnSpc>
                 <a:spcPct val="100000"/>
               </a:lnSpc>
@@ -5976,14 +6775,14 @@
                 <a:spcPts val="601"/>
               </a:spcAft>
               <a:buClr>
-                <a:srgbClr val="83992a"/>
+                <a:srgbClr val="83992A"/>
               </a:buClr>
               <a:buSzPct val="115000"/>
               <a:buFont typeface="Arial"/>
               <a:buChar char="•"/>
             </a:pPr>
             <a:r>
-              <a:rPr b="0" lang="fr-FR" sz="2000" spc="-1" strike="noStrike">
+              <a:rPr lang="fr-FR" sz="2000" b="0" strike="noStrike" spc="-1">
                 <a:solidFill>
                   <a:srgbClr val="262626"/>
                 </a:solidFill>
@@ -5991,15 +6790,15 @@
               </a:rPr>
               <a:t>Deuxième niveau</a:t>
             </a:r>
-            <a:endParaRPr b="0" lang="en-US" sz="2000" spc="-1" strike="noStrike">
-              <a:solidFill>
-                <a:srgbClr val="262626"/>
-              </a:solidFill>
-              <a:latin typeface="Garamond"/>
-            </a:endParaRPr>
-          </a:p>
-          <a:p>
-            <a:pPr lvl="2" marL="1200240" indent="-285480">
+            <a:endParaRPr lang="en-US" sz="2000" b="0" strike="noStrike" spc="-1">
+              <a:solidFill>
+                <a:srgbClr val="262626"/>
+              </a:solidFill>
+              <a:latin typeface="Garamond"/>
+            </a:endParaRPr>
+          </a:p>
+          <a:p>
+            <a:pPr marL="1200240" lvl="2" indent="-285480">
               <a:lnSpc>
                 <a:spcPct val="100000"/>
               </a:lnSpc>
@@ -6010,14 +6809,14 @@
                 <a:spcPts val="601"/>
               </a:spcAft>
               <a:buClr>
-                <a:srgbClr val="83992a"/>
+                <a:srgbClr val="83992A"/>
               </a:buClr>
               <a:buSzPct val="115000"/>
               <a:buFont typeface="Arial"/>
               <a:buChar char="•"/>
             </a:pPr>
             <a:r>
-              <a:rPr b="0" lang="fr-FR" sz="1800" spc="-1" strike="noStrike">
+              <a:rPr lang="fr-FR" sz="1800" b="0" strike="noStrike" spc="-1">
                 <a:solidFill>
                   <a:srgbClr val="262626"/>
                 </a:solidFill>
@@ -6025,15 +6824,15 @@
               </a:rPr>
               <a:t>Troisième niveau</a:t>
             </a:r>
-            <a:endParaRPr b="0" lang="en-US" sz="1800" spc="-1" strike="noStrike">
-              <a:solidFill>
-                <a:srgbClr val="262626"/>
-              </a:solidFill>
-              <a:latin typeface="Garamond"/>
-            </a:endParaRPr>
-          </a:p>
-          <a:p>
-            <a:pPr lvl="3" marL="1542960" indent="-171000">
+            <a:endParaRPr lang="en-US" sz="1800" b="0" strike="noStrike" spc="-1">
+              <a:solidFill>
+                <a:srgbClr val="262626"/>
+              </a:solidFill>
+              <a:latin typeface="Garamond"/>
+            </a:endParaRPr>
+          </a:p>
+          <a:p>
+            <a:pPr marL="1542960" lvl="3" indent="-171000">
               <a:lnSpc>
                 <a:spcPct val="100000"/>
               </a:lnSpc>
@@ -6044,14 +6843,14 @@
                 <a:spcPts val="601"/>
               </a:spcAft>
               <a:buClr>
-                <a:srgbClr val="83992a"/>
+                <a:srgbClr val="83992A"/>
               </a:buClr>
               <a:buSzPct val="115000"/>
               <a:buFont typeface="Arial"/>
               <a:buChar char="•"/>
             </a:pPr>
             <a:r>
-              <a:rPr b="0" lang="fr-FR" sz="1600" spc="-1" strike="noStrike">
+              <a:rPr lang="fr-FR" sz="1600" b="0" strike="noStrike" spc="-1">
                 <a:solidFill>
                   <a:srgbClr val="262626"/>
                 </a:solidFill>
@@ -6059,15 +6858,15 @@
               </a:rPr>
               <a:t>Quatrième niveau</a:t>
             </a:r>
-            <a:endParaRPr b="0" lang="en-US" sz="1600" spc="-1" strike="noStrike">
-              <a:solidFill>
-                <a:srgbClr val="262626"/>
-              </a:solidFill>
-              <a:latin typeface="Garamond"/>
-            </a:endParaRPr>
-          </a:p>
-          <a:p>
-            <a:pPr lvl="4" marL="2000160" indent="-171000">
+            <a:endParaRPr lang="en-US" sz="1600" b="0" strike="noStrike" spc="-1">
+              <a:solidFill>
+                <a:srgbClr val="262626"/>
+              </a:solidFill>
+              <a:latin typeface="Garamond"/>
+            </a:endParaRPr>
+          </a:p>
+          <a:p>
+            <a:pPr marL="2000160" lvl="4" indent="-171000">
               <a:lnSpc>
                 <a:spcPct val="100000"/>
               </a:lnSpc>
@@ -6078,14 +6877,14 @@
                 <a:spcPts val="601"/>
               </a:spcAft>
               <a:buClr>
-                <a:srgbClr val="83992a"/>
+                <a:srgbClr val="83992A"/>
               </a:buClr>
               <a:buSzPct val="115000"/>
               <a:buFont typeface="Arial"/>
               <a:buChar char="•"/>
             </a:pPr>
             <a:r>
-              <a:rPr b="0" lang="fr-FR" sz="1400" spc="-1" strike="noStrike">
+              <a:rPr lang="fr-FR" sz="1400" b="0" strike="noStrike" spc="-1">
                 <a:solidFill>
                   <a:srgbClr val="262626"/>
                 </a:solidFill>
@@ -6093,7 +6892,7 @@
               </a:rPr>
               <a:t>Cinquième niveau</a:t>
             </a:r>
-            <a:endParaRPr b="0" lang="en-US" sz="1400" spc="-1" strike="noStrike">
+            <a:endParaRPr lang="en-US" sz="1400" b="0" strike="noStrike" spc="-1">
               <a:solidFill>
                 <a:srgbClr val="262626"/>
               </a:solidFill>
@@ -6125,6 +6924,7 @@
           <a:bodyPr>
             <a:normAutofit/>
           </a:bodyPr>
+          <a:lstStyle/>
           <a:p>
             <a:pPr marL="285840" indent="-285480">
               <a:lnSpc>
@@ -6137,14 +6937,14 @@
                 <a:spcPts val="601"/>
               </a:spcAft>
               <a:buClr>
-                <a:srgbClr val="83992a"/>
+                <a:srgbClr val="83992A"/>
               </a:buClr>
               <a:buSzPct val="115000"/>
               <a:buFont typeface="Arial"/>
               <a:buChar char="•"/>
             </a:pPr>
             <a:r>
-              <a:rPr b="0" lang="fr-FR" sz="2400" spc="-1" strike="noStrike">
+              <a:rPr lang="fr-FR" sz="2400" b="0" strike="noStrike" spc="-1">
                 <a:solidFill>
                   <a:srgbClr val="262626"/>
                 </a:solidFill>
@@ -6152,15 +6952,15 @@
               </a:rPr>
               <a:t>Modifiez les styles du texte du masque</a:t>
             </a:r>
-            <a:endParaRPr b="0" lang="en-US" sz="2400" spc="-1" strike="noStrike">
-              <a:solidFill>
-                <a:srgbClr val="262626"/>
-              </a:solidFill>
-              <a:latin typeface="Garamond"/>
-            </a:endParaRPr>
-          </a:p>
-          <a:p>
-            <a:pPr lvl="1" marL="743040" indent="-285480">
+            <a:endParaRPr lang="en-US" sz="2400" b="0" strike="noStrike" spc="-1">
+              <a:solidFill>
+                <a:srgbClr val="262626"/>
+              </a:solidFill>
+              <a:latin typeface="Garamond"/>
+            </a:endParaRPr>
+          </a:p>
+          <a:p>
+            <a:pPr marL="743040" lvl="1" indent="-285480">
               <a:lnSpc>
                 <a:spcPct val="100000"/>
               </a:lnSpc>
@@ -6171,14 +6971,14 @@
                 <a:spcPts val="601"/>
               </a:spcAft>
               <a:buClr>
-                <a:srgbClr val="83992a"/>
+                <a:srgbClr val="83992A"/>
               </a:buClr>
               <a:buSzPct val="115000"/>
               <a:buFont typeface="Arial"/>
               <a:buChar char="•"/>
             </a:pPr>
             <a:r>
-              <a:rPr b="0" lang="fr-FR" sz="2000" spc="-1" strike="noStrike">
+              <a:rPr lang="fr-FR" sz="2000" b="0" strike="noStrike" spc="-1">
                 <a:solidFill>
                   <a:srgbClr val="262626"/>
                 </a:solidFill>
@@ -6186,15 +6986,15 @@
               </a:rPr>
               <a:t>Deuxième niveau</a:t>
             </a:r>
-            <a:endParaRPr b="0" lang="en-US" sz="2000" spc="-1" strike="noStrike">
-              <a:solidFill>
-                <a:srgbClr val="262626"/>
-              </a:solidFill>
-              <a:latin typeface="Garamond"/>
-            </a:endParaRPr>
-          </a:p>
-          <a:p>
-            <a:pPr lvl="2" marL="1200240" indent="-285480">
+            <a:endParaRPr lang="en-US" sz="2000" b="0" strike="noStrike" spc="-1">
+              <a:solidFill>
+                <a:srgbClr val="262626"/>
+              </a:solidFill>
+              <a:latin typeface="Garamond"/>
+            </a:endParaRPr>
+          </a:p>
+          <a:p>
+            <a:pPr marL="1200240" lvl="2" indent="-285480">
               <a:lnSpc>
                 <a:spcPct val="100000"/>
               </a:lnSpc>
@@ -6205,14 +7005,14 @@
                 <a:spcPts val="601"/>
               </a:spcAft>
               <a:buClr>
-                <a:srgbClr val="83992a"/>
+                <a:srgbClr val="83992A"/>
               </a:buClr>
               <a:buSzPct val="115000"/>
               <a:buFont typeface="Arial"/>
               <a:buChar char="•"/>
             </a:pPr>
             <a:r>
-              <a:rPr b="0" lang="fr-FR" sz="1800" spc="-1" strike="noStrike">
+              <a:rPr lang="fr-FR" sz="1800" b="0" strike="noStrike" spc="-1">
                 <a:solidFill>
                   <a:srgbClr val="262626"/>
                 </a:solidFill>
@@ -6220,15 +7020,15 @@
               </a:rPr>
               <a:t>Troisième niveau</a:t>
             </a:r>
-            <a:endParaRPr b="0" lang="en-US" sz="1800" spc="-1" strike="noStrike">
-              <a:solidFill>
-                <a:srgbClr val="262626"/>
-              </a:solidFill>
-              <a:latin typeface="Garamond"/>
-            </a:endParaRPr>
-          </a:p>
-          <a:p>
-            <a:pPr lvl="3" marL="1542960" indent="-171000">
+            <a:endParaRPr lang="en-US" sz="1800" b="0" strike="noStrike" spc="-1">
+              <a:solidFill>
+                <a:srgbClr val="262626"/>
+              </a:solidFill>
+              <a:latin typeface="Garamond"/>
+            </a:endParaRPr>
+          </a:p>
+          <a:p>
+            <a:pPr marL="1542960" lvl="3" indent="-171000">
               <a:lnSpc>
                 <a:spcPct val="100000"/>
               </a:lnSpc>
@@ -6239,14 +7039,14 @@
                 <a:spcPts val="601"/>
               </a:spcAft>
               <a:buClr>
-                <a:srgbClr val="83992a"/>
+                <a:srgbClr val="83992A"/>
               </a:buClr>
               <a:buSzPct val="115000"/>
               <a:buFont typeface="Arial"/>
               <a:buChar char="•"/>
             </a:pPr>
             <a:r>
-              <a:rPr b="0" lang="fr-FR" sz="1600" spc="-1" strike="noStrike">
+              <a:rPr lang="fr-FR" sz="1600" b="0" strike="noStrike" spc="-1">
                 <a:solidFill>
                   <a:srgbClr val="262626"/>
                 </a:solidFill>
@@ -6254,15 +7054,15 @@
               </a:rPr>
               <a:t>Quatrième niveau</a:t>
             </a:r>
-            <a:endParaRPr b="0" lang="en-US" sz="1600" spc="-1" strike="noStrike">
-              <a:solidFill>
-                <a:srgbClr val="262626"/>
-              </a:solidFill>
-              <a:latin typeface="Garamond"/>
-            </a:endParaRPr>
-          </a:p>
-          <a:p>
-            <a:pPr lvl="4" marL="2000160" indent="-171000">
+            <a:endParaRPr lang="en-US" sz="1600" b="0" strike="noStrike" spc="-1">
+              <a:solidFill>
+                <a:srgbClr val="262626"/>
+              </a:solidFill>
+              <a:latin typeface="Garamond"/>
+            </a:endParaRPr>
+          </a:p>
+          <a:p>
+            <a:pPr marL="2000160" lvl="4" indent="-171000">
               <a:lnSpc>
                 <a:spcPct val="100000"/>
               </a:lnSpc>
@@ -6273,14 +7073,14 @@
                 <a:spcPts val="601"/>
               </a:spcAft>
               <a:buClr>
-                <a:srgbClr val="83992a"/>
+                <a:srgbClr val="83992A"/>
               </a:buClr>
               <a:buSzPct val="115000"/>
               <a:buFont typeface="Arial"/>
               <a:buChar char="•"/>
             </a:pPr>
             <a:r>
-              <a:rPr b="0" lang="fr-FR" sz="1400" spc="-1" strike="noStrike">
+              <a:rPr lang="fr-FR" sz="1400" b="0" strike="noStrike" spc="-1">
                 <a:solidFill>
                   <a:srgbClr val="262626"/>
                 </a:solidFill>
@@ -6288,7 +7088,7 @@
               </a:rPr>
               <a:t>Cinquième niveau</a:t>
             </a:r>
-            <a:endParaRPr b="0" lang="en-US" sz="1400" spc="-1" strike="noStrike">
+            <a:endParaRPr lang="en-US" sz="1400" b="0" strike="noStrike" spc="-1">
               <a:solidFill>
                 <a:srgbClr val="262626"/>
               </a:solidFill>
@@ -6320,6 +7120,7 @@
           <a:bodyPr anchor="ctr">
             <a:noAutofit/>
           </a:bodyPr>
+          <a:lstStyle/>
           <a:p>
             <a:pPr algn="r">
               <a:lnSpc>
@@ -6327,15 +7128,15 @@
               </a:lnSpc>
             </a:pPr>
             <a:fld id="{C8C22F38-C04B-41E5-9387-99655E12C9DB}" type="datetime">
-              <a:rPr b="0" lang="en-US" sz="1000" spc="-1" strike="noStrike">
+              <a:rPr lang="en-US" sz="1000" b="0" strike="noStrike" spc="-1">
                 <a:solidFill>
                   <a:srgbClr val="000000"/>
                 </a:solidFill>
                 <a:latin typeface="Garamond"/>
               </a:rPr>
-              <a:t>5/25/21</a:t>
+              <a:t>5/25/2021</a:t>
             </a:fld>
-            <a:endParaRPr b="0" lang="fr-FR" sz="1000" spc="-1" strike="noStrike">
+            <a:endParaRPr lang="fr-FR" sz="1000" b="0" strike="noStrike" spc="-1">
               <a:latin typeface="Times New Roman"/>
             </a:endParaRPr>
           </a:p>
@@ -6364,8 +7165,9 @@
           <a:bodyPr anchor="ctr">
             <a:noAutofit/>
           </a:bodyPr>
-          <a:p>
-            <a:endParaRPr b="0" lang="fr-FR" sz="2400" spc="-1" strike="noStrike">
+          <a:lstStyle/>
+          <a:p>
+            <a:endParaRPr lang="fr-FR" sz="2400" b="0" strike="noStrike" spc="-1">
               <a:latin typeface="Times New Roman"/>
             </a:endParaRPr>
           </a:p>
@@ -6394,6 +7196,7 @@
           <a:bodyPr anchor="ctr">
             <a:noAutofit/>
           </a:bodyPr>
+          <a:lstStyle/>
           <a:p>
             <a:pPr algn="r">
               <a:lnSpc>
@@ -6401,15 +7204,15 @@
               </a:lnSpc>
             </a:pPr>
             <a:fld id="{F7A0B20A-AF18-4BEA-ACE1-205F2F4B36D2}" type="slidenum">
-              <a:rPr b="0" lang="en-US" sz="1000" spc="-1" strike="noStrike">
+              <a:rPr lang="en-US" sz="1000" b="0" strike="noStrike" spc="-1">
                 <a:solidFill>
                   <a:srgbClr val="000000"/>
                 </a:solidFill>
                 <a:latin typeface="Garamond"/>
               </a:rPr>
-              <a:t>&lt;numéro&gt;</a:t>
+              <a:t>‹N°›</a:t>
             </a:fld>
-            <a:endParaRPr b="0" lang="fr-FR" sz="1000" spc="-1" strike="noStrike">
+            <a:endParaRPr lang="fr-FR" sz="1000" b="0" strike="noStrike" spc="-1">
               <a:latin typeface="Times New Roman"/>
             </a:endParaRPr>
           </a:p>
@@ -6417,26 +7220,306 @@
       </p:sp>
     </p:spTree>
   </p:cSld>
-  <p:clrMap bg1="lt1" bg2="lt2" tx1="dk1" tx2="dk2" accent1="accent1" accent2="accent2" accent3="accent3" accent4="accent4" accent5="accent5" accent6="accent6" hlink="hlink" folHlink="folHlink"/>
+  <p:clrMap bg1="lt1" tx1="dk1" bg2="lt2" tx2="dk2" accent1="accent1" accent2="accent2" accent3="accent3" accent4="accent4" accent5="accent5" accent6="accent6" hlink="hlink" folHlink="folHlink"/>
   <p:sldLayoutIdLst>
-    <p:sldLayoutId id="2147483675" r:id="rId6"/>
-    <p:sldLayoutId id="2147483676" r:id="rId7"/>
-    <p:sldLayoutId id="2147483677" r:id="rId8"/>
-    <p:sldLayoutId id="2147483678" r:id="rId9"/>
-    <p:sldLayoutId id="2147483679" r:id="rId10"/>
-    <p:sldLayoutId id="2147483680" r:id="rId11"/>
-    <p:sldLayoutId id="2147483681" r:id="rId12"/>
-    <p:sldLayoutId id="2147483682" r:id="rId13"/>
-    <p:sldLayoutId id="2147483683" r:id="rId14"/>
-    <p:sldLayoutId id="2147483684" r:id="rId15"/>
-    <p:sldLayoutId id="2147483685" r:id="rId16"/>
-    <p:sldLayoutId id="2147483686" r:id="rId17"/>
+    <p:sldLayoutId id="2147483675" r:id="rId1"/>
+    <p:sldLayoutId id="2147483676" r:id="rId2"/>
+    <p:sldLayoutId id="2147483677" r:id="rId3"/>
+    <p:sldLayoutId id="2147483678" r:id="rId4"/>
+    <p:sldLayoutId id="2147483679" r:id="rId5"/>
+    <p:sldLayoutId id="2147483680" r:id="rId6"/>
+    <p:sldLayoutId id="2147483681" r:id="rId7"/>
+    <p:sldLayoutId id="2147483682" r:id="rId8"/>
+    <p:sldLayoutId id="2147483683" r:id="rId9"/>
+    <p:sldLayoutId id="2147483684" r:id="rId10"/>
+    <p:sldLayoutId id="2147483685" r:id="rId11"/>
+    <p:sldLayoutId id="2147483686" r:id="rId12"/>
   </p:sldLayoutIdLst>
+  <p:txStyles>
+    <p:titleStyle>
+      <a:lvl1pPr algn="l" defTabSz="914400" rtl="0" eaLnBrk="1" latinLnBrk="0" hangingPunct="1">
+        <a:lnSpc>
+          <a:spcPct val="90000"/>
+        </a:lnSpc>
+        <a:spcBef>
+          <a:spcPct val="0"/>
+        </a:spcBef>
+        <a:buNone/>
+        <a:defRPr sz="4400" kern="1200">
+          <a:solidFill>
+            <a:schemeClr val="tx1"/>
+          </a:solidFill>
+          <a:latin typeface="+mj-lt"/>
+          <a:ea typeface="+mj-ea"/>
+          <a:cs typeface="+mj-cs"/>
+        </a:defRPr>
+      </a:lvl1pPr>
+    </p:titleStyle>
+    <p:bodyStyle>
+      <a:lvl1pPr marL="228600" indent="-228600" algn="l" defTabSz="914400" rtl="0" eaLnBrk="1" latinLnBrk="0" hangingPunct="1">
+        <a:lnSpc>
+          <a:spcPct val="90000"/>
+        </a:lnSpc>
+        <a:spcBef>
+          <a:spcPts val="1000"/>
+        </a:spcBef>
+        <a:buFont typeface="Arial" panose="020B0604020202020204" pitchFamily="34" charset="0"/>
+        <a:buChar char="•"/>
+        <a:defRPr sz="2800" kern="1200">
+          <a:solidFill>
+            <a:schemeClr val="tx1"/>
+          </a:solidFill>
+          <a:latin typeface="+mn-lt"/>
+          <a:ea typeface="+mn-ea"/>
+          <a:cs typeface="+mn-cs"/>
+        </a:defRPr>
+      </a:lvl1pPr>
+      <a:lvl2pPr marL="685800" indent="-228600" algn="l" defTabSz="914400" rtl="0" eaLnBrk="1" latinLnBrk="0" hangingPunct="1">
+        <a:lnSpc>
+          <a:spcPct val="90000"/>
+        </a:lnSpc>
+        <a:spcBef>
+          <a:spcPts val="500"/>
+        </a:spcBef>
+        <a:buFont typeface="Arial" panose="020B0604020202020204" pitchFamily="34" charset="0"/>
+        <a:buChar char="•"/>
+        <a:defRPr sz="2400" kern="1200">
+          <a:solidFill>
+            <a:schemeClr val="tx1"/>
+          </a:solidFill>
+          <a:latin typeface="+mn-lt"/>
+          <a:ea typeface="+mn-ea"/>
+          <a:cs typeface="+mn-cs"/>
+        </a:defRPr>
+      </a:lvl2pPr>
+      <a:lvl3pPr marL="1143000" indent="-228600" algn="l" defTabSz="914400" rtl="0" eaLnBrk="1" latinLnBrk="0" hangingPunct="1">
+        <a:lnSpc>
+          <a:spcPct val="90000"/>
+        </a:lnSpc>
+        <a:spcBef>
+          <a:spcPts val="500"/>
+        </a:spcBef>
+        <a:buFont typeface="Arial" panose="020B0604020202020204" pitchFamily="34" charset="0"/>
+        <a:buChar char="•"/>
+        <a:defRPr sz="2000" kern="1200">
+          <a:solidFill>
+            <a:schemeClr val="tx1"/>
+          </a:solidFill>
+          <a:latin typeface="+mn-lt"/>
+          <a:ea typeface="+mn-ea"/>
+          <a:cs typeface="+mn-cs"/>
+        </a:defRPr>
+      </a:lvl3pPr>
+      <a:lvl4pPr marL="1600200" indent="-228600" algn="l" defTabSz="914400" rtl="0" eaLnBrk="1" latinLnBrk="0" hangingPunct="1">
+        <a:lnSpc>
+          <a:spcPct val="90000"/>
+        </a:lnSpc>
+        <a:spcBef>
+          <a:spcPts val="500"/>
+        </a:spcBef>
+        <a:buFont typeface="Arial" panose="020B0604020202020204" pitchFamily="34" charset="0"/>
+        <a:buChar char="•"/>
+        <a:defRPr sz="1800" kern="1200">
+          <a:solidFill>
+            <a:schemeClr val="tx1"/>
+          </a:solidFill>
+          <a:latin typeface="+mn-lt"/>
+          <a:ea typeface="+mn-ea"/>
+          <a:cs typeface="+mn-cs"/>
+        </a:defRPr>
+      </a:lvl4pPr>
+      <a:lvl5pPr marL="2057400" indent="-228600" algn="l" defTabSz="914400" rtl="0" eaLnBrk="1" latinLnBrk="0" hangingPunct="1">
+        <a:lnSpc>
+          <a:spcPct val="90000"/>
+        </a:lnSpc>
+        <a:spcBef>
+          <a:spcPts val="500"/>
+        </a:spcBef>
+        <a:buFont typeface="Arial" panose="020B0604020202020204" pitchFamily="34" charset="0"/>
+        <a:buChar char="•"/>
+        <a:defRPr sz="1800" kern="1200">
+          <a:solidFill>
+            <a:schemeClr val="tx1"/>
+          </a:solidFill>
+          <a:latin typeface="+mn-lt"/>
+          <a:ea typeface="+mn-ea"/>
+          <a:cs typeface="+mn-cs"/>
+        </a:defRPr>
+      </a:lvl5pPr>
+      <a:lvl6pPr marL="2514600" indent="-228600" algn="l" defTabSz="914400" rtl="0" eaLnBrk="1" latinLnBrk="0" hangingPunct="1">
+        <a:lnSpc>
+          <a:spcPct val="90000"/>
+        </a:lnSpc>
+        <a:spcBef>
+          <a:spcPts val="500"/>
+        </a:spcBef>
+        <a:buFont typeface="Arial" panose="020B0604020202020204" pitchFamily="34" charset="0"/>
+        <a:buChar char="•"/>
+        <a:defRPr sz="1800" kern="1200">
+          <a:solidFill>
+            <a:schemeClr val="tx1"/>
+          </a:solidFill>
+          <a:latin typeface="+mn-lt"/>
+          <a:ea typeface="+mn-ea"/>
+          <a:cs typeface="+mn-cs"/>
+        </a:defRPr>
+      </a:lvl6pPr>
+      <a:lvl7pPr marL="2971800" indent="-228600" algn="l" defTabSz="914400" rtl="0" eaLnBrk="1" latinLnBrk="0" hangingPunct="1">
+        <a:lnSpc>
+          <a:spcPct val="90000"/>
+        </a:lnSpc>
+        <a:spcBef>
+          <a:spcPts val="500"/>
+        </a:spcBef>
+        <a:buFont typeface="Arial" panose="020B0604020202020204" pitchFamily="34" charset="0"/>
+        <a:buChar char="•"/>
+        <a:defRPr sz="1800" kern="1200">
+          <a:solidFill>
+            <a:schemeClr val="tx1"/>
+          </a:solidFill>
+          <a:latin typeface="+mn-lt"/>
+          <a:ea typeface="+mn-ea"/>
+          <a:cs typeface="+mn-cs"/>
+        </a:defRPr>
+      </a:lvl7pPr>
+      <a:lvl8pPr marL="3429000" indent="-228600" algn="l" defTabSz="914400" rtl="0" eaLnBrk="1" latinLnBrk="0" hangingPunct="1">
+        <a:lnSpc>
+          <a:spcPct val="90000"/>
+        </a:lnSpc>
+        <a:spcBef>
+          <a:spcPts val="500"/>
+        </a:spcBef>
+        <a:buFont typeface="Arial" panose="020B0604020202020204" pitchFamily="34" charset="0"/>
+        <a:buChar char="•"/>
+        <a:defRPr sz="1800" kern="1200">
+          <a:solidFill>
+            <a:schemeClr val="tx1"/>
+          </a:solidFill>
+          <a:latin typeface="+mn-lt"/>
+          <a:ea typeface="+mn-ea"/>
+          <a:cs typeface="+mn-cs"/>
+        </a:defRPr>
+      </a:lvl8pPr>
+      <a:lvl9pPr marL="3886200" indent="-228600" algn="l" defTabSz="914400" rtl="0" eaLnBrk="1" latinLnBrk="0" hangingPunct="1">
+        <a:lnSpc>
+          <a:spcPct val="90000"/>
+        </a:lnSpc>
+        <a:spcBef>
+          <a:spcPts val="500"/>
+        </a:spcBef>
+        <a:buFont typeface="Arial" panose="020B0604020202020204" pitchFamily="34" charset="0"/>
+        <a:buChar char="•"/>
+        <a:defRPr sz="1800" kern="1200">
+          <a:solidFill>
+            <a:schemeClr val="tx1"/>
+          </a:solidFill>
+          <a:latin typeface="+mn-lt"/>
+          <a:ea typeface="+mn-ea"/>
+          <a:cs typeface="+mn-cs"/>
+        </a:defRPr>
+      </a:lvl9pPr>
+    </p:bodyStyle>
+    <p:otherStyle>
+      <a:defPPr>
+        <a:defRPr lang="fr-FR"/>
+      </a:defPPr>
+      <a:lvl1pPr marL="0" algn="l" defTabSz="914400" rtl="0" eaLnBrk="1" latinLnBrk="0" hangingPunct="1">
+        <a:defRPr sz="1800" kern="1200">
+          <a:solidFill>
+            <a:schemeClr val="tx1"/>
+          </a:solidFill>
+          <a:latin typeface="+mn-lt"/>
+          <a:ea typeface="+mn-ea"/>
+          <a:cs typeface="+mn-cs"/>
+        </a:defRPr>
+      </a:lvl1pPr>
+      <a:lvl2pPr marL="457200" algn="l" defTabSz="914400" rtl="0" eaLnBrk="1" latinLnBrk="0" hangingPunct="1">
+        <a:defRPr sz="1800" kern="1200">
+          <a:solidFill>
+            <a:schemeClr val="tx1"/>
+          </a:solidFill>
+          <a:latin typeface="+mn-lt"/>
+          <a:ea typeface="+mn-ea"/>
+          <a:cs typeface="+mn-cs"/>
+        </a:defRPr>
+      </a:lvl2pPr>
+      <a:lvl3pPr marL="914400" algn="l" defTabSz="914400" rtl="0" eaLnBrk="1" latinLnBrk="0" hangingPunct="1">
+        <a:defRPr sz="1800" kern="1200">
+          <a:solidFill>
+            <a:schemeClr val="tx1"/>
+          </a:solidFill>
+          <a:latin typeface="+mn-lt"/>
+          <a:ea typeface="+mn-ea"/>
+          <a:cs typeface="+mn-cs"/>
+        </a:defRPr>
+      </a:lvl3pPr>
+      <a:lvl4pPr marL="1371600" algn="l" defTabSz="914400" rtl="0" eaLnBrk="1" latinLnBrk="0" hangingPunct="1">
+        <a:defRPr sz="1800" kern="1200">
+          <a:solidFill>
+            <a:schemeClr val="tx1"/>
+          </a:solidFill>
+          <a:latin typeface="+mn-lt"/>
+          <a:ea typeface="+mn-ea"/>
+          <a:cs typeface="+mn-cs"/>
+        </a:defRPr>
+      </a:lvl4pPr>
+      <a:lvl5pPr marL="1828800" algn="l" defTabSz="914400" rtl="0" eaLnBrk="1" latinLnBrk="0" hangingPunct="1">
+        <a:defRPr sz="1800" kern="1200">
+          <a:solidFill>
+            <a:schemeClr val="tx1"/>
+          </a:solidFill>
+          <a:latin typeface="+mn-lt"/>
+          <a:ea typeface="+mn-ea"/>
+          <a:cs typeface="+mn-cs"/>
+        </a:defRPr>
+      </a:lvl5pPr>
+      <a:lvl6pPr marL="2286000" algn="l" defTabSz="914400" rtl="0" eaLnBrk="1" latinLnBrk="0" hangingPunct="1">
+        <a:defRPr sz="1800" kern="1200">
+          <a:solidFill>
+            <a:schemeClr val="tx1"/>
+          </a:solidFill>
+          <a:latin typeface="+mn-lt"/>
+          <a:ea typeface="+mn-ea"/>
+          <a:cs typeface="+mn-cs"/>
+        </a:defRPr>
+      </a:lvl6pPr>
+      <a:lvl7pPr marL="2743200" algn="l" defTabSz="914400" rtl="0" eaLnBrk="1" latinLnBrk="0" hangingPunct="1">
+        <a:defRPr sz="1800" kern="1200">
+          <a:solidFill>
+            <a:schemeClr val="tx1"/>
+          </a:solidFill>
+          <a:latin typeface="+mn-lt"/>
+          <a:ea typeface="+mn-ea"/>
+          <a:cs typeface="+mn-cs"/>
+        </a:defRPr>
+      </a:lvl7pPr>
+      <a:lvl8pPr marL="3200400" algn="l" defTabSz="914400" rtl="0" eaLnBrk="1" latinLnBrk="0" hangingPunct="1">
+        <a:defRPr sz="1800" kern="1200">
+          <a:solidFill>
+            <a:schemeClr val="tx1"/>
+          </a:solidFill>
+          <a:latin typeface="+mn-lt"/>
+          <a:ea typeface="+mn-ea"/>
+          <a:cs typeface="+mn-cs"/>
+        </a:defRPr>
+      </a:lvl8pPr>
+      <a:lvl9pPr marL="3657600" algn="l" defTabSz="914400" rtl="0" eaLnBrk="1" latinLnBrk="0" hangingPunct="1">
+        <a:defRPr sz="1800" kern="1200">
+          <a:solidFill>
+            <a:schemeClr val="tx1"/>
+          </a:solidFill>
+          <a:latin typeface="+mn-lt"/>
+          <a:ea typeface="+mn-ea"/>
+          <a:cs typeface="+mn-cs"/>
+        </a:defRPr>
+      </a:lvl9pPr>
+    </p:otherStyle>
+  </p:txStyles>
 </p:sldMaster>
 </file>
 
 <file path=ppt/slides/slide1.xml><?xml version="1.0" encoding="utf-8"?>
-<p:sld xmlns:a="http://schemas.openxmlformats.org/drawingml/2006/main" xmlns:p="http://schemas.openxmlformats.org/presentationml/2006/main" xmlns:r="http://schemas.openxmlformats.org/officeDocument/2006/relationships" xmlns:p14="http://schemas.microsoft.com/office/powerpoint/2010/main" xmlns:p15="http://schemas.microsoft.com/office/powerpoint/2012/main" xmlns:mc="http://schemas.openxmlformats.org/markup-compatibility/2006">
+<p:sld xmlns:a="http://schemas.openxmlformats.org/drawingml/2006/main" xmlns:r="http://schemas.openxmlformats.org/officeDocument/2006/relationships" xmlns:p="http://schemas.openxmlformats.org/presentationml/2006/main">
   <p:cSld>
     <p:spTree>
       <p:nvGrpSpPr>
@@ -6475,6 +7558,7 @@
           <a:bodyPr anchor="b">
             <a:noAutofit/>
           </a:bodyPr>
+          <a:lstStyle/>
           <a:p>
             <a:pPr algn="ctr">
               <a:lnSpc>
@@ -6482,7 +7566,7 @@
               </a:lnSpc>
             </a:pPr>
             <a:r>
-              <a:rPr b="0" lang="fr-FR" sz="5400" spc="-1" strike="noStrike">
+              <a:rPr lang="fr-FR" sz="5400" b="0" strike="noStrike" spc="-1">
                 <a:solidFill>
                   <a:srgbClr val="262626"/>
                 </a:solidFill>
@@ -6490,7 +7574,7 @@
               </a:rPr>
               <a:t>Initiation Machine Learning &amp;ACP</a:t>
             </a:r>
-            <a:endParaRPr b="0" lang="en-US" sz="5400" spc="-1" strike="noStrike">
+            <a:endParaRPr lang="en-US" sz="5400" b="0" strike="noStrike" spc="-1">
               <a:solidFill>
                 <a:srgbClr val="000000"/>
               </a:solidFill>
@@ -6520,8 +7604,9 @@
         </p:spPr>
         <p:txBody>
           <a:bodyPr>
-            <a:normAutofit fontScale="94000"/>
-          </a:bodyPr>
+            <a:normAutofit fontScale="94000" lnSpcReduction="10000"/>
+          </a:bodyPr>
+          <a:lstStyle/>
           <a:p>
             <a:pPr algn="ctr">
               <a:lnSpc>
@@ -6534,11 +7619,11 @@
                 <a:spcPts val="601"/>
               </a:spcAft>
               <a:tabLst>
-                <a:tab algn="l" pos="0"/>
+                <a:tab pos="0" algn="l"/>
               </a:tabLst>
             </a:pPr>
             <a:r>
-              <a:rPr b="0" lang="fr-FR" sz="2100" spc="-1" strike="noStrike">
+              <a:rPr lang="fr-FR" sz="2100" b="0" strike="noStrike" spc="-1">
                 <a:solidFill>
                   <a:srgbClr val="000000"/>
                 </a:solidFill>
@@ -6546,7 +7631,7 @@
               </a:rPr>
               <a:t>Rochas – Tranchat - Nayet</a:t>
             </a:r>
-            <a:endParaRPr b="0" lang="fr-FR" sz="2100" spc="-1" strike="noStrike">
+            <a:endParaRPr lang="fr-FR" sz="2100" b="0" strike="noStrike" spc="-1">
               <a:latin typeface="Arial"/>
             </a:endParaRPr>
           </a:p>
@@ -6554,11 +7639,14 @@
       </p:sp>
     </p:spTree>
   </p:cSld>
-  <mc:AlternateContent>
+  <p:clrMapOvr>
+    <a:masterClrMapping/>
+  </p:clrMapOvr>
+  <mc:AlternateContent xmlns:mc="http://schemas.openxmlformats.org/markup-compatibility/2006" xmlns:p14="http://schemas.microsoft.com/office/powerpoint/2010/main">
     <mc:Choice Requires="p14">
       <p:transition spd="slow" p14:dur="2000"/>
     </mc:Choice>
-    <mc:Fallback>
+    <mc:Fallback xmlns:p15="http://schemas.microsoft.com/office/powerpoint/2012/main" xmlns="">
       <p:transition spd="slow"/>
     </mc:Fallback>
   </mc:AlternateContent>
@@ -6566,7 +7654,7 @@
 </file>
 
 <file path=ppt/slides/slide2.xml><?xml version="1.0" encoding="utf-8"?>
-<p:sld xmlns:a="http://schemas.openxmlformats.org/drawingml/2006/main" xmlns:p="http://schemas.openxmlformats.org/presentationml/2006/main" xmlns:r="http://schemas.openxmlformats.org/officeDocument/2006/relationships" xmlns:p14="http://schemas.microsoft.com/office/powerpoint/2010/main" xmlns:p15="http://schemas.microsoft.com/office/powerpoint/2012/main" xmlns:mc="http://schemas.openxmlformats.org/markup-compatibility/2006">
+<p:sld xmlns:a="http://schemas.openxmlformats.org/drawingml/2006/main" xmlns:r="http://schemas.openxmlformats.org/officeDocument/2006/relationships" xmlns:p="http://schemas.openxmlformats.org/presentationml/2006/main">
   <p:cSld>
     <p:spTree>
       <p:nvGrpSpPr>
@@ -6605,6 +7693,7 @@
           <a:bodyPr anchor="ctr">
             <a:noAutofit/>
           </a:bodyPr>
+          <a:lstStyle/>
           <a:p>
             <a:pPr algn="ctr">
               <a:lnSpc>
@@ -6612,7 +7701,7 @@
               </a:lnSpc>
             </a:pPr>
             <a:r>
-              <a:rPr b="0" lang="fr-FR" sz="4400" spc="-1" strike="noStrike">
+              <a:rPr lang="fr-FR" sz="4400" b="0" strike="noStrike" spc="-1">
                 <a:solidFill>
                   <a:srgbClr val="262626"/>
                 </a:solidFill>
@@ -6620,7 +7709,7 @@
               </a:rPr>
               <a:t>Objectifs</a:t>
             </a:r>
-            <a:endParaRPr b="0" lang="en-US" sz="4400" spc="-1" strike="noStrike">
+            <a:endParaRPr lang="en-US" sz="4400" b="0" strike="noStrike" spc="-1">
               <a:solidFill>
                 <a:srgbClr val="000000"/>
               </a:solidFill>
@@ -6652,6 +7741,7 @@
           <a:bodyPr>
             <a:noAutofit/>
           </a:bodyPr>
+          <a:lstStyle/>
           <a:p>
             <a:pPr marL="285840" indent="-285480">
               <a:lnSpc>
@@ -6664,14 +7754,14 @@
                 <a:spcPts val="601"/>
               </a:spcAft>
               <a:buClr>
-                <a:srgbClr val="83992a"/>
+                <a:srgbClr val="83992A"/>
               </a:buClr>
               <a:buSzPct val="115000"/>
               <a:buFont typeface="Arial"/>
               <a:buChar char="•"/>
             </a:pPr>
             <a:r>
-              <a:rPr b="0" lang="fr-FR" sz="2400" spc="-1" strike="noStrike">
+              <a:rPr lang="fr-FR" sz="2400" b="0" strike="noStrike" spc="-1">
                 <a:solidFill>
                   <a:srgbClr val="262626"/>
                 </a:solidFill>
@@ -6679,7 +7769,7 @@
               </a:rPr>
               <a:t>Machine learning non supervisé</a:t>
             </a:r>
-            <a:endParaRPr b="0" lang="en-US" sz="2400" spc="-1" strike="noStrike">
+            <a:endParaRPr lang="en-US" sz="2400" b="0" strike="noStrike" spc="-1">
               <a:solidFill>
                 <a:srgbClr val="262626"/>
               </a:solidFill>
@@ -6698,14 +7788,14 @@
                 <a:spcPts val="601"/>
               </a:spcAft>
               <a:buClr>
-                <a:srgbClr val="83992a"/>
+                <a:srgbClr val="83992A"/>
               </a:buClr>
               <a:buSzPct val="115000"/>
               <a:buFont typeface="Arial"/>
               <a:buChar char="•"/>
             </a:pPr>
             <a:r>
-              <a:rPr b="0" lang="fr-FR" sz="2400" spc="-1" strike="noStrike">
+              <a:rPr lang="fr-FR" sz="2400" b="0" strike="noStrike" spc="-1">
                 <a:solidFill>
                   <a:srgbClr val="262626"/>
                 </a:solidFill>
@@ -6713,7 +7803,7 @@
               </a:rPr>
               <a:t>Analyse en Composantes Principales (ACP)</a:t>
             </a:r>
-            <a:endParaRPr b="0" lang="en-US" sz="2400" spc="-1" strike="noStrike">
+            <a:endParaRPr lang="en-US" sz="2400" b="0" strike="noStrike" spc="-1">
               <a:solidFill>
                 <a:srgbClr val="262626"/>
               </a:solidFill>
@@ -6724,30 +7814,7 @@
       </p:sp>
       <p:pic>
         <p:nvPicPr>
-          <p:cNvPr id="151" name="Image 5" descr=""/>
-          <p:cNvPicPr/>
-          <p:nvPr/>
-        </p:nvPicPr>
-        <p:blipFill>
-          <a:blip r:embed="rId1"/>
-          <a:stretch/>
-        </p:blipFill>
-        <p:spPr>
-          <a:xfrm>
-            <a:off x="6224040" y="4526640"/>
-            <a:ext cx="1403280" cy="1403280"/>
-          </a:xfrm>
-          <a:prstGeom prst="rect">
-            <a:avLst/>
-          </a:prstGeom>
-          <a:ln>
-            <a:noFill/>
-          </a:ln>
-        </p:spPr>
-      </p:pic>
-      <p:pic>
-        <p:nvPicPr>
-          <p:cNvPr id="152" name="Image 6" descr=""/>
+          <p:cNvPr id="151" name="Image 5"/>
           <p:cNvPicPr/>
           <p:nvPr/>
         </p:nvPicPr>
@@ -6756,6 +7823,29 @@
           <a:stretch/>
         </p:blipFill>
         <p:spPr>
+          <a:xfrm>
+            <a:off x="6224040" y="4526640"/>
+            <a:ext cx="1403280" cy="1403280"/>
+          </a:xfrm>
+          <a:prstGeom prst="rect">
+            <a:avLst/>
+          </a:prstGeom>
+          <a:ln>
+            <a:noFill/>
+          </a:ln>
+        </p:spPr>
+      </p:pic>
+      <p:pic>
+        <p:nvPicPr>
+          <p:cNvPr id="152" name="Image 6"/>
+          <p:cNvPicPr/>
+          <p:nvPr/>
+        </p:nvPicPr>
+        <p:blipFill>
+          <a:blip r:embed="rId2"/>
+          <a:stretch/>
+        </p:blipFill>
+        <p:spPr>
           <a:xfrm rot="3960000">
             <a:off x="7216920" y="3987720"/>
             <a:ext cx="1443600" cy="1443600"/>
@@ -6770,7 +7860,7 @@
       </p:pic>
       <p:pic>
         <p:nvPicPr>
-          <p:cNvPr id="153" name="Image 7" descr=""/>
+          <p:cNvPr id="153" name="Image 7"/>
           <p:cNvPicPr/>
           <p:nvPr/>
         </p:nvPicPr>
@@ -6793,11 +7883,14 @@
       </p:pic>
     </p:spTree>
   </p:cSld>
-  <mc:AlternateContent>
+  <p:clrMapOvr>
+    <a:masterClrMapping/>
+  </p:clrMapOvr>
+  <mc:AlternateContent xmlns:mc="http://schemas.openxmlformats.org/markup-compatibility/2006" xmlns:p14="http://schemas.microsoft.com/office/powerpoint/2010/main">
     <mc:Choice Requires="p14">
       <p:transition spd="slow" p14:dur="2000"/>
     </mc:Choice>
-    <mc:Fallback>
+    <mc:Fallback xmlns:p15="http://schemas.microsoft.com/office/powerpoint/2012/main" xmlns="">
       <p:transition spd="slow"/>
     </mc:Fallback>
   </mc:AlternateContent>
@@ -6805,7 +7898,7 @@
 </file>
 
 <file path=ppt/slides/slide3.xml><?xml version="1.0" encoding="utf-8"?>
-<p:sld xmlns:a="http://schemas.openxmlformats.org/drawingml/2006/main" xmlns:p="http://schemas.openxmlformats.org/presentationml/2006/main" xmlns:r="http://schemas.openxmlformats.org/officeDocument/2006/relationships" xmlns:p14="http://schemas.microsoft.com/office/powerpoint/2010/main" xmlns:p15="http://schemas.microsoft.com/office/powerpoint/2012/main" xmlns:mc="http://schemas.openxmlformats.org/markup-compatibility/2006">
+<p:sld xmlns:a="http://schemas.openxmlformats.org/drawingml/2006/main" xmlns:r="http://schemas.openxmlformats.org/officeDocument/2006/relationships" xmlns:p="http://schemas.openxmlformats.org/presentationml/2006/main">
   <p:cSld>
     <p:spTree>
       <p:nvGrpSpPr>
@@ -6841,107 +7934,72 @@
           </a:ln>
         </p:spPr>
         <p:txBody>
-          <a:bodyPr lIns="0" rIns="0" tIns="0" bIns="0" anchor="ctr">
+          <a:bodyPr lIns="0" tIns="0" rIns="0" bIns="0" anchor="ctr">
             <a:noAutofit/>
           </a:bodyPr>
+          <a:lstStyle/>
           <a:p>
             <a:pPr algn="ctr"/>
             <a:r>
-              <a:rPr b="0" lang="en-US" sz="3200" spc="-1" strike="noStrike">
+              <a:rPr lang="en-US" sz="3200" b="0" strike="noStrike" spc="-1" dirty="0" err="1">
                 <a:solidFill>
                   <a:srgbClr val="000000"/>
                 </a:solidFill>
                 <a:latin typeface="Garamond"/>
               </a:rPr>
-              <a:t>Analyse en composante principale (ACP)</a:t>
+              <a:t>Analyse</a:t>
             </a:r>
-            <a:endParaRPr b="0" lang="en-US" sz="3200" spc="-1" strike="noStrike">
-              <a:solidFill>
-                <a:srgbClr val="000000"/>
-              </a:solidFill>
-              <a:latin typeface="Garamond"/>
-            </a:endParaRPr>
+            <a:r>
+              <a:rPr lang="en-US" sz="3200" b="0" strike="noStrike" spc="-1" dirty="0">
+                <a:solidFill>
+                  <a:srgbClr val="000000"/>
+                </a:solidFill>
+                <a:latin typeface="Garamond"/>
+              </a:rPr>
+              <a:t> en </a:t>
+            </a:r>
+            <a:r>
+              <a:rPr lang="en-US" sz="3200" b="0" strike="noStrike" spc="-1" dirty="0" err="1">
+                <a:solidFill>
+                  <a:srgbClr val="000000"/>
+                </a:solidFill>
+                <a:latin typeface="Garamond"/>
+              </a:rPr>
+              <a:t>composante</a:t>
+            </a:r>
+            <a:r>
+              <a:rPr lang="en-US" sz="3200" b="0" strike="noStrike" spc="-1" dirty="0">
+                <a:solidFill>
+                  <a:srgbClr val="000000"/>
+                </a:solidFill>
+                <a:latin typeface="Garamond"/>
+              </a:rPr>
+              <a:t> </a:t>
+            </a:r>
+            <a:r>
+              <a:rPr lang="en-US" sz="3200" b="0" strike="noStrike" spc="-1" dirty="0" err="1">
+                <a:solidFill>
+                  <a:srgbClr val="000000"/>
+                </a:solidFill>
+                <a:latin typeface="Garamond"/>
+              </a:rPr>
+              <a:t>principale</a:t>
+            </a:r>
+            <a:r>
+              <a:rPr lang="en-US" sz="3200" b="0" strike="noStrike" spc="-1" dirty="0">
+                <a:solidFill>
+                  <a:srgbClr val="000000"/>
+                </a:solidFill>
+                <a:latin typeface="Garamond"/>
+              </a:rPr>
+              <a:t> (ACP)</a:t>
+            </a:r>
           </a:p>
         </p:txBody>
       </p:sp>
       <p:pic>
         <p:nvPicPr>
-          <p:cNvPr id="155" name="" descr=""/>
-          <p:cNvPicPr/>
-          <p:nvPr/>
-        </p:nvPicPr>
-        <p:blipFill>
-          <a:blip r:embed="rId1"/>
-          <a:stretch/>
-        </p:blipFill>
-        <p:spPr>
-          <a:xfrm>
-            <a:off x="5040000" y="2664000"/>
-            <a:ext cx="3096000" cy="3096000"/>
-          </a:xfrm>
-          <a:prstGeom prst="rect">
-            <a:avLst/>
-          </a:prstGeom>
-          <a:ln>
-            <a:noFill/>
-          </a:ln>
-        </p:spPr>
-      </p:pic>
-      <p:sp>
-        <p:nvSpPr>
-          <p:cNvPr id="156" name="TextShape 2"/>
-          <p:cNvSpPr txBox="1"/>
-          <p:nvPr/>
-        </p:nvSpPr>
-        <p:spPr>
-          <a:xfrm>
-            <a:off x="1656000" y="3250440"/>
-            <a:ext cx="3168000" cy="1789560"/>
-          </a:xfrm>
-          <a:prstGeom prst="rect">
-            <a:avLst/>
-          </a:prstGeom>
-          <a:noFill/>
-          <a:ln>
-            <a:noFill/>
-          </a:ln>
-        </p:spPr>
-        <p:txBody>
-          <a:bodyPr lIns="90000" rIns="90000" tIns="45000" bIns="45000">
-            <a:noAutofit/>
-          </a:bodyPr>
-          <a:p>
-            <a:r>
-              <a:rPr b="0" lang="fr-FR" sz="2400" spc="-1" strike="noStrike">
-                <a:latin typeface="Arial"/>
-              </a:rPr>
-              <a:t>- qu'est-ce que l’acp ?</a:t>
-            </a:r>
-            <a:endParaRPr b="0" lang="fr-FR" sz="2400" spc="-1" strike="noStrike">
-              <a:latin typeface="Arial"/>
-            </a:endParaRPr>
-          </a:p>
-          <a:p>
-            <a:endParaRPr b="0" lang="fr-FR" sz="2400" spc="-1" strike="noStrike">
-              <a:latin typeface="Arial"/>
-            </a:endParaRPr>
-          </a:p>
-          <a:p>
-            <a:r>
-              <a:rPr b="0" lang="fr-FR" sz="2400" spc="-1" strike="noStrike">
-                <a:latin typeface="Arial"/>
-              </a:rPr>
-              <a:t>- à quoi sert l’acp ?</a:t>
-            </a:r>
-            <a:endParaRPr b="0" lang="fr-FR" sz="2400" spc="-1" strike="noStrike">
-              <a:latin typeface="Arial"/>
-            </a:endParaRPr>
-          </a:p>
-        </p:txBody>
-      </p:sp>
-      <p:pic>
-        <p:nvPicPr>
-          <p:cNvPr id="157" name="" descr=""/>
+          <p:cNvPr id="155" name="Image 154"/>
           <p:cNvPicPr/>
           <p:nvPr/>
         </p:nvPicPr>
@@ -6951,8 +8009,8 @@
         </p:blipFill>
         <p:spPr>
           <a:xfrm>
-            <a:off x="8446680" y="2825640"/>
-            <a:ext cx="2857320" cy="2790360"/>
+            <a:off x="5040000" y="2664000"/>
+            <a:ext cx="3096000" cy="3096000"/>
           </a:xfrm>
           <a:prstGeom prst="rect">
             <a:avLst/>
@@ -6962,13 +8020,110 @@
           </a:ln>
         </p:spPr>
       </p:pic>
+      <p:sp>
+        <p:nvSpPr>
+          <p:cNvPr id="156" name="TextShape 2"/>
+          <p:cNvSpPr txBox="1"/>
+          <p:nvPr/>
+        </p:nvSpPr>
+        <p:spPr>
+          <a:xfrm>
+            <a:off x="1656000" y="3250440"/>
+            <a:ext cx="3168000" cy="1789560"/>
+          </a:xfrm>
+          <a:prstGeom prst="rect">
+            <a:avLst/>
+          </a:prstGeom>
+          <a:noFill/>
+          <a:ln>
+            <a:noFill/>
+          </a:ln>
+        </p:spPr>
+        <p:txBody>
+          <a:bodyPr lIns="90000" tIns="45000" rIns="90000" bIns="45000">
+            <a:noAutofit/>
+          </a:bodyPr>
+          <a:lstStyle/>
+          <a:p>
+            <a:r>
+              <a:rPr lang="fr-FR" sz="2400" b="0" strike="noStrike" spc="-1" dirty="0">
+                <a:latin typeface="Garamond" panose="02020404030301010803" pitchFamily="18" charset="0"/>
+              </a:rPr>
+              <a:t>- qu'est-ce que </a:t>
+            </a:r>
+            <a:r>
+              <a:rPr lang="fr-FR" sz="2400" b="0" strike="noStrike" spc="-1" dirty="0" err="1">
+                <a:latin typeface="Garamond" panose="02020404030301010803" pitchFamily="18" charset="0"/>
+              </a:rPr>
+              <a:t>l’acp</a:t>
+            </a:r>
+            <a:r>
+              <a:rPr lang="fr-FR" sz="2400" b="0" strike="noStrike" spc="-1" dirty="0">
+                <a:latin typeface="Garamond" panose="02020404030301010803" pitchFamily="18" charset="0"/>
+              </a:rPr>
+              <a:t> ?</a:t>
+            </a:r>
+          </a:p>
+          <a:p>
+            <a:endParaRPr lang="fr-FR" sz="2400" b="0" strike="noStrike" spc="-1" dirty="0">
+              <a:latin typeface="Garamond" panose="02020404030301010803" pitchFamily="18" charset="0"/>
+            </a:endParaRPr>
+          </a:p>
+          <a:p>
+            <a:r>
+              <a:rPr lang="fr-FR" sz="2400" b="0" strike="noStrike" spc="-1" dirty="0">
+                <a:latin typeface="Garamond" panose="02020404030301010803" pitchFamily="18" charset="0"/>
+              </a:rPr>
+              <a:t>- à quoi sert </a:t>
+            </a:r>
+            <a:r>
+              <a:rPr lang="fr-FR" sz="2400" b="0" strike="noStrike" spc="-1" dirty="0" err="1">
+                <a:latin typeface="Garamond" panose="02020404030301010803" pitchFamily="18" charset="0"/>
+              </a:rPr>
+              <a:t>l’acp</a:t>
+            </a:r>
+            <a:r>
+              <a:rPr lang="fr-FR" sz="2400" b="0" strike="noStrike" spc="-1" dirty="0">
+                <a:latin typeface="Garamond" panose="02020404030301010803" pitchFamily="18" charset="0"/>
+              </a:rPr>
+              <a:t> ?</a:t>
+            </a:r>
+          </a:p>
+        </p:txBody>
+      </p:sp>
+      <p:pic>
+        <p:nvPicPr>
+          <p:cNvPr id="157" name="Image 156"/>
+          <p:cNvPicPr/>
+          <p:nvPr/>
+        </p:nvPicPr>
+        <p:blipFill>
+          <a:blip r:embed="rId3"/>
+          <a:stretch/>
+        </p:blipFill>
+        <p:spPr>
+          <a:xfrm>
+            <a:off x="8446680" y="2825640"/>
+            <a:ext cx="2857320" cy="2790360"/>
+          </a:xfrm>
+          <a:prstGeom prst="rect">
+            <a:avLst/>
+          </a:prstGeom>
+          <a:ln>
+            <a:noFill/>
+          </a:ln>
+        </p:spPr>
+      </p:pic>
     </p:spTree>
   </p:cSld>
-  <mc:AlternateContent>
+  <p:clrMapOvr>
+    <a:masterClrMapping/>
+  </p:clrMapOvr>
+  <mc:AlternateContent xmlns:mc="http://schemas.openxmlformats.org/markup-compatibility/2006" xmlns:p14="http://schemas.microsoft.com/office/powerpoint/2010/main">
     <mc:Choice Requires="p14">
       <p:transition spd="slow" p14:dur="2000"/>
     </mc:Choice>
-    <mc:Fallback>
+    <mc:Fallback xmlns:p15="http://schemas.microsoft.com/office/powerpoint/2012/main" xmlns="">
       <p:transition spd="slow"/>
     </mc:Fallback>
   </mc:AlternateContent>
@@ -6976,7 +8131,7 @@
 </file>
 
 <file path=ppt/slides/slide4.xml><?xml version="1.0" encoding="utf-8"?>
-<p:sld xmlns:a="http://schemas.openxmlformats.org/drawingml/2006/main" xmlns:p="http://schemas.openxmlformats.org/presentationml/2006/main" xmlns:r="http://schemas.openxmlformats.org/officeDocument/2006/relationships" xmlns:p14="http://schemas.microsoft.com/office/powerpoint/2010/main" xmlns:p15="http://schemas.microsoft.com/office/powerpoint/2012/main" xmlns:mc="http://schemas.openxmlformats.org/markup-compatibility/2006">
+<p:sld xmlns:a="http://schemas.openxmlformats.org/drawingml/2006/main" xmlns:r="http://schemas.openxmlformats.org/officeDocument/2006/relationships" xmlns:p="http://schemas.openxmlformats.org/presentationml/2006/main">
   <p:cSld>
     <p:spTree>
       <p:nvGrpSpPr>
@@ -6994,12 +8149,12 @@
       </p:grpSpPr>
       <p:pic>
         <p:nvPicPr>
-          <p:cNvPr id="158" name="Image 4" descr=""/>
+          <p:cNvPr id="158" name="Image 4"/>
           <p:cNvPicPr/>
           <p:nvPr/>
         </p:nvPicPr>
         <p:blipFill>
-          <a:blip r:embed="rId1"/>
+          <a:blip r:embed="rId2"/>
           <a:stretch/>
         </p:blipFill>
         <p:spPr>
@@ -7017,11 +8172,14 @@
       </p:pic>
     </p:spTree>
   </p:cSld>
-  <mc:AlternateContent>
+  <p:clrMapOvr>
+    <a:masterClrMapping/>
+  </p:clrMapOvr>
+  <mc:AlternateContent xmlns:mc="http://schemas.openxmlformats.org/markup-compatibility/2006" xmlns:p14="http://schemas.microsoft.com/office/powerpoint/2010/main">
     <mc:Choice Requires="p14">
       <p:transition spd="slow" p14:dur="2000"/>
     </mc:Choice>
-    <mc:Fallback>
+    <mc:Fallback xmlns:p15="http://schemas.microsoft.com/office/powerpoint/2012/main" xmlns="">
       <p:transition spd="slow"/>
     </mc:Fallback>
   </mc:AlternateContent>
@@ -7029,7 +8187,7 @@
 </file>
 
 <file path=ppt/slides/slide5.xml><?xml version="1.0" encoding="utf-8"?>
-<p:sld xmlns:a="http://schemas.openxmlformats.org/drawingml/2006/main" xmlns:p="http://schemas.openxmlformats.org/presentationml/2006/main" xmlns:r="http://schemas.openxmlformats.org/officeDocument/2006/relationships" xmlns:p14="http://schemas.microsoft.com/office/powerpoint/2010/main" xmlns:p15="http://schemas.microsoft.com/office/powerpoint/2012/main" xmlns:mc="http://schemas.openxmlformats.org/markup-compatibility/2006">
+<p:sld xmlns:a="http://schemas.openxmlformats.org/drawingml/2006/main" xmlns:r="http://schemas.openxmlformats.org/officeDocument/2006/relationships" xmlns:p="http://schemas.openxmlformats.org/presentationml/2006/main">
   <p:cSld>
     <p:spTree>
       <p:nvGrpSpPr>
@@ -7068,6 +8226,7 @@
           <a:bodyPr anchor="ctr">
             <a:noAutofit/>
           </a:bodyPr>
+          <a:lstStyle/>
           <a:p>
             <a:pPr algn="ctr">
               <a:lnSpc>
@@ -7075,7 +8234,7 @@
               </a:lnSpc>
             </a:pPr>
             <a:r>
-              <a:rPr b="0" lang="fr-FR" sz="4400" spc="-1" strike="noStrike">
+              <a:rPr lang="fr-FR" sz="4400" b="0" strike="noStrike" spc="-1">
                 <a:solidFill>
                   <a:srgbClr val="262626"/>
                 </a:solidFill>
@@ -7083,7 +8242,7 @@
               </a:rPr>
               <a:t>Technologies utilisés</a:t>
             </a:r>
-            <a:endParaRPr b="0" lang="en-US" sz="4400" spc="-1" strike="noStrike">
+            <a:endParaRPr lang="en-US" sz="4400" b="0" strike="noStrike" spc="-1">
               <a:solidFill>
                 <a:srgbClr val="000000"/>
               </a:solidFill>
@@ -7115,6 +8274,7 @@
           <a:bodyPr>
             <a:normAutofit/>
           </a:bodyPr>
+          <a:lstStyle/>
           <a:p>
             <a:pPr>
               <a:lnSpc>
@@ -7127,11 +8287,11 @@
                 <a:spcPts val="601"/>
               </a:spcAft>
               <a:tabLst>
-                <a:tab algn="l" pos="0"/>
+                <a:tab pos="0" algn="l"/>
               </a:tabLst>
             </a:pPr>
             <a:r>
-              <a:rPr b="1" lang="fr-FR" sz="1600" spc="-1" strike="noStrike">
+              <a:rPr lang="fr-FR" sz="1600" b="1" strike="noStrike" spc="-1">
                 <a:solidFill>
                   <a:srgbClr val="262626"/>
                 </a:solidFill>
@@ -7140,7 +8300,7 @@
               <a:t>Langage</a:t>
             </a:r>
             <a:r>
-              <a:rPr b="0" lang="fr-FR" sz="1600" spc="-1" strike="noStrike">
+              <a:rPr lang="fr-FR" sz="1600" b="0" strike="noStrike" spc="-1">
                 <a:solidFill>
                   <a:srgbClr val="262626"/>
                 </a:solidFill>
@@ -7148,7 +8308,7 @@
               </a:rPr>
               <a:t> :</a:t>
             </a:r>
-            <a:endParaRPr b="0" lang="en-US" sz="1600" spc="-1" strike="noStrike">
+            <a:endParaRPr lang="en-US" sz="1600" b="0" strike="noStrike" spc="-1">
               <a:solidFill>
                 <a:srgbClr val="262626"/>
               </a:solidFill>
@@ -7167,17 +8327,17 @@
                 <a:spcPts val="601"/>
               </a:spcAft>
               <a:buClr>
-                <a:srgbClr val="83992a"/>
+                <a:srgbClr val="83992A"/>
               </a:buClr>
               <a:buSzPct val="115000"/>
               <a:buFont typeface="Arial"/>
               <a:buChar char="•"/>
               <a:tabLst>
-                <a:tab algn="l" pos="0"/>
+                <a:tab pos="0" algn="l"/>
               </a:tabLst>
             </a:pPr>
             <a:r>
-              <a:rPr b="0" lang="fr-FR" sz="1600" spc="-1" strike="noStrike">
+              <a:rPr lang="fr-FR" sz="1600" b="0" strike="noStrike" spc="-1">
                 <a:solidFill>
                   <a:srgbClr val="262626"/>
                 </a:solidFill>
@@ -7185,7 +8345,7 @@
               </a:rPr>
               <a:t>Python</a:t>
             </a:r>
-            <a:endParaRPr b="0" lang="en-US" sz="1600" spc="-1" strike="noStrike">
+            <a:endParaRPr lang="en-US" sz="1600" b="0" strike="noStrike" spc="-1">
               <a:solidFill>
                 <a:srgbClr val="262626"/>
               </a:solidFill>
@@ -7204,10 +8364,10 @@
                 <a:spcPts val="601"/>
               </a:spcAft>
               <a:tabLst>
-                <a:tab algn="l" pos="0"/>
+                <a:tab pos="0" algn="l"/>
               </a:tabLst>
             </a:pPr>
-            <a:endParaRPr b="0" lang="en-US" sz="1600" spc="-1" strike="noStrike">
+            <a:endParaRPr lang="en-US" sz="1600" b="0" strike="noStrike" spc="-1">
               <a:solidFill>
                 <a:srgbClr val="262626"/>
               </a:solidFill>
@@ -7226,10 +8386,10 @@
                 <a:spcPts val="601"/>
               </a:spcAft>
               <a:tabLst>
-                <a:tab algn="l" pos="0"/>
+                <a:tab pos="0" algn="l"/>
               </a:tabLst>
             </a:pPr>
-            <a:endParaRPr b="0" lang="en-US" sz="1600" spc="-1" strike="noStrike">
+            <a:endParaRPr lang="en-US" sz="1600" b="0" strike="noStrike" spc="-1">
               <a:solidFill>
                 <a:srgbClr val="262626"/>
               </a:solidFill>
@@ -7248,11 +8408,11 @@
                 <a:spcPts val="601"/>
               </a:spcAft>
               <a:tabLst>
-                <a:tab algn="l" pos="0"/>
+                <a:tab pos="0" algn="l"/>
               </a:tabLst>
             </a:pPr>
             <a:r>
-              <a:rPr b="1" lang="fr-FR" sz="1600" spc="-1" strike="noStrike">
+              <a:rPr lang="fr-FR" sz="1600" b="1" strike="noStrike" spc="-1">
                 <a:solidFill>
                   <a:srgbClr val="262626"/>
                 </a:solidFill>
@@ -7260,7 +8420,7 @@
               </a:rPr>
               <a:t>Jeu de données :</a:t>
             </a:r>
-            <a:endParaRPr b="0" lang="en-US" sz="1600" spc="-1" strike="noStrike">
+            <a:endParaRPr lang="en-US" sz="1600" b="0" strike="noStrike" spc="-1">
               <a:solidFill>
                 <a:srgbClr val="262626"/>
               </a:solidFill>
@@ -7279,17 +8439,17 @@
                 <a:spcPts val="601"/>
               </a:spcAft>
               <a:buClr>
-                <a:srgbClr val="83992a"/>
+                <a:srgbClr val="83992A"/>
               </a:buClr>
               <a:buSzPct val="115000"/>
               <a:buFont typeface="Arial"/>
               <a:buChar char="•"/>
               <a:tabLst>
-                <a:tab algn="l" pos="0"/>
+                <a:tab pos="0" algn="l"/>
               </a:tabLst>
             </a:pPr>
             <a:r>
-              <a:rPr b="0" lang="fr-FR" sz="1600" spc="-1" strike="noStrike">
+              <a:rPr lang="fr-FR" sz="1600" b="0" strike="noStrike" spc="-1">
                 <a:solidFill>
                   <a:srgbClr val="262626"/>
                 </a:solidFill>
@@ -7297,7 +8457,7 @@
               </a:rPr>
               <a:t>Kaggle – House pricing</a:t>
             </a:r>
-            <a:endParaRPr b="0" lang="en-US" sz="1600" spc="-1" strike="noStrike">
+            <a:endParaRPr lang="en-US" sz="1600" b="0" strike="noStrike" spc="-1">
               <a:solidFill>
                 <a:srgbClr val="262626"/>
               </a:solidFill>
@@ -7316,10 +8476,10 @@
                 <a:spcPts val="601"/>
               </a:spcAft>
               <a:tabLst>
-                <a:tab algn="l" pos="0"/>
+                <a:tab pos="0" algn="l"/>
               </a:tabLst>
             </a:pPr>
-            <a:endParaRPr b="0" lang="en-US" sz="1600" spc="-1" strike="noStrike">
+            <a:endParaRPr lang="en-US" sz="1600" b="0" strike="noStrike" spc="-1">
               <a:solidFill>
                 <a:srgbClr val="262626"/>
               </a:solidFill>
@@ -7351,6 +8511,7 @@
           <a:bodyPr>
             <a:noAutofit/>
           </a:bodyPr>
+          <a:lstStyle/>
           <a:p>
             <a:pPr>
               <a:lnSpc>
@@ -7363,11 +8524,11 @@
                 <a:spcPts val="601"/>
               </a:spcAft>
               <a:tabLst>
-                <a:tab algn="l" pos="0"/>
+                <a:tab pos="0" algn="l"/>
               </a:tabLst>
             </a:pPr>
             <a:r>
-              <a:rPr b="1" lang="fr-FR" sz="1600" spc="-1" strike="noStrike">
+              <a:rPr lang="fr-FR" sz="1600" b="1" strike="noStrike" spc="-1">
                 <a:solidFill>
                   <a:srgbClr val="262626"/>
                 </a:solidFill>
@@ -7376,7 +8537,7 @@
               <a:t>Librairies</a:t>
             </a:r>
             <a:r>
-              <a:rPr b="0" lang="fr-FR" sz="1600" spc="-1" strike="noStrike">
+              <a:rPr lang="fr-FR" sz="1600" b="0" strike="noStrike" spc="-1">
                 <a:solidFill>
                   <a:srgbClr val="262626"/>
                 </a:solidFill>
@@ -7384,7 +8545,7 @@
               </a:rPr>
               <a:t> :</a:t>
             </a:r>
-            <a:endParaRPr b="0" lang="en-US" sz="1600" spc="-1" strike="noStrike">
+            <a:endParaRPr lang="en-US" sz="1600" b="0" strike="noStrike" spc="-1">
               <a:solidFill>
                 <a:srgbClr val="262626"/>
               </a:solidFill>
@@ -7403,17 +8564,17 @@
                 <a:spcPts val="601"/>
               </a:spcAft>
               <a:buClr>
-                <a:srgbClr val="83992a"/>
+                <a:srgbClr val="83992A"/>
               </a:buClr>
               <a:buSzPct val="115000"/>
               <a:buFont typeface="Arial"/>
               <a:buChar char="•"/>
               <a:tabLst>
-                <a:tab algn="l" pos="0"/>
+                <a:tab pos="0" algn="l"/>
               </a:tabLst>
             </a:pPr>
             <a:r>
-              <a:rPr b="0" lang="fr-FR" sz="1600" spc="-1" strike="noStrike">
+              <a:rPr lang="fr-FR" sz="1600" b="0" strike="noStrike" spc="-1">
                 <a:solidFill>
                   <a:srgbClr val="262626"/>
                 </a:solidFill>
@@ -7421,7 +8582,7 @@
               </a:rPr>
               <a:t>Sklearn: decomposition, cluster, preprocessing</a:t>
             </a:r>
-            <a:endParaRPr b="0" lang="en-US" sz="1600" spc="-1" strike="noStrike">
+            <a:endParaRPr lang="en-US" sz="1600" b="0" strike="noStrike" spc="-1">
               <a:solidFill>
                 <a:srgbClr val="262626"/>
               </a:solidFill>
@@ -7440,17 +8601,17 @@
                 <a:spcPts val="601"/>
               </a:spcAft>
               <a:buClr>
-                <a:srgbClr val="83992a"/>
+                <a:srgbClr val="83992A"/>
               </a:buClr>
               <a:buSzPct val="115000"/>
               <a:buFont typeface="Arial"/>
               <a:buChar char="•"/>
               <a:tabLst>
-                <a:tab algn="l" pos="0"/>
+                <a:tab pos="0" algn="l"/>
               </a:tabLst>
             </a:pPr>
             <a:r>
-              <a:rPr b="0" lang="fr-FR" sz="1600" spc="-1" strike="noStrike">
+              <a:rPr lang="fr-FR" sz="1600" b="0" strike="noStrike" spc="-1">
                 <a:solidFill>
                   <a:srgbClr val="262626"/>
                 </a:solidFill>
@@ -7458,7 +8619,7 @@
               </a:rPr>
               <a:t>Numpy</a:t>
             </a:r>
-            <a:endParaRPr b="0" lang="en-US" sz="1600" spc="-1" strike="noStrike">
+            <a:endParaRPr lang="en-US" sz="1600" b="0" strike="noStrike" spc="-1">
               <a:solidFill>
                 <a:srgbClr val="262626"/>
               </a:solidFill>
@@ -7477,17 +8638,17 @@
                 <a:spcPts val="601"/>
               </a:spcAft>
               <a:buClr>
-                <a:srgbClr val="83992a"/>
+                <a:srgbClr val="83992A"/>
               </a:buClr>
               <a:buSzPct val="115000"/>
               <a:buFont typeface="Arial"/>
               <a:buChar char="•"/>
               <a:tabLst>
-                <a:tab algn="l" pos="0"/>
+                <a:tab pos="0" algn="l"/>
               </a:tabLst>
             </a:pPr>
             <a:r>
-              <a:rPr b="0" lang="fr-FR" sz="1600" spc="-1" strike="noStrike">
+              <a:rPr lang="fr-FR" sz="1600" b="0" strike="noStrike" spc="-1">
                 <a:solidFill>
                   <a:srgbClr val="262626"/>
                 </a:solidFill>
@@ -7495,7 +8656,7 @@
               </a:rPr>
               <a:t>Pandas</a:t>
             </a:r>
-            <a:endParaRPr b="0" lang="en-US" sz="1600" spc="-1" strike="noStrike">
+            <a:endParaRPr lang="en-US" sz="1600" b="0" strike="noStrike" spc="-1">
               <a:solidFill>
                 <a:srgbClr val="262626"/>
               </a:solidFill>
@@ -7514,17 +8675,17 @@
                 <a:spcPts val="601"/>
               </a:spcAft>
               <a:buClr>
-                <a:srgbClr val="83992a"/>
+                <a:srgbClr val="83992A"/>
               </a:buClr>
               <a:buSzPct val="115000"/>
               <a:buFont typeface="Arial"/>
               <a:buChar char="•"/>
               <a:tabLst>
-                <a:tab algn="l" pos="0"/>
+                <a:tab pos="0" algn="l"/>
               </a:tabLst>
             </a:pPr>
             <a:r>
-              <a:rPr b="0" lang="fr-FR" sz="1600" spc="-1" strike="noStrike">
+              <a:rPr lang="fr-FR" sz="1600" b="0" strike="noStrike" spc="-1">
                 <a:solidFill>
                   <a:srgbClr val="262626"/>
                 </a:solidFill>
@@ -7532,7 +8693,7 @@
               </a:rPr>
               <a:t>Matplotlib</a:t>
             </a:r>
-            <a:endParaRPr b="0" lang="en-US" sz="1600" spc="-1" strike="noStrike">
+            <a:endParaRPr lang="en-US" sz="1600" b="0" strike="noStrike" spc="-1">
               <a:solidFill>
                 <a:srgbClr val="262626"/>
               </a:solidFill>
@@ -7543,30 +8704,7 @@
       </p:sp>
       <p:pic>
         <p:nvPicPr>
-          <p:cNvPr id="162" name="Image 3" descr=""/>
-          <p:cNvPicPr/>
-          <p:nvPr/>
-        </p:nvPicPr>
-        <p:blipFill>
-          <a:blip r:embed="rId1"/>
-          <a:stretch/>
-        </p:blipFill>
-        <p:spPr>
-          <a:xfrm>
-            <a:off x="8148240" y="3842280"/>
-            <a:ext cx="1658880" cy="663120"/>
-          </a:xfrm>
-          <a:prstGeom prst="rect">
-            <a:avLst/>
-          </a:prstGeom>
-          <a:ln>
-            <a:noFill/>
-          </a:ln>
-        </p:spPr>
-      </p:pic>
-      <p:pic>
-        <p:nvPicPr>
-          <p:cNvPr id="163" name="Image 4" descr=""/>
+          <p:cNvPr id="162" name="Image 3"/>
           <p:cNvPicPr/>
           <p:nvPr/>
         </p:nvPicPr>
@@ -7576,8 +8714,8 @@
         </p:blipFill>
         <p:spPr>
           <a:xfrm>
-            <a:off x="9609120" y="4448520"/>
-            <a:ext cx="1525320" cy="616320"/>
+            <a:off x="8148240" y="3842280"/>
+            <a:ext cx="1658880" cy="663120"/>
           </a:xfrm>
           <a:prstGeom prst="rect">
             <a:avLst/>
@@ -7589,7 +8727,7 @@
       </p:pic>
       <p:pic>
         <p:nvPicPr>
-          <p:cNvPr id="164" name="Image 8" descr=""/>
+          <p:cNvPr id="163" name="Image 4"/>
           <p:cNvPicPr/>
           <p:nvPr/>
         </p:nvPicPr>
@@ -7598,9 +8736,9 @@
           <a:stretch/>
         </p:blipFill>
         <p:spPr>
-          <a:xfrm flipH="1">
-            <a:off x="8480160" y="5125320"/>
-            <a:ext cx="705600" cy="705600"/>
+          <a:xfrm>
+            <a:off x="9609120" y="4448520"/>
+            <a:ext cx="1525320" cy="616320"/>
           </a:xfrm>
           <a:prstGeom prst="rect">
             <a:avLst/>
@@ -7612,7 +8750,7 @@
       </p:pic>
       <p:pic>
         <p:nvPicPr>
-          <p:cNvPr id="165" name="Image 9" descr=""/>
+          <p:cNvPr id="164" name="Image 8"/>
           <p:cNvPicPr/>
           <p:nvPr/>
         </p:nvPicPr>
@@ -7621,9 +8759,9 @@
           <a:stretch/>
         </p:blipFill>
         <p:spPr>
-          <a:xfrm>
-            <a:off x="9715320" y="3235680"/>
-            <a:ext cx="1313280" cy="707040"/>
+          <a:xfrm flipH="1">
+            <a:off x="8480160" y="5125320"/>
+            <a:ext cx="705600" cy="705600"/>
           </a:xfrm>
           <a:prstGeom prst="rect">
             <a:avLst/>
@@ -7635,7 +8773,7 @@
       </p:pic>
       <p:pic>
         <p:nvPicPr>
-          <p:cNvPr id="166" name="Image 10" descr=""/>
+          <p:cNvPr id="165" name="Image 9"/>
           <p:cNvPicPr/>
           <p:nvPr/>
         </p:nvPicPr>
@@ -7645,8 +8783,8 @@
         </p:blipFill>
         <p:spPr>
           <a:xfrm>
-            <a:off x="4596480" y="2617560"/>
-            <a:ext cx="828360" cy="828360"/>
+            <a:off x="9715320" y="3235680"/>
+            <a:ext cx="1313280" cy="707040"/>
           </a:xfrm>
           <a:prstGeom prst="rect">
             <a:avLst/>
@@ -7658,7 +8796,7 @@
       </p:pic>
       <p:pic>
         <p:nvPicPr>
-          <p:cNvPr id="167" name="Image 11" descr=""/>
+          <p:cNvPr id="166" name="Image 10"/>
           <p:cNvPicPr/>
           <p:nvPr/>
         </p:nvPicPr>
@@ -7668,8 +8806,8 @@
         </p:blipFill>
         <p:spPr>
           <a:xfrm>
-            <a:off x="4550400" y="4270320"/>
-            <a:ext cx="920880" cy="355320"/>
+            <a:off x="4596480" y="2617560"/>
+            <a:ext cx="828360" cy="828360"/>
           </a:xfrm>
           <a:prstGeom prst="rect">
             <a:avLst/>
@@ -7679,13 +8817,39 @@
           </a:ln>
         </p:spPr>
       </p:pic>
+      <p:pic>
+        <p:nvPicPr>
+          <p:cNvPr id="167" name="Image 11"/>
+          <p:cNvPicPr/>
+          <p:nvPr/>
+        </p:nvPicPr>
+        <p:blipFill>
+          <a:blip r:embed="rId7"/>
+          <a:stretch/>
+        </p:blipFill>
+        <p:spPr>
+          <a:xfrm>
+            <a:off x="4550400" y="4270320"/>
+            <a:ext cx="920880" cy="355320"/>
+          </a:xfrm>
+          <a:prstGeom prst="rect">
+            <a:avLst/>
+          </a:prstGeom>
+          <a:ln>
+            <a:noFill/>
+          </a:ln>
+        </p:spPr>
+      </p:pic>
     </p:spTree>
   </p:cSld>
-  <mc:AlternateContent>
+  <p:clrMapOvr>
+    <a:masterClrMapping/>
+  </p:clrMapOvr>
+  <mc:AlternateContent xmlns:mc="http://schemas.openxmlformats.org/markup-compatibility/2006" xmlns:p14="http://schemas.microsoft.com/office/powerpoint/2010/main">
     <mc:Choice Requires="p14">
       <p:transition spd="slow" p14:dur="2000"/>
     </mc:Choice>
-    <mc:Fallback>
+    <mc:Fallback xmlns:p15="http://schemas.microsoft.com/office/powerpoint/2012/main" xmlns="">
       <p:transition spd="slow"/>
     </mc:Fallback>
   </mc:AlternateContent>
@@ -7693,7 +8857,7 @@
 </file>
 
 <file path=ppt/slides/slide6.xml><?xml version="1.0" encoding="utf-8"?>
-<p:sld xmlns:a="http://schemas.openxmlformats.org/drawingml/2006/main" xmlns:p="http://schemas.openxmlformats.org/presentationml/2006/main" xmlns:r="http://schemas.openxmlformats.org/officeDocument/2006/relationships" xmlns:p14="http://schemas.microsoft.com/office/powerpoint/2010/main" xmlns:p15="http://schemas.microsoft.com/office/powerpoint/2012/main" xmlns:mc="http://schemas.openxmlformats.org/markup-compatibility/2006">
+<p:sld xmlns:a="http://schemas.openxmlformats.org/drawingml/2006/main" xmlns:r="http://schemas.openxmlformats.org/officeDocument/2006/relationships" xmlns:p="http://schemas.openxmlformats.org/presentationml/2006/main">
   <p:cSld>
     <p:spTree>
       <p:nvGrpSpPr>
@@ -7732,6 +8896,7 @@
           <a:bodyPr anchor="ctr">
             <a:noAutofit/>
           </a:bodyPr>
+          <a:lstStyle/>
           <a:p>
             <a:pPr algn="ctr">
               <a:lnSpc>
@@ -7739,7 +8904,7 @@
               </a:lnSpc>
             </a:pPr>
             <a:r>
-              <a:rPr b="0" lang="fr-FR" sz="4400" spc="-1" strike="noStrike">
+              <a:rPr lang="fr-FR" sz="4400" b="0" strike="noStrike" spc="-1">
                 <a:solidFill>
                   <a:srgbClr val="262626"/>
                 </a:solidFill>
@@ -7747,7 +8912,7 @@
               </a:rPr>
               <a:t>Conclusion</a:t>
             </a:r>
-            <a:endParaRPr b="0" lang="en-US" sz="4400" spc="-1" strike="noStrike">
+            <a:endParaRPr lang="en-US" sz="4400" b="0" strike="noStrike" spc="-1">
               <a:solidFill>
                 <a:srgbClr val="000000"/>
               </a:solidFill>
@@ -7779,6 +8944,7 @@
           <a:bodyPr>
             <a:noAutofit/>
           </a:bodyPr>
+          <a:lstStyle/>
           <a:p>
             <a:pPr marL="285840" indent="-285480">
               <a:lnSpc>
@@ -7791,14 +8957,14 @@
                 <a:spcPts val="601"/>
               </a:spcAft>
               <a:buClr>
-                <a:srgbClr val="83992a"/>
+                <a:srgbClr val="83992A"/>
               </a:buClr>
               <a:buSzPct val="115000"/>
               <a:buFont typeface="Arial"/>
               <a:buChar char="•"/>
             </a:pPr>
             <a:r>
-              <a:rPr b="0" lang="fr-FR" sz="2400" spc="-1" strike="noStrike">
+              <a:rPr lang="fr-FR" sz="2400" b="0" strike="noStrike" spc="-1">
                 <a:solidFill>
                   <a:srgbClr val="262626"/>
                 </a:solidFill>
@@ -7806,7 +8972,7 @@
               </a:rPr>
               <a:t>Mathématiques nécessaires</a:t>
             </a:r>
-            <a:endParaRPr b="0" lang="en-US" sz="2400" spc="-1" strike="noStrike">
+            <a:endParaRPr lang="en-US" sz="2400" b="0" strike="noStrike" spc="-1">
               <a:solidFill>
                 <a:srgbClr val="262626"/>
               </a:solidFill>
@@ -7825,14 +8991,14 @@
                 <a:spcPts val="601"/>
               </a:spcAft>
               <a:buClr>
-                <a:srgbClr val="83992a"/>
+                <a:srgbClr val="83992A"/>
               </a:buClr>
               <a:buSzPct val="115000"/>
               <a:buFont typeface="Arial"/>
               <a:buChar char="•"/>
             </a:pPr>
             <a:r>
-              <a:rPr b="0" lang="fr-FR" sz="2400" spc="-1" strike="noStrike">
+              <a:rPr lang="fr-FR" sz="2400" b="0" strike="noStrike" spc="-1">
                 <a:solidFill>
                   <a:srgbClr val="262626"/>
                 </a:solidFill>
@@ -7840,7 +9006,7 @@
               </a:rPr>
               <a:t>Recherches abondantes</a:t>
             </a:r>
-            <a:endParaRPr b="0" lang="en-US" sz="2400" spc="-1" strike="noStrike">
+            <a:endParaRPr lang="en-US" sz="2400" b="0" strike="noStrike" spc="-1">
               <a:solidFill>
                 <a:srgbClr val="262626"/>
               </a:solidFill>
@@ -7859,14 +9025,14 @@
                 <a:spcPts val="601"/>
               </a:spcAft>
               <a:buClr>
-                <a:srgbClr val="83992a"/>
+                <a:srgbClr val="83992A"/>
               </a:buClr>
               <a:buSzPct val="115000"/>
               <a:buFont typeface="Arial"/>
               <a:buChar char="•"/>
             </a:pPr>
             <a:r>
-              <a:rPr b="0" lang="fr-FR" sz="2400" spc="-1" strike="noStrike">
+              <a:rPr lang="fr-FR" sz="2400" b="0" strike="noStrike" spc="-1">
                 <a:solidFill>
                   <a:srgbClr val="262626"/>
                 </a:solidFill>
@@ -7874,7 +9040,7 @@
               </a:rPr>
               <a:t>Complexité d’adaptation</a:t>
             </a:r>
-            <a:endParaRPr b="0" lang="en-US" sz="2400" spc="-1" strike="noStrike">
+            <a:endParaRPr lang="en-US" sz="2400" b="0" strike="noStrike" spc="-1">
               <a:solidFill>
                 <a:srgbClr val="262626"/>
               </a:solidFill>
@@ -7885,11 +9051,14 @@
       </p:sp>
     </p:spTree>
   </p:cSld>
-  <mc:AlternateContent>
+  <p:clrMapOvr>
+    <a:masterClrMapping/>
+  </p:clrMapOvr>
+  <mc:AlternateContent xmlns:mc="http://schemas.openxmlformats.org/markup-compatibility/2006" xmlns:p14="http://schemas.microsoft.com/office/powerpoint/2010/main">
     <mc:Choice Requires="p14">
       <p:transition spd="slow" p14:dur="2000"/>
     </mc:Choice>
-    <mc:Fallback>
+    <mc:Fallback xmlns:p15="http://schemas.microsoft.com/office/powerpoint/2012/main" xmlns="">
       <p:transition spd="slow"/>
     </mc:Fallback>
   </mc:AlternateContent>
@@ -7910,31 +9079,31 @@
         <a:srgbClr val="212121"/>
       </a:dk2>
       <a:lt2>
-        <a:srgbClr val="dadada"/>
+        <a:srgbClr val="DADADA"/>
       </a:lt2>
       <a:accent1>
-        <a:srgbClr val="83992a"/>
+        <a:srgbClr val="83992A"/>
       </a:accent1>
       <a:accent2>
-        <a:srgbClr val="3c9770"/>
+        <a:srgbClr val="3C9770"/>
       </a:accent2>
       <a:accent3>
-        <a:srgbClr val="44709d"/>
+        <a:srgbClr val="44709D"/>
       </a:accent3>
       <a:accent4>
-        <a:srgbClr val="a23c33"/>
+        <a:srgbClr val="A23C33"/>
       </a:accent4>
       <a:accent5>
-        <a:srgbClr val="d97828"/>
+        <a:srgbClr val="D97828"/>
       </a:accent5>
       <a:accent6>
-        <a:srgbClr val="deb340"/>
+        <a:srgbClr val="DEB340"/>
       </a:accent6>
       <a:hlink>
-        <a:srgbClr val="a8bf4d"/>
+        <a:srgbClr val="A8BF4D"/>
       </a:hlink>
       <a:folHlink>
-        <a:srgbClr val="b4ca80"/>
+        <a:srgbClr val="B4CA80"/>
       </a:folHlink>
     </a:clrScheme>
     <a:fontScheme name="Office">
@@ -8119,6 +9288,8 @@
       </a:bgFillStyleLst>
     </a:fmtScheme>
   </a:themeElements>
+  <a:objectDefaults/>
+  <a:extraClrSchemeLst/>
 </a:theme>
 </file>
 
@@ -8136,31 +9307,31 @@
         <a:srgbClr val="212121"/>
       </a:dk2>
       <a:lt2>
-        <a:srgbClr val="dadada"/>
+        <a:srgbClr val="DADADA"/>
       </a:lt2>
       <a:accent1>
-        <a:srgbClr val="83992a"/>
+        <a:srgbClr val="83992A"/>
       </a:accent1>
       <a:accent2>
-        <a:srgbClr val="3c9770"/>
+        <a:srgbClr val="3C9770"/>
       </a:accent2>
       <a:accent3>
-        <a:srgbClr val="44709d"/>
+        <a:srgbClr val="44709D"/>
       </a:accent3>
       <a:accent4>
-        <a:srgbClr val="a23c33"/>
+        <a:srgbClr val="A23C33"/>
       </a:accent4>
       <a:accent5>
-        <a:srgbClr val="d97828"/>
+        <a:srgbClr val="D97828"/>
       </a:accent5>
       <a:accent6>
-        <a:srgbClr val="deb340"/>
+        <a:srgbClr val="DEB340"/>
       </a:accent6>
       <a:hlink>
-        <a:srgbClr val="a8bf4d"/>
+        <a:srgbClr val="A8BF4D"/>
       </a:hlink>
       <a:folHlink>
-        <a:srgbClr val="b4ca80"/>
+        <a:srgbClr val="B4CA80"/>
       </a:folHlink>
     </a:clrScheme>
     <a:fontScheme name="Office">
@@ -8345,6 +9516,8 @@
       </a:bgFillStyleLst>
     </a:fmtScheme>
   </a:themeElements>
+  <a:objectDefaults/>
+  <a:extraClrSchemeLst/>
 </a:theme>
 </file>
 
@@ -8362,31 +9535,31 @@
         <a:srgbClr val="212121"/>
       </a:dk2>
       <a:lt2>
-        <a:srgbClr val="dadada"/>
+        <a:srgbClr val="DADADA"/>
       </a:lt2>
       <a:accent1>
-        <a:srgbClr val="83992a"/>
+        <a:srgbClr val="83992A"/>
       </a:accent1>
       <a:accent2>
-        <a:srgbClr val="3c9770"/>
+        <a:srgbClr val="3C9770"/>
       </a:accent2>
       <a:accent3>
-        <a:srgbClr val="44709d"/>
+        <a:srgbClr val="44709D"/>
       </a:accent3>
       <a:accent4>
-        <a:srgbClr val="a23c33"/>
+        <a:srgbClr val="A23C33"/>
       </a:accent4>
       <a:accent5>
-        <a:srgbClr val="d97828"/>
+        <a:srgbClr val="D97828"/>
       </a:accent5>
       <a:accent6>
-        <a:srgbClr val="deb340"/>
+        <a:srgbClr val="DEB340"/>
       </a:accent6>
       <a:hlink>
-        <a:srgbClr val="a8bf4d"/>
+        <a:srgbClr val="A8BF4D"/>
       </a:hlink>
       <a:folHlink>
-        <a:srgbClr val="b4ca80"/>
+        <a:srgbClr val="B4CA80"/>
       </a:folHlink>
     </a:clrScheme>
     <a:fontScheme name="Office">
@@ -8571,5 +9744,7 @@
       </a:bgFillStyleLst>
     </a:fmtScheme>
   </a:themeElements>
+  <a:objectDefaults/>
+  <a:extraClrSchemeLst/>
 </a:theme>
 </file>